--- a/aulas/05-algoritmos-aleatorios/slides.pptx
+++ b/aulas/05-algoritmos-aleatorios/slides.pptx
@@ -34,7 +34,6 @@
     <p:sldId id="281" r:id="rId30"/>
     <p:sldId id="282" r:id="rId31"/>
     <p:sldId id="283" r:id="rId32"/>
-    <p:sldId id="284" r:id="rId33"/>
   </p:sldIdLst>
   <p:sldSz cx="9144000" cy="6858000" type="screen4x3"/>
   <p:notesSz cx="6858000" cy="9144000"/>
@@ -49,6 +48,7 @@
       <a:spcAft>
         <a:spcPts val="0"/>
       </a:spcAft>
+      <a:defRPr lang="pt-BR"/>
     </a:defPPr>
     <a:lvl1pPr marR="0" lvl="0" algn="l">
       <a:lnSpc>
@@ -7083,7 +7083,7 @@
         <p:spPr bwMode="auto">
           <a:xfrm>
             <a:off x="457200" y="1604520"/>
-            <a:ext cx="2649599" cy="1896840"/>
+            <a:ext cx="2649598" cy="1896840"/>
           </a:xfrm>
           <a:prstGeom prst="rect">
             <a:avLst/>
@@ -7219,7 +7219,7 @@
         <p:spPr bwMode="auto">
           <a:xfrm>
             <a:off x="3239640" y="1604520"/>
-            <a:ext cx="2649599" cy="1896840"/>
+            <a:ext cx="2649598" cy="1896840"/>
           </a:xfrm>
           <a:prstGeom prst="rect">
             <a:avLst/>
@@ -7355,7 +7355,7 @@
         <p:spPr bwMode="auto">
           <a:xfrm>
             <a:off x="6022080" y="1604520"/>
-            <a:ext cx="2649599" cy="1896840"/>
+            <a:ext cx="2649598" cy="1896840"/>
           </a:xfrm>
           <a:prstGeom prst="rect">
             <a:avLst/>
@@ -7491,7 +7491,7 @@
         <p:spPr bwMode="auto">
           <a:xfrm>
             <a:off x="457200" y="3682080"/>
-            <a:ext cx="2649599" cy="1896840"/>
+            <a:ext cx="2649598" cy="1896840"/>
           </a:xfrm>
           <a:prstGeom prst="rect">
             <a:avLst/>
@@ -7627,7 +7627,7 @@
         <p:spPr bwMode="auto">
           <a:xfrm>
             <a:off x="3239640" y="3682080"/>
-            <a:ext cx="2649599" cy="1896840"/>
+            <a:ext cx="2649598" cy="1896840"/>
           </a:xfrm>
           <a:prstGeom prst="rect">
             <a:avLst/>
@@ -7763,7 +7763,7 @@
         <p:spPr bwMode="auto">
           <a:xfrm>
             <a:off x="6022080" y="3682080"/>
-            <a:ext cx="2649599" cy="1896840"/>
+            <a:ext cx="2649598" cy="1896840"/>
           </a:xfrm>
           <a:prstGeom prst="rect">
             <a:avLst/>
@@ -12813,7 +12813,7 @@
                 <a:ea typeface="Verdana"/>
                 <a:cs typeface="Verdana"/>
               </a:rPr>
-              <a:t>Aula 4 – Heurísticas + Projeto</a:t>
+              <a:t>Aula 5 – projeto + algoritmos aleatorizados</a:t>
             </a:r>
             <a:endParaRPr sz="2000" b="0" i="0" u="none" strike="noStrike" cap="none">
               <a:solidFill>
@@ -13085,13 +13085,13 @@
       </p:grpSpPr>
       <p:sp>
         <p:nvSpPr>
-          <p:cNvPr id="4" name="Google Shape;267;p55" hidden="0"/>
+          <p:cNvPr id="4" name="Google Shape;347;p64" hidden="0"/>
           <p:cNvSpPr/>
           <p:nvPr isPhoto="0" userDrawn="0"/>
         </p:nvSpPr>
         <p:spPr bwMode="auto">
           <a:xfrm>
-            <a:off x="457200" y="781200"/>
+            <a:off x="457200" y="2920659"/>
             <a:ext cx="8228520" cy="618120"/>
           </a:xfrm>
           <a:prstGeom prst="rect">
@@ -13108,7 +13108,7 @@
           </a:bodyPr>
           <a:lstStyle/>
           <a:p>
-            <a:pPr marL="0" marR="0" lvl="0" indent="0" algn="l">
+            <a:pPr marL="0" marR="0" lvl="0" indent="0" algn="ctr">
               <a:lnSpc>
                 <a:spcPct val="100000"/>
               </a:lnSpc>
@@ -13122,7 +13122,7 @@
               <a:defRPr/>
             </a:pPr>
             <a:r>
-              <a:rPr lang="pt-BR" sz="3200" b="0" i="0" u="none" strike="noStrike" cap="none">
+              <a:rPr lang="pt-BR" sz="3600" b="1" i="0" u="none" strike="noStrike" cap="none">
                 <a:solidFill>
                   <a:srgbClr val="C00026"/>
                 </a:solidFill>
@@ -13130,9 +13130,9 @@
                 <a:ea typeface="Verdana"/>
                 <a:cs typeface="Verdana"/>
               </a:rPr>
-              <a:t>A mochila binária</a:t>
+              <a:t>Algoritmos aleatorizados</a:t>
             </a:r>
-            <a:endParaRPr sz="3200" b="0" i="0" u="none" strike="noStrike" cap="none">
+            <a:endParaRPr sz="3600" b="1" i="0" u="none" strike="noStrike" cap="none">
               <a:solidFill>
                 <a:schemeClr val="dk1"/>
               </a:solidFill>
@@ -13145,7 +13145,7 @@
       </p:sp>
       <p:sp>
         <p:nvSpPr>
-          <p:cNvPr id="5" name="Google Shape;268;p55" hidden="0"/>
+          <p:cNvPr id="5" name="Google Shape;348;p64" hidden="0"/>
           <p:cNvSpPr/>
           <p:nvPr isPhoto="0" userDrawn="0"/>
         </p:nvSpPr>
@@ -13184,7 +13184,7 @@
       </p:sp>
       <p:sp>
         <p:nvSpPr>
-          <p:cNvPr id="6" name="Google Shape;269;p55" hidden="0"/>
+          <p:cNvPr id="6" name="Google Shape;349;p64" hidden="0"/>
           <p:cNvSpPr/>
           <p:nvPr isPhoto="0" userDrawn="0"/>
         </p:nvSpPr>
@@ -13220,7 +13220,7 @@
               <a:buNone/>
               <a:defRPr/>
             </a:pPr>
-            <a:fld id="{65FDD688-9933-660E-5D93-5B6A6949647A}" type="slidenum">
+            <a:fld id="{C2581D0F-81C8-5D84-8B47-C810591E47F2}" type="slidenum">
               <a:rPr lang="pt-BR" sz="1000" b="0" i="0" u="none" strike="noStrike" cap="none">
                 <a:solidFill>
                   <a:srgbClr val="B2B2B2"/>
@@ -13242,154 +13242,6 @@
           </a:p>
         </p:txBody>
       </p:sp>
-      <p:sp>
-        <p:nvSpPr>
-          <p:cNvPr id="7" name="Google Shape;270;p55" hidden="0"/>
-          <p:cNvSpPr>
-            <a:spLocks noAdjustHandles="0" noChangeArrowheads="0"/>
-          </p:cNvSpPr>
-          <p:nvPr isPhoto="0" userDrawn="0"/>
-        </p:nvSpPr>
-        <p:spPr bwMode="auto">
-          <a:xfrm flipH="0" flipV="0">
-            <a:off x="309225" y="1588485"/>
-            <a:ext cx="8704379" cy="4976426"/>
-          </a:xfrm>
-          <a:prstGeom prst="rect">
-            <a:avLst/>
-          </a:prstGeom>
-          <a:noFill/>
-          <a:ln>
-            <a:noFill/>
-          </a:ln>
-        </p:spPr>
-        <p:txBody>
-          <a:bodyPr spcFirstLastPara="1" wrap="square" lIns="91422" tIns="45694" rIns="91422" bIns="45694" anchor="t" anchorCtr="0">
-            <a:noAutofit/>
-          </a:bodyPr>
-          <a:lstStyle/>
-          <a:p>
-            <a:pPr>
-              <a:defRPr/>
-            </a:pPr>
-            <a:r>
-              <a:rPr sz="2400"/>
-              <a:t>Quais escolhas podem ser feitas?</a:t>
-            </a:r>
-            <a:endParaRPr sz="2400"/>
-          </a:p>
-          <a:p>
-            <a:pPr marL="750015" lvl="1" indent="-349965">
-              <a:buFont typeface="Arial"/>
-              <a:buChar char="•"/>
-              <a:defRPr/>
-            </a:pPr>
-            <a:r>
-              <a:rPr sz="2000"/>
-              <a:t>Quais produtos pegar?</a:t>
-            </a:r>
-            <a:endParaRPr sz="2000"/>
-          </a:p>
-          <a:p>
-            <a:pPr>
-              <a:defRPr/>
-            </a:pPr>
-            <a:endParaRPr/>
-          </a:p>
-          <a:p>
-            <a:pPr>
-              <a:defRPr/>
-            </a:pPr>
-            <a:endParaRPr/>
-          </a:p>
-          <a:p>
-            <a:pPr>
-              <a:defRPr/>
-            </a:pPr>
-            <a:endParaRPr/>
-          </a:p>
-          <a:p>
-            <a:pPr>
-              <a:defRPr/>
-            </a:pPr>
-            <a:r>
-              <a:rPr sz="2400"/>
-              <a:t>Qual é </a:t>
-            </a:r>
-            <a:r>
-              <a:rPr sz="2400"/>
-              <a:t>a função objetivo?</a:t>
-            </a:r>
-            <a:endParaRPr sz="2400"/>
-          </a:p>
-          <a:p>
-            <a:pPr marL="639871" lvl="1" indent="-239821">
-              <a:buFont typeface="Arial"/>
-              <a:buChar char="•"/>
-              <a:defRPr/>
-            </a:pPr>
-            <a:endParaRPr/>
-          </a:p>
-          <a:p>
-            <a:pPr>
-              <a:defRPr/>
-            </a:pPr>
-            <a:endParaRPr/>
-          </a:p>
-          <a:p>
-            <a:pPr>
-              <a:defRPr/>
-            </a:pPr>
-            <a:endParaRPr sz="2400"/>
-          </a:p>
-          <a:p>
-            <a:pPr>
-              <a:defRPr/>
-            </a:pPr>
-            <a:endParaRPr sz="2400"/>
-          </a:p>
-          <a:p>
-            <a:pPr>
-              <a:defRPr/>
-            </a:pPr>
-            <a:r>
-              <a:rPr sz="2400"/>
-              <a:t>Quais são as restrições?</a:t>
-            </a:r>
-            <a:endParaRPr sz="2400"/>
-          </a:p>
-          <a:p>
-            <a:pPr marL="750015" lvl="1" indent="-349965">
-              <a:buFont typeface="Arial"/>
-              <a:buChar char="•"/>
-              <a:defRPr/>
-            </a:pPr>
-            <a:endParaRPr/>
-          </a:p>
-        </p:txBody>
-      </p:sp>
-      <p:pic>
-        <p:nvPicPr>
-          <p:cNvPr id="8" name="" hidden="0"/>
-          <p:cNvPicPr>
-            <a:picLocks noChangeAspect="1"/>
-          </p:cNvPicPr>
-          <p:nvPr isPhoto="0" userDrawn="0"/>
-        </p:nvPicPr>
-        <p:blipFill>
-          <a:blip r:embed="rId2"/>
-          <a:stretch/>
-        </p:blipFill>
-        <p:spPr bwMode="auto">
-          <a:xfrm flipH="0" flipV="0">
-            <a:off x="6239171" y="2178637"/>
-            <a:ext cx="2566294" cy="2223066"/>
-          </a:xfrm>
-          <a:prstGeom prst="rect">
-            <a:avLst/>
-          </a:prstGeom>
-        </p:spPr>
-      </p:pic>
     </p:spTree>
   </p:cSld>
   <p:clrMapOvr>
@@ -13560,7 +13412,7 @@
               <a:buNone/>
               <a:defRPr/>
             </a:pPr>
-            <a:fld id="{5CD17893-02C6-E233-2CDE-9C60D6778858}" type="slidenum">
+            <a:fld id="{7D89B570-0228-7292-94CF-1830D68FF019}" type="slidenum">
               <a:rPr lang="pt-BR" sz="1000" b="0" i="0" u="none" strike="noStrike" cap="none">
                 <a:solidFill>
                   <a:srgbClr val="B2B2B2"/>
@@ -13592,8 +13444,8 @@
         </p:nvSpPr>
         <p:spPr bwMode="auto">
           <a:xfrm flipH="0" flipV="0">
-            <a:off x="309225" y="1588485"/>
-            <a:ext cx="8704379" cy="4976426"/>
+            <a:off x="309224" y="1588484"/>
+            <a:ext cx="8704378" cy="4976425"/>
           </a:xfrm>
           <a:prstGeom prst="rect">
             <a:avLst/>
@@ -13604,108 +13456,12 @@
           </a:ln>
         </p:spPr>
         <p:txBody>
-          <a:bodyPr spcFirstLastPara="1" wrap="square" lIns="91422" tIns="45694" rIns="91422" bIns="45694" anchor="t" anchorCtr="0">
+          <a:bodyPr spcFirstLastPara="1" wrap="square" lIns="91422" tIns="45693" rIns="91422" bIns="45693" anchor="t" anchorCtr="0">
             <a:noAutofit/>
           </a:bodyPr>
           <a:lstStyle/>
           <a:p>
             <a:pPr>
-              <a:defRPr/>
-            </a:pPr>
-            <a:r>
-              <a:rPr sz="2400"/>
-              <a:t>Quais escolhas podem ser feitas?</a:t>
-            </a:r>
-            <a:endParaRPr sz="2400"/>
-          </a:p>
-          <a:p>
-            <a:pPr marL="750015" lvl="1" indent="-349965">
-              <a:buFont typeface="Arial"/>
-              <a:buChar char="•"/>
-              <a:defRPr/>
-            </a:pPr>
-            <a:r>
-              <a:rPr sz="2000"/>
-              <a:t>Quais produtos pegar?</a:t>
-            </a:r>
-            <a:endParaRPr sz="2000"/>
-          </a:p>
-          <a:p>
-            <a:pPr>
-              <a:defRPr/>
-            </a:pPr>
-            <a:endParaRPr/>
-          </a:p>
-          <a:p>
-            <a:pPr>
-              <a:defRPr/>
-            </a:pPr>
-            <a:endParaRPr/>
-          </a:p>
-          <a:p>
-            <a:pPr>
-              <a:defRPr/>
-            </a:pPr>
-            <a:endParaRPr/>
-          </a:p>
-          <a:p>
-            <a:pPr>
-              <a:defRPr/>
-            </a:pPr>
-            <a:r>
-              <a:rPr sz="2400"/>
-              <a:t>Qual é </a:t>
-            </a:r>
-            <a:r>
-              <a:rPr sz="2400"/>
-              <a:t>a função objetivo?</a:t>
-            </a:r>
-            <a:endParaRPr sz="2400"/>
-          </a:p>
-          <a:p>
-            <a:pPr marL="639871" lvl="1" indent="-239821">
-              <a:buFont typeface="Arial"/>
-              <a:buChar char="•"/>
-              <a:defRPr/>
-            </a:pPr>
-            <a:r>
-              <a:rPr sz="2000"/>
-              <a:t>Maximizar valor dos objetos guardados</a:t>
-            </a:r>
-            <a:endParaRPr/>
-          </a:p>
-          <a:p>
-            <a:pPr>
-              <a:defRPr/>
-            </a:pPr>
-            <a:endParaRPr/>
-          </a:p>
-          <a:p>
-            <a:pPr>
-              <a:defRPr/>
-            </a:pPr>
-            <a:endParaRPr sz="2400"/>
-          </a:p>
-          <a:p>
-            <a:pPr>
-              <a:defRPr/>
-            </a:pPr>
-            <a:endParaRPr sz="2400"/>
-          </a:p>
-          <a:p>
-            <a:pPr>
-              <a:defRPr/>
-            </a:pPr>
-            <a:r>
-              <a:rPr sz="2400"/>
-              <a:t>Quais são as restrições?</a:t>
-            </a:r>
-            <a:endParaRPr sz="2400"/>
-          </a:p>
-          <a:p>
-            <a:pPr marL="750015" lvl="1" indent="-349965">
-              <a:buFont typeface="Arial"/>
-              <a:buChar char="•"/>
               <a:defRPr/>
             </a:pPr>
             <a:endParaRPr/>
@@ -13725,15 +13481,54 @@
           <a:stretch/>
         </p:blipFill>
         <p:spPr bwMode="auto">
-          <a:xfrm flipH="0" flipV="0">
-            <a:off x="6239171" y="2178637"/>
-            <a:ext cx="2566294" cy="2223066"/>
+          <a:xfrm>
+            <a:off x="2256885" y="1760114"/>
+            <a:ext cx="4629150" cy="4010023"/>
           </a:xfrm>
           <a:prstGeom prst="rect">
             <a:avLst/>
           </a:prstGeom>
         </p:spPr>
       </p:pic>
+      <p:sp>
+        <p:nvSpPr>
+          <p:cNvPr id="9" name="" hidden="0"/>
+          <p:cNvSpPr/>
+          <p:nvPr isPhoto="0" userDrawn="0"/>
+        </p:nvSpPr>
+        <p:spPr bwMode="auto">
+          <a:xfrm flipH="0" flipV="0">
+            <a:off x="530550" y="6262337"/>
+            <a:ext cx="8081816" cy="383972"/>
+          </a:xfrm>
+          <a:prstGeom prst="rect">
+            <a:avLst/>
+          </a:prstGeom>
+          <a:noFill/>
+        </p:spPr>
+        <p:txBody>
+          <a:bodyPr vertOverflow="overflow" horzOverflow="clip" vert="horz" wrap="square" lIns="91440" tIns="45720" rIns="91440" bIns="45720" numCol="1" spcCol="0" rtlCol="0" fromWordArt="0" anchor="t" anchorCtr="0" forceAA="0" upright="0" compatLnSpc="0">
+            <a:noAutofit/>
+          </a:bodyPr>
+          <a:p>
+            <a:pPr>
+              <a:defRPr/>
+            </a:pPr>
+            <a:r>
+              <a:rPr lang="en-US" sz="1400" b="0" i="0" u="none" strike="noStrike" cap="none" spc="0">
+                <a:solidFill>
+                  <a:srgbClr val="000000"/>
+                </a:solidFill>
+                <a:latin typeface="Arial"/>
+                <a:ea typeface="Arial"/>
+                <a:cs typeface="Arial"/>
+              </a:rPr>
+              <a:t>https://commons.wikimedia.org/wiki/File:Knapsack.svg</a:t>
+            </a:r>
+            <a:endParaRPr/>
+          </a:p>
+        </p:txBody>
+      </p:sp>
     </p:spTree>
   </p:cSld>
   <p:clrMapOvr>
@@ -13904,7 +13699,7 @@
               <a:buNone/>
               <a:defRPr/>
             </a:pPr>
-            <a:fld id="{F2D709CB-A37A-85A1-F56E-F4DA6ED53DFC}" type="slidenum">
+            <a:fld id="{F4A01D2B-F8FC-B133-F99F-0371CFF2903A}" type="slidenum">
               <a:rPr lang="pt-BR" sz="1000" b="0" i="0" u="none" strike="noStrike" cap="none">
                 <a:solidFill>
                   <a:srgbClr val="B2B2B2"/>
@@ -13936,8 +13731,8 @@
         </p:nvSpPr>
         <p:spPr bwMode="auto">
           <a:xfrm flipH="0" flipV="0">
-            <a:off x="309225" y="1588485"/>
-            <a:ext cx="8704379" cy="4976426"/>
+            <a:off x="309224" y="1588484"/>
+            <a:ext cx="8704378" cy="4976425"/>
           </a:xfrm>
           <a:prstGeom prst="rect">
             <a:avLst/>
@@ -13948,7 +13743,7 @@
           </a:ln>
         </p:spPr>
         <p:txBody>
-          <a:bodyPr spcFirstLastPara="1" wrap="square" lIns="91422" tIns="45694" rIns="91422" bIns="45694" anchor="t" anchorCtr="0">
+          <a:bodyPr spcFirstLastPara="1" wrap="square" lIns="91422" tIns="45693" rIns="91422" bIns="45693" anchor="t" anchorCtr="0">
             <a:noAutofit/>
           </a:bodyPr>
           <a:lstStyle/>
@@ -13963,7 +13758,7 @@
             <a:endParaRPr sz="2400"/>
           </a:p>
           <a:p>
-            <a:pPr marL="750015" lvl="1" indent="-349965">
+            <a:pPr marL="750014" lvl="1" indent="-349965">
               <a:buFont typeface="Arial"/>
               <a:buChar char="•"/>
               <a:defRPr/>
@@ -14007,7 +13802,7 @@
             <a:endParaRPr sz="2400"/>
           </a:p>
           <a:p>
-            <a:pPr marL="639871" lvl="1" indent="-239821">
+            <a:pPr marL="639870" lvl="1" indent="-239820">
               <a:buFont typeface="Arial"/>
               <a:buChar char="•"/>
               <a:defRPr/>
@@ -14047,7 +13842,7 @@
             <a:endParaRPr sz="2400"/>
           </a:p>
           <a:p>
-            <a:pPr marL="750015" lvl="1" indent="-349965">
+            <a:pPr marL="750014" lvl="1" indent="-349965">
               <a:buFont typeface="Arial"/>
               <a:buChar char="•"/>
               <a:defRPr/>
@@ -14074,8 +13869,8 @@
         </p:blipFill>
         <p:spPr bwMode="auto">
           <a:xfrm flipH="0" flipV="0">
-            <a:off x="6239171" y="2178637"/>
-            <a:ext cx="2566294" cy="2223066"/>
+            <a:off x="6239170" y="2178636"/>
+            <a:ext cx="2566293" cy="2223065"/>
           </a:xfrm>
           <a:prstGeom prst="rect">
             <a:avLst/>
@@ -14117,13 +13912,13 @@
       </p:grpSpPr>
       <p:sp>
         <p:nvSpPr>
-          <p:cNvPr id="4" name="Google Shape;347;p64" hidden="0"/>
+          <p:cNvPr id="4" name="Google Shape;267;p55" hidden="0"/>
           <p:cNvSpPr/>
           <p:nvPr isPhoto="0" userDrawn="0"/>
         </p:nvSpPr>
         <p:spPr bwMode="auto">
           <a:xfrm>
-            <a:off x="457200" y="2920658"/>
+            <a:off x="457200" y="781200"/>
             <a:ext cx="8228520" cy="618120"/>
           </a:xfrm>
           <a:prstGeom prst="rect">
@@ -14140,7 +13935,7 @@
           </a:bodyPr>
           <a:lstStyle/>
           <a:p>
-            <a:pPr marL="0" marR="0" lvl="0" indent="0" algn="ctr">
+            <a:pPr marL="0" marR="0" lvl="0" indent="0" algn="l">
               <a:lnSpc>
                 <a:spcPct val="100000"/>
               </a:lnSpc>
@@ -14154,7 +13949,7 @@
               <a:defRPr/>
             </a:pPr>
             <a:r>
-              <a:rPr lang="pt-BR" sz="3600" b="1" i="0" u="none" strike="noStrike" cap="none">
+              <a:rPr lang="pt-BR" sz="3200" b="0" i="0" u="none" strike="noStrike" cap="none">
                 <a:solidFill>
                   <a:srgbClr val="C00026"/>
                 </a:solidFill>
@@ -14164,7 +13959,7 @@
               </a:rPr>
               <a:t>Como resolver esse problema?</a:t>
             </a:r>
-            <a:endParaRPr sz="3600" b="1" i="0" u="none" strike="noStrike" cap="none">
+            <a:endParaRPr sz="3200" b="0" i="0" u="none" strike="noStrike" cap="none">
               <a:solidFill>
                 <a:schemeClr val="dk1"/>
               </a:solidFill>
@@ -14177,7 +13972,7 @@
       </p:sp>
       <p:sp>
         <p:nvSpPr>
-          <p:cNvPr id="5" name="Google Shape;348;p64" hidden="0"/>
+          <p:cNvPr id="5" name="Google Shape;268;p55" hidden="0"/>
           <p:cNvSpPr/>
           <p:nvPr isPhoto="0" userDrawn="0"/>
         </p:nvSpPr>
@@ -14216,7 +14011,7 @@
       </p:sp>
       <p:sp>
         <p:nvSpPr>
-          <p:cNvPr id="6" name="Google Shape;349;p64" hidden="0"/>
+          <p:cNvPr id="6" name="Google Shape;269;p55" hidden="0"/>
           <p:cNvSpPr/>
           <p:nvPr isPhoto="0" userDrawn="0"/>
         </p:nvSpPr>
@@ -14252,7 +14047,7 @@
               <a:buNone/>
               <a:defRPr/>
             </a:pPr>
-            <a:fld id="{87E024C4-3557-6BC3-0ED0-D63E292A9112}" type="slidenum">
+            <a:fld id="{CCEEAA18-D4C0-A806-F108-90A09FBE2603}" type="slidenum">
               <a:rPr lang="pt-BR" sz="1000" b="0" i="0" u="none" strike="noStrike" cap="none">
                 <a:solidFill>
                   <a:srgbClr val="B2B2B2"/>
@@ -14270,6 +14065,141 @@
               <a:latin typeface="Arial"/>
               <a:ea typeface="Arial"/>
               <a:cs typeface="Arial"/>
+            </a:endParaRPr>
+          </a:p>
+        </p:txBody>
+      </p:sp>
+      <p:sp>
+        <p:nvSpPr>
+          <p:cNvPr id="7" name="Google Shape;270;p55" hidden="0"/>
+          <p:cNvSpPr>
+            <a:spLocks noAdjustHandles="0" noChangeArrowheads="0"/>
+          </p:cNvSpPr>
+          <p:nvPr isPhoto="0" userDrawn="0"/>
+        </p:nvSpPr>
+        <p:spPr bwMode="auto">
+          <a:xfrm flipH="0" flipV="0">
+            <a:off x="309226" y="1588485"/>
+            <a:ext cx="8704380" cy="4976427"/>
+          </a:xfrm>
+          <a:prstGeom prst="rect">
+            <a:avLst/>
+          </a:prstGeom>
+          <a:noFill/>
+          <a:ln>
+            <a:noFill/>
+          </a:ln>
+        </p:spPr>
+        <p:txBody>
+          <a:bodyPr spcFirstLastPara="1" wrap="square" lIns="91422" tIns="45695" rIns="91422" bIns="45695" anchor="t" anchorCtr="0">
+            <a:noAutofit/>
+          </a:bodyPr>
+          <a:lstStyle/>
+          <a:p>
+            <a:pPr algn="l">
+              <a:defRPr/>
+            </a:pPr>
+            <a:endParaRPr sz="2400" b="0" u="none">
+              <a:solidFill>
+                <a:schemeClr val="tx1"/>
+              </a:solidFill>
+            </a:endParaRPr>
+          </a:p>
+          <a:p>
+            <a:pPr algn="l">
+              <a:defRPr/>
+            </a:pPr>
+            <a:r>
+              <a:rPr sz="2400" b="0" u="none">
+                <a:solidFill>
+                  <a:schemeClr val="tx1"/>
+                </a:solidFill>
+              </a:rPr>
+              <a:t>Algumas opções:</a:t>
+            </a:r>
+            <a:endParaRPr sz="2400" b="0" u="none">
+              <a:solidFill>
+                <a:schemeClr val="tx1"/>
+              </a:solidFill>
+            </a:endParaRPr>
+          </a:p>
+          <a:p>
+            <a:pPr algn="l">
+              <a:defRPr/>
+            </a:pPr>
+            <a:endParaRPr sz="2400" b="0" u="none">
+              <a:solidFill>
+                <a:schemeClr val="tx1"/>
+              </a:solidFill>
+            </a:endParaRPr>
+          </a:p>
+          <a:p>
+            <a:pPr marL="394021" indent="-394021" algn="l">
+              <a:lnSpc>
+                <a:spcPct val="150000"/>
+              </a:lnSpc>
+              <a:buFont typeface="Arial"/>
+              <a:buChar char="•"/>
+              <a:defRPr/>
+            </a:pPr>
+            <a:r>
+              <a:rPr sz="2400" b="0" u="none">
+                <a:solidFill>
+                  <a:schemeClr val="tx1"/>
+                </a:solidFill>
+              </a:rPr>
+              <a:t>tentar tudo e ver qual é melhor</a:t>
+            </a:r>
+            <a:endParaRPr sz="2400" b="0" u="none">
+              <a:solidFill>
+                <a:schemeClr val="tx1"/>
+              </a:solidFill>
+            </a:endParaRPr>
+          </a:p>
+          <a:p>
+            <a:pPr marL="394021" indent="-394021" algn="l">
+              <a:lnSpc>
+                <a:spcPct val="150000"/>
+              </a:lnSpc>
+              <a:buFont typeface="Arial"/>
+              <a:buChar char="•"/>
+              <a:defRPr/>
+            </a:pPr>
+            <a:r>
+              <a:rPr sz="2400" b="0" u="none">
+                <a:solidFill>
+                  <a:schemeClr val="tx1"/>
+                </a:solidFill>
+              </a:rPr>
+              <a:t>pegar o mais caro primeiro</a:t>
+            </a:r>
+            <a:endParaRPr sz="2400" b="0" u="none">
+              <a:solidFill>
+                <a:schemeClr val="tx1"/>
+              </a:solidFill>
+            </a:endParaRPr>
+          </a:p>
+          <a:p>
+            <a:pPr marL="394021" indent="-394021" algn="l">
+              <a:lnSpc>
+                <a:spcPct val="150000"/>
+              </a:lnSpc>
+              <a:buFont typeface="Arial"/>
+              <a:buChar char="•"/>
+              <a:defRPr/>
+            </a:pPr>
+            <a:r>
+              <a:rPr sz="2400" b="0" u="none">
+                <a:solidFill>
+                  <a:schemeClr val="tx1"/>
+                </a:solidFill>
+              </a:rPr>
+              <a:t>pegar o mais  leve primeiro</a:t>
+            </a:r>
+            <a:endParaRPr sz="2400" b="0" u="none">
+              <a:solidFill>
+                <a:schemeClr val="tx1"/>
+              </a:solidFill>
             </a:endParaRPr>
           </a:p>
         </p:txBody>
@@ -14354,7 +14284,7 @@
                 <a:ea typeface="Verdana"/>
                 <a:cs typeface="Verdana"/>
               </a:rPr>
-              <a:t>Como resolver esse problema?</a:t>
+              <a:t>Heurística</a:t>
             </a:r>
             <a:endParaRPr sz="3200" b="0" i="0" u="none" strike="noStrike" cap="none">
               <a:solidFill>
@@ -14444,7 +14374,7 @@
               <a:buNone/>
               <a:defRPr/>
             </a:pPr>
-            <a:fld id="{2AEA4DEC-F606-9A77-49F9-6F4328295D55}" type="slidenum">
+            <a:fld id="{E6CFDDD3-1E0F-FF7A-3C4A-E302DACE76C3}" type="slidenum">
               <a:rPr lang="pt-BR" sz="1000" b="0" i="0" u="none" strike="noStrike" cap="none">
                 <a:solidFill>
                   <a:srgbClr val="B2B2B2"/>
@@ -14476,8 +14406,8 @@
         </p:nvSpPr>
         <p:spPr bwMode="auto">
           <a:xfrm flipH="0" flipV="0">
-            <a:off x="309227" y="1588487"/>
-            <a:ext cx="8704381" cy="4976428"/>
+            <a:off x="309225" y="1588484"/>
+            <a:ext cx="8704379" cy="4976426"/>
           </a:xfrm>
           <a:prstGeom prst="rect">
             <a:avLst/>
@@ -14488,10 +14418,60 @@
           </a:ln>
         </p:spPr>
         <p:txBody>
-          <a:bodyPr spcFirstLastPara="1" wrap="square" lIns="91422" tIns="45696" rIns="91422" bIns="45696" anchor="t" anchorCtr="0">
+          <a:bodyPr spcFirstLastPara="1" wrap="square" lIns="91422" tIns="45694" rIns="91422" bIns="45694" anchor="t" anchorCtr="0">
             <a:noAutofit/>
           </a:bodyPr>
           <a:lstStyle/>
+          <a:p>
+            <a:pPr algn="l">
+              <a:defRPr/>
+            </a:pPr>
+            <a:endParaRPr sz="2400" b="1" u="sng">
+              <a:solidFill>
+                <a:schemeClr val="accent2"/>
+              </a:solidFill>
+            </a:endParaRPr>
+          </a:p>
+          <a:p>
+            <a:pPr algn="l">
+              <a:defRPr/>
+            </a:pPr>
+            <a:endParaRPr sz="2400" b="1" u="sng">
+              <a:solidFill>
+                <a:schemeClr val="accent2"/>
+              </a:solidFill>
+            </a:endParaRPr>
+          </a:p>
+          <a:p>
+            <a:pPr algn="ctr">
+              <a:defRPr/>
+            </a:pPr>
+            <a:r>
+              <a:rPr sz="2800" b="0" u="none">
+                <a:solidFill>
+                  <a:schemeClr val="tx1"/>
+                </a:solidFill>
+              </a:rPr>
+              <a:t>"truque" usado para resolver um problema rapidamente</a:t>
+            </a:r>
+            <a:endParaRPr sz="2800" b="0" u="none">
+              <a:solidFill>
+                <a:schemeClr val="tx1"/>
+              </a:solidFill>
+            </a:endParaRPr>
+          </a:p>
+          <a:p>
+            <a:pPr algn="ctr">
+              <a:defRPr/>
+            </a:pPr>
+            <a:endParaRPr sz="2800" b="1" u="sng">
+              <a:solidFill>
+                <a:schemeClr val="accent2">
+                  <a:lumMod val="75000"/>
+                </a:schemeClr>
+              </a:solidFill>
+            </a:endParaRPr>
+          </a:p>
           <a:p>
             <a:pPr algn="l">
               <a:defRPr/>
@@ -14512,7 +14492,7 @@
                   <a:schemeClr val="tx1"/>
                 </a:solidFill>
               </a:rPr>
-              <a:t>Algumas opções:</a:t>
+              <a:t>Ainda assim, uma boa heurística é suficiente para obter resultados aproximados ou ganhos de curto prazo. </a:t>
             </a:r>
             <a:endParaRPr sz="2400" b="0" u="none">
               <a:solidFill>
@@ -14531,10 +14511,7 @@
             </a:endParaRPr>
           </a:p>
           <a:p>
-            <a:pPr marL="394022" indent="-394022" algn="l">
-              <a:lnSpc>
-                <a:spcPct val="150000"/>
-              </a:lnSpc>
+            <a:pPr marL="349965" indent="-349965" algn="l">
               <a:buFont typeface="Arial"/>
               <a:buChar char="•"/>
               <a:defRPr/>
@@ -14545,7 +14522,15 @@
                   <a:schemeClr val="tx1"/>
                 </a:solidFill>
               </a:rPr>
-              <a:t>tentar tudo e ver qual é melhor</a:t>
+              <a:t>Não </a:t>
+            </a:r>
+            <a:r>
+              <a:rPr sz="2400" b="0" u="none">
+                <a:solidFill>
+                  <a:schemeClr val="tx1"/>
+                </a:solidFill>
+              </a:rPr>
+              <a:t>garante resultados ótimos </a:t>
             </a:r>
             <a:endParaRPr sz="2400" b="0" u="none">
               <a:solidFill>
@@ -14554,10 +14539,7 @@
             </a:endParaRPr>
           </a:p>
           <a:p>
-            <a:pPr marL="394022" indent="-394022" algn="l">
-              <a:lnSpc>
-                <a:spcPct val="150000"/>
-              </a:lnSpc>
+            <a:pPr marL="349965" indent="-349965" algn="l">
               <a:buFont typeface="Arial"/>
               <a:buChar char="•"/>
               <a:defRPr/>
@@ -14568,62 +14550,11 @@
                   <a:schemeClr val="tx1"/>
                 </a:solidFill>
               </a:rPr>
-              <a:t>pegar o mais caro primeiro</a:t>
+              <a:t>Nem resultados bons em todas situações</a:t>
             </a:r>
             <a:endParaRPr sz="2400" b="0" u="none">
               <a:solidFill>
                 <a:schemeClr val="tx1"/>
-              </a:solidFill>
-            </a:endParaRPr>
-          </a:p>
-          <a:p>
-            <a:pPr marL="394021" indent="-394021" algn="l">
-              <a:lnSpc>
-                <a:spcPct val="150000"/>
-              </a:lnSpc>
-              <a:buFont typeface="Arial"/>
-              <a:buChar char="•"/>
-              <a:defRPr/>
-            </a:pPr>
-            <a:r>
-              <a:rPr sz="2400" b="0" u="none">
-                <a:solidFill>
-                  <a:schemeClr val="tx1"/>
-                </a:solidFill>
-              </a:rPr>
-              <a:t>pegar o mais  leve primeiro</a:t>
-            </a:r>
-            <a:endParaRPr sz="2400" b="0" u="none">
-              <a:solidFill>
-                <a:schemeClr val="tx1"/>
-              </a:solidFill>
-            </a:endParaRPr>
-          </a:p>
-          <a:p>
-            <a:pPr algn="l">
-              <a:defRPr/>
-            </a:pPr>
-            <a:endParaRPr sz="2800" b="0" u="none">
-              <a:solidFill>
-                <a:schemeClr val="tx1"/>
-              </a:solidFill>
-            </a:endParaRPr>
-          </a:p>
-          <a:p>
-            <a:pPr algn="ctr">
-              <a:defRPr/>
-            </a:pPr>
-            <a:r>
-              <a:rPr sz="2800" b="1" u="none">
-                <a:solidFill>
-                  <a:srgbClr val="C00026"/>
-                </a:solidFill>
-              </a:rPr>
-              <a:t>É possível resolver de maneira eficiente?</a:t>
-            </a:r>
-            <a:endParaRPr sz="2800" b="0" u="none">
-              <a:solidFill>
-                <a:srgbClr val="C00026"/>
               </a:solidFill>
             </a:endParaRPr>
           </a:p>
@@ -14709,7 +14640,7 @@
                 <a:ea typeface="Verdana"/>
                 <a:cs typeface="Verdana"/>
               </a:rPr>
-              <a:t>Como resolver esse problema?</a:t>
+              <a:t>Heurísticas - limitações</a:t>
             </a:r>
             <a:endParaRPr sz="3200" b="0" i="0" u="none" strike="noStrike" cap="none">
               <a:solidFill>
@@ -14799,7 +14730,7 @@
               <a:buNone/>
               <a:defRPr/>
             </a:pPr>
-            <a:fld id="{CCEEAA18-D4C0-A806-F108-90A09FBE2603}" type="slidenum">
+            <a:fld id="{6B6BED17-CAEF-F690-2C30-A19C5001E3E3}" type="slidenum">
               <a:rPr lang="pt-BR" sz="1000" b="0" i="0" u="none" strike="noStrike" cap="none">
                 <a:solidFill>
                   <a:srgbClr val="B2B2B2"/>
@@ -14831,8 +14762,8 @@
         </p:nvSpPr>
         <p:spPr bwMode="auto">
           <a:xfrm flipH="0" flipV="0">
-            <a:off x="309226" y="1588485"/>
-            <a:ext cx="8704380" cy="4976427"/>
+            <a:off x="309225" y="1588484"/>
+            <a:ext cx="8704379" cy="4976426"/>
           </a:xfrm>
           <a:prstGeom prst="rect">
             <a:avLst/>
@@ -14843,7 +14774,7 @@
           </a:ln>
         </p:spPr>
         <p:txBody>
-          <a:bodyPr spcFirstLastPara="1" wrap="square" lIns="91422" tIns="45695" rIns="91422" bIns="45695" anchor="t" anchorCtr="0">
+          <a:bodyPr spcFirstLastPara="1" wrap="square" lIns="91422" tIns="45694" rIns="91422" bIns="45694" anchor="t" anchorCtr="0">
             <a:noAutofit/>
           </a:bodyPr>
           <a:lstStyle/>
@@ -14859,6 +14790,17 @@
           </a:p>
           <a:p>
             <a:pPr algn="l">
+              <a:defRPr/>
+            </a:pPr>
+            <a:endParaRPr sz="2400" b="0" u="none">
+              <a:solidFill>
+                <a:schemeClr val="tx1"/>
+              </a:solidFill>
+            </a:endParaRPr>
+          </a:p>
+          <a:p>
+            <a:pPr marL="349965" indent="-349965" algn="l">
+              <a:buAutoNum type="arabicPeriod"/>
               <a:defRPr/>
             </a:pPr>
             <a:r>
@@ -14867,7 +14809,7 @@
                   <a:schemeClr val="tx1"/>
                 </a:solidFill>
               </a:rPr>
-              <a:t>Algumas opções:</a:t>
+              <a:t>E se a solução gerada não for boa? Consigo "tentar" de novo e gerar outras parecidas?</a:t>
             </a:r>
             <a:endParaRPr sz="2400" b="0" u="none">
               <a:solidFill>
@@ -14876,7 +14818,8 @@
             </a:endParaRPr>
           </a:p>
           <a:p>
-            <a:pPr algn="l">
+            <a:pPr marL="349965" indent="-349965" algn="l">
+              <a:buAutoNum type="arabicPeriod"/>
               <a:defRPr/>
             </a:pPr>
             <a:endParaRPr sz="2400" b="0" u="none">
@@ -14886,12 +14829,8 @@
             </a:endParaRPr>
           </a:p>
           <a:p>
-            <a:pPr marL="394021" indent="-394021" algn="l">
-              <a:lnSpc>
-                <a:spcPct val="150000"/>
-              </a:lnSpc>
-              <a:buFont typeface="Arial"/>
-              <a:buChar char="•"/>
+            <a:pPr marL="349965" indent="-349965" algn="l">
+              <a:buAutoNum type="arabicPeriod"/>
               <a:defRPr/>
             </a:pPr>
             <a:r>
@@ -14900,7 +14839,7 @@
                   <a:schemeClr val="tx1"/>
                 </a:solidFill>
               </a:rPr>
-              <a:t>tentar tudo e ver qual é melhor</a:t>
+              <a:t>Será que é possível melhorar a solução gerada? Como?</a:t>
             </a:r>
             <a:endParaRPr sz="2400" b="0" u="none">
               <a:solidFill>
@@ -14909,22 +14848,10 @@
             </a:endParaRPr>
           </a:p>
           <a:p>
-            <a:pPr marL="394021" indent="-394021" algn="l">
-              <a:lnSpc>
-                <a:spcPct val="150000"/>
-              </a:lnSpc>
-              <a:buFont typeface="Arial"/>
-              <a:buChar char="•"/>
-              <a:defRPr/>
-            </a:pPr>
-            <a:r>
-              <a:rPr sz="2400" b="0" u="none">
-                <a:solidFill>
-                  <a:schemeClr val="tx1"/>
-                </a:solidFill>
-              </a:rPr>
-              <a:t>pegar o mais caro primeiro</a:t>
-            </a:r>
+            <a:pPr marL="349965" indent="-349965" algn="l">
+              <a:buAutoNum type="arabicPeriod"/>
+              <a:defRPr/>
+            </a:pPr>
             <a:endParaRPr sz="2400" b="0" u="none">
               <a:solidFill>
                 <a:schemeClr val="tx1"/>
@@ -14932,22 +14859,10 @@
             </a:endParaRPr>
           </a:p>
           <a:p>
-            <a:pPr marL="394021" indent="-394021" algn="l">
-              <a:lnSpc>
-                <a:spcPct val="150000"/>
-              </a:lnSpc>
-              <a:buFont typeface="Arial"/>
-              <a:buChar char="•"/>
-              <a:defRPr/>
-            </a:pPr>
-            <a:r>
-              <a:rPr sz="2400" b="0" u="none">
-                <a:solidFill>
-                  <a:schemeClr val="tx1"/>
-                </a:solidFill>
-              </a:rPr>
-              <a:t>pegar o mais  leve primeiro</a:t>
-            </a:r>
+            <a:pPr marL="349965" indent="-349965" algn="l">
+              <a:buAutoNum type="arabicPeriod"/>
+              <a:defRPr/>
+            </a:pPr>
             <a:endParaRPr sz="2400" b="0" u="none">
               <a:solidFill>
                 <a:schemeClr val="tx1"/>
@@ -14955,58 +14870,13 @@
             </a:endParaRPr>
           </a:p>
           <a:p>
-            <a:pPr algn="l">
-              <a:defRPr/>
-            </a:pPr>
-            <a:endParaRPr sz="2800" b="0" u="none">
+            <a:pPr marL="349965" indent="-349965" algn="l">
+              <a:buAutoNum type="arabicPeriod"/>
+              <a:defRPr/>
+            </a:pPr>
+            <a:endParaRPr sz="2400" b="0" u="none">
               <a:solidFill>
                 <a:schemeClr val="tx1"/>
-              </a:solidFill>
-            </a:endParaRPr>
-          </a:p>
-          <a:p>
-            <a:pPr algn="ctr">
-              <a:defRPr/>
-            </a:pPr>
-            <a:r>
-              <a:rPr sz="2800" b="1" u="none">
-                <a:solidFill>
-                  <a:srgbClr val="C00026"/>
-                </a:solidFill>
-              </a:rPr>
-              <a:t>É possível resolver de maneira eficiente?</a:t>
-            </a:r>
-            <a:endParaRPr sz="2800" b="1" u="none">
-              <a:solidFill>
-                <a:srgbClr val="C00026"/>
-              </a:solidFill>
-            </a:endParaRPr>
-          </a:p>
-          <a:p>
-            <a:pPr algn="ctr">
-              <a:defRPr/>
-            </a:pPr>
-            <a:endParaRPr sz="2800" b="0" u="none">
-              <a:solidFill>
-                <a:srgbClr val="C00026"/>
-              </a:solidFill>
-            </a:endParaRPr>
-          </a:p>
-          <a:p>
-            <a:pPr algn="ctr">
-              <a:defRPr/>
-            </a:pPr>
-            <a:r>
-              <a:rPr sz="2800" b="1" u="none">
-                <a:solidFill>
-                  <a:srgbClr val="C00026"/>
-                </a:solidFill>
-              </a:rPr>
-              <a:t>NÃO</a:t>
-            </a:r>
-            <a:endParaRPr sz="2800" b="0" u="none">
-              <a:solidFill>
-                <a:srgbClr val="C00026"/>
               </a:solidFill>
             </a:endParaRPr>
           </a:p>
@@ -15092,7 +14962,7 @@
                 <a:ea typeface="Verdana"/>
                 <a:cs typeface="Verdana"/>
               </a:rPr>
-              <a:t>Como resolver esse problema?</a:t>
+              <a:t>Exploration x Exploitation</a:t>
             </a:r>
             <a:endParaRPr sz="3200" b="0" i="0" u="none" strike="noStrike" cap="none">
               <a:solidFill>
@@ -15182,7 +15052,7 @@
               <a:buNone/>
               <a:defRPr/>
             </a:pPr>
-            <a:fld id="{2A9FBD65-5D69-D1D4-A165-46B4A33C1F6E}" type="slidenum">
+            <a:fld id="{1BC35A3F-BCEA-73B0-A1FE-E13C743057A6}" type="slidenum">
               <a:rPr lang="pt-BR" sz="1000" b="0" i="0" u="none" strike="noStrike" cap="none">
                 <a:solidFill>
                   <a:srgbClr val="B2B2B2"/>
@@ -15214,8 +15084,8 @@
         </p:nvSpPr>
         <p:spPr bwMode="auto">
           <a:xfrm flipH="0" flipV="0">
-            <a:off x="309226" y="1588485"/>
-            <a:ext cx="8704380" cy="4976427"/>
+            <a:off x="309225" y="1588484"/>
+            <a:ext cx="8704379" cy="4976426"/>
           </a:xfrm>
           <a:prstGeom prst="rect">
             <a:avLst/>
@@ -15226,7 +15096,7 @@
           </a:ln>
         </p:spPr>
         <p:txBody>
-          <a:bodyPr spcFirstLastPara="1" wrap="square" lIns="91422" tIns="45695" rIns="91422" bIns="45695" anchor="t" anchorCtr="0">
+          <a:bodyPr spcFirstLastPara="1" wrap="square" lIns="91422" tIns="45694" rIns="91422" bIns="45694" anchor="t" anchorCtr="0">
             <a:noAutofit/>
           </a:bodyPr>
           <a:lstStyle/>
@@ -15242,6 +15112,29 @@
           </a:p>
           <a:p>
             <a:pPr algn="l">
+              <a:defRPr/>
+            </a:pPr>
+            <a:r>
+              <a:rPr sz="2400" b="1" u="none">
+                <a:solidFill>
+                  <a:srgbClr val="C00000"/>
+                </a:solidFill>
+              </a:rPr>
+              <a:t>Exploitation: </a:t>
+            </a:r>
+            <a:endParaRPr sz="2400" b="0" u="none">
+              <a:solidFill>
+                <a:srgbClr val="C00000"/>
+              </a:solidFill>
+            </a:endParaRPr>
+          </a:p>
+          <a:p>
+            <a:pPr marL="349965" indent="-349965" algn="l">
+              <a:lnSpc>
+                <a:spcPct val="150000"/>
+              </a:lnSpc>
+              <a:buFont typeface="Arial"/>
+              <a:buChar char="•"/>
               <a:defRPr/>
             </a:pPr>
             <a:r>
@@ -15250,7 +15143,7 @@
                   <a:schemeClr val="tx1"/>
                 </a:solidFill>
               </a:rPr>
-              <a:t>Algumas opções:</a:t>
+              <a:t>explorar alguma propriedade do problema</a:t>
             </a:r>
             <a:endParaRPr sz="2400" b="0" u="none">
               <a:solidFill>
@@ -15259,17 +15152,7 @@
             </a:endParaRPr>
           </a:p>
           <a:p>
-            <a:pPr algn="l">
-              <a:defRPr/>
-            </a:pPr>
-            <a:endParaRPr sz="2400" b="0" u="none">
-              <a:solidFill>
-                <a:schemeClr val="tx1"/>
-              </a:solidFill>
-            </a:endParaRPr>
-          </a:p>
-          <a:p>
-            <a:pPr marL="394021" indent="-394021" algn="l">
+            <a:pPr marL="349965" indent="-349965" algn="l">
               <a:lnSpc>
                 <a:spcPct val="150000"/>
               </a:lnSpc>
@@ -15283,7 +15166,7 @@
                   <a:schemeClr val="tx1"/>
                 </a:solidFill>
               </a:rPr>
-              <a:t>tentar tudo e ver qual é melhor</a:t>
+              <a:t>pode ser uma intuição que leve a bons resultados em curto prazo</a:t>
             </a:r>
             <a:endParaRPr sz="2400" b="0" u="none">
               <a:solidFill>
@@ -15292,7 +15175,36 @@
             </a:endParaRPr>
           </a:p>
           <a:p>
-            <a:pPr marL="394021" indent="-394021" algn="l">
+            <a:pPr marL="349965" indent="-349965" algn="l">
+              <a:buAutoNum type="arabicPeriod"/>
+              <a:defRPr/>
+            </a:pPr>
+            <a:endParaRPr sz="2400" b="0" u="none">
+              <a:solidFill>
+                <a:schemeClr val="tx1"/>
+              </a:solidFill>
+            </a:endParaRPr>
+          </a:p>
+          <a:p>
+            <a:pPr algn="l">
+              <a:defRPr/>
+            </a:pPr>
+            <a:r>
+              <a:rPr sz="2400" b="1" u="none">
+                <a:solidFill>
+                  <a:srgbClr val="C00000"/>
+                </a:solidFill>
+              </a:rPr>
+              <a:t>Exploration:</a:t>
+            </a:r>
+            <a:endParaRPr sz="2400" b="1" u="none">
+              <a:solidFill>
+                <a:srgbClr val="C00000"/>
+              </a:solidFill>
+            </a:endParaRPr>
+          </a:p>
+          <a:p>
+            <a:pPr marL="349965" indent="-349965" algn="l">
               <a:lnSpc>
                 <a:spcPct val="150000"/>
               </a:lnSpc>
@@ -15306,7 +15218,7 @@
                   <a:schemeClr val="tx1"/>
                 </a:solidFill>
               </a:rPr>
-              <a:t>pegar o mais caro primeiro</a:t>
+              <a:t>decisão não localmente ótima feita "de propósito"</a:t>
             </a:r>
             <a:endParaRPr sz="2400" b="0" u="none">
               <a:solidFill>
@@ -15315,7 +15227,7 @@
             </a:endParaRPr>
           </a:p>
           <a:p>
-            <a:pPr marL="394021" indent="-394021" algn="l">
+            <a:pPr marL="349965" indent="-349965" algn="l">
               <a:lnSpc>
                 <a:spcPct val="150000"/>
               </a:lnSpc>
@@ -15329,7 +15241,7 @@
                   <a:schemeClr val="tx1"/>
                 </a:solidFill>
               </a:rPr>
-              <a:t>pegar o mais  leve primeiro</a:t>
+              <a:t>visa adicionar variabilidade nas soluções geradas</a:t>
             </a:r>
             <a:endParaRPr sz="2400" b="0" u="none">
               <a:solidFill>
@@ -15338,58 +15250,13 @@
             </a:endParaRPr>
           </a:p>
           <a:p>
-            <a:pPr algn="l">
-              <a:defRPr/>
-            </a:pPr>
-            <a:endParaRPr sz="2800" b="0" u="none">
+            <a:pPr marL="349965" indent="-349965" algn="l">
+              <a:buAutoNum type="arabicPeriod"/>
+              <a:defRPr/>
+            </a:pPr>
+            <a:endParaRPr sz="2400" b="0" u="none">
               <a:solidFill>
                 <a:schemeClr val="tx1"/>
-              </a:solidFill>
-            </a:endParaRPr>
-          </a:p>
-          <a:p>
-            <a:pPr algn="ctr">
-              <a:defRPr/>
-            </a:pPr>
-            <a:r>
-              <a:rPr sz="2800" b="1" u="none">
-                <a:solidFill>
-                  <a:srgbClr val="C00026"/>
-                </a:solidFill>
-              </a:rPr>
-              <a:t>É possível resolver de maneira eficiente?</a:t>
-            </a:r>
-            <a:endParaRPr sz="2800" b="1" u="none">
-              <a:solidFill>
-                <a:srgbClr val="C00026"/>
-              </a:solidFill>
-            </a:endParaRPr>
-          </a:p>
-          <a:p>
-            <a:pPr algn="ctr">
-              <a:defRPr/>
-            </a:pPr>
-            <a:endParaRPr sz="2800" b="0" u="none">
-              <a:solidFill>
-                <a:srgbClr val="C00026"/>
-              </a:solidFill>
-            </a:endParaRPr>
-          </a:p>
-          <a:p>
-            <a:pPr algn="ctr">
-              <a:defRPr/>
-            </a:pPr>
-            <a:r>
-              <a:rPr sz="2800" b="1" u="none">
-                <a:solidFill>
-                  <a:srgbClr val="C00026"/>
-                </a:solidFill>
-              </a:rPr>
-              <a:t>NÃO - perguntem ao Raul</a:t>
-            </a:r>
-            <a:endParaRPr sz="2800" b="0" u="none">
-              <a:solidFill>
-                <a:srgbClr val="C00026"/>
               </a:solidFill>
             </a:endParaRPr>
           </a:p>
@@ -15475,7 +15342,7 @@
                 <a:ea typeface="Verdana"/>
                 <a:cs typeface="Verdana"/>
               </a:rPr>
-              <a:t>Heurística</a:t>
+              <a:t>Exploration x Exploitation</a:t>
             </a:r>
             <a:endParaRPr sz="3200" b="0" i="0" u="none" strike="noStrike" cap="none">
               <a:solidFill>
@@ -15565,7 +15432,7 @@
               <a:buNone/>
               <a:defRPr/>
             </a:pPr>
-            <a:fld id="{5D0FCA85-94E1-1C2E-3B3A-FE70AC6A3E6B}" type="slidenum">
+            <a:fld id="{70F70B57-FF0A-B3EC-0A60-272635D12D0E}" type="slidenum">
               <a:rPr lang="pt-BR" sz="1000" b="0" i="0" u="none" strike="noStrike" cap="none">
                 <a:solidFill>
                   <a:srgbClr val="B2B2B2"/>
@@ -15597,8 +15464,8 @@
         </p:nvSpPr>
         <p:spPr bwMode="auto">
           <a:xfrm flipH="0" flipV="0">
-            <a:off x="309226" y="1588485"/>
-            <a:ext cx="8704380" cy="4976427"/>
+            <a:off x="309225" y="1588484"/>
+            <a:ext cx="8704379" cy="4976426"/>
           </a:xfrm>
           <a:prstGeom prst="rect">
             <a:avLst/>
@@ -15609,60 +15476,10 @@
           </a:ln>
         </p:spPr>
         <p:txBody>
-          <a:bodyPr spcFirstLastPara="1" wrap="square" lIns="91422" tIns="45695" rIns="91422" bIns="45695" anchor="t" anchorCtr="0">
+          <a:bodyPr spcFirstLastPara="1" wrap="square" lIns="91422" tIns="45694" rIns="91422" bIns="45694" anchor="t" anchorCtr="0">
             <a:noAutofit/>
           </a:bodyPr>
           <a:lstStyle/>
-          <a:p>
-            <a:pPr algn="l">
-              <a:defRPr/>
-            </a:pPr>
-            <a:endParaRPr sz="2400" b="1" u="sng">
-              <a:solidFill>
-                <a:schemeClr val="accent2"/>
-              </a:solidFill>
-            </a:endParaRPr>
-          </a:p>
-          <a:p>
-            <a:pPr algn="l">
-              <a:defRPr/>
-            </a:pPr>
-            <a:endParaRPr sz="2400" b="1" u="sng">
-              <a:solidFill>
-                <a:schemeClr val="accent2"/>
-              </a:solidFill>
-            </a:endParaRPr>
-          </a:p>
-          <a:p>
-            <a:pPr algn="ctr">
-              <a:defRPr/>
-            </a:pPr>
-            <a:r>
-              <a:rPr sz="2800" b="0" u="none">
-                <a:solidFill>
-                  <a:schemeClr val="tx1"/>
-                </a:solidFill>
-              </a:rPr>
-              <a:t>"truque" usado para resolver um problema rapidamente</a:t>
-            </a:r>
-            <a:endParaRPr sz="2800" b="0" u="none">
-              <a:solidFill>
-                <a:schemeClr val="tx1"/>
-              </a:solidFill>
-            </a:endParaRPr>
-          </a:p>
-          <a:p>
-            <a:pPr algn="ctr">
-              <a:defRPr/>
-            </a:pPr>
-            <a:endParaRPr sz="2800" b="1" u="sng">
-              <a:solidFill>
-                <a:schemeClr val="accent2">
-                  <a:lumMod val="75000"/>
-                </a:schemeClr>
-              </a:solidFill>
-            </a:endParaRPr>
-          </a:p>
           <a:p>
             <a:pPr algn="l">
               <a:defRPr/>
@@ -15683,7 +15500,23 @@
                   <a:schemeClr val="tx1"/>
                 </a:solidFill>
               </a:rPr>
-              <a:t>Por velocidade, sacrificamos ao menos um entre</a:t>
+              <a:t>Nossa heurística é </a:t>
+            </a:r>
+            <a:r>
+              <a:rPr sz="2400" b="1" u="none">
+                <a:solidFill>
+                  <a:srgbClr val="C00000"/>
+                </a:solidFill>
+              </a:rPr>
+              <a:t>100% Exploitation</a:t>
+            </a:r>
+            <a:r>
+              <a:rPr sz="2400" b="0" u="none">
+                <a:solidFill>
+                  <a:schemeClr val="tx1"/>
+                </a:solidFill>
+              </a:rPr>
+              <a:t>.</a:t>
             </a:r>
             <a:endParaRPr sz="2400" b="0" u="none">
               <a:solidFill>
@@ -15702,9 +15535,7 @@
             </a:endParaRPr>
           </a:p>
           <a:p>
-            <a:pPr marL="394021" indent="-394021" algn="l">
-              <a:buFont typeface="Arial"/>
-              <a:buChar char="•"/>
+            <a:pPr algn="l">
               <a:defRPr/>
             </a:pPr>
             <a:r>
@@ -15713,7 +15544,23 @@
                   <a:schemeClr val="tx1"/>
                 </a:solidFill>
               </a:rPr>
-              <a:t>otimalidade</a:t>
+              <a:t>Como podemos adicionar </a:t>
+            </a:r>
+            <a:r>
+              <a:rPr sz="2400" b="1" u="none">
+                <a:solidFill>
+                  <a:srgbClr val="C00000"/>
+                </a:solidFill>
+              </a:rPr>
+              <a:t>Exploration</a:t>
+            </a:r>
+            <a:r>
+              <a:rPr sz="2400" b="0" u="none">
+                <a:solidFill>
+                  <a:schemeClr val="tx1"/>
+                </a:solidFill>
+              </a:rPr>
+              <a:t>?</a:t>
             </a:r>
             <a:endParaRPr sz="2400" b="0" u="none">
               <a:solidFill>
@@ -15722,19 +15569,10 @@
             </a:endParaRPr>
           </a:p>
           <a:p>
-            <a:pPr marL="394021" indent="-394021" algn="l">
-              <a:buFont typeface="Arial"/>
-              <a:buChar char="•"/>
-              <a:defRPr/>
-            </a:pPr>
-            <a:r>
-              <a:rPr sz="2400" b="0" u="none">
-                <a:solidFill>
-                  <a:schemeClr val="tx1"/>
-                </a:solidFill>
-              </a:rPr>
-              <a:t>corretude</a:t>
-            </a:r>
+            <a:pPr marL="349965" indent="-349965" algn="l">
+              <a:buAutoNum type="arabicPeriod"/>
+              <a:defRPr/>
+            </a:pPr>
             <a:endParaRPr sz="2400" b="0" u="none">
               <a:solidFill>
                 <a:schemeClr val="tx1"/>
@@ -15742,52 +15580,12 @@
             </a:endParaRPr>
           </a:p>
           <a:p>
-            <a:pPr marL="394020" indent="-394020" algn="l">
+            <a:pPr marL="349965" indent="-349965" algn="l">
               <a:buFont typeface="Arial"/>
               <a:buChar char="•"/>
               <a:defRPr/>
             </a:pPr>
-            <a:r>
-              <a:rPr sz="2400" b="0" u="none">
-                <a:solidFill>
-                  <a:schemeClr val="tx1"/>
-                </a:solidFill>
-              </a:rPr>
-              <a:t>precisão</a:t>
-            </a:r>
             <a:endParaRPr sz="2400" b="0" u="none">
-              <a:solidFill>
-                <a:schemeClr val="tx1"/>
-              </a:solidFill>
-            </a:endParaRPr>
-          </a:p>
-          <a:p>
-            <a:pPr marL="394020" indent="-394020" algn="l">
-              <a:buFont typeface="Arial"/>
-              <a:buChar char="•"/>
-              <a:defRPr/>
-            </a:pPr>
-            <a:r>
-              <a:rPr sz="2400" b="0" u="none">
-                <a:solidFill>
-                  <a:schemeClr val="tx1"/>
-                </a:solidFill>
-              </a:rPr>
-              <a:t>exatidão</a:t>
-            </a:r>
-            <a:endParaRPr sz="2400" b="0" u="none">
-              <a:solidFill>
-                <a:schemeClr val="tx1"/>
-              </a:solidFill>
-            </a:endParaRPr>
-          </a:p>
-          <a:p>
-            <a:pPr marL="394021" indent="-394021" algn="l">
-              <a:buFont typeface="Arial"/>
-              <a:buChar char="•"/>
-              <a:defRPr/>
-            </a:pPr>
-            <a:endParaRPr sz="2800" b="0" u="none">
               <a:solidFill>
                 <a:schemeClr val="tx1"/>
               </a:solidFill>
@@ -15875,7 +15673,7 @@
                 <a:ea typeface="Verdana"/>
                 <a:cs typeface="Verdana"/>
               </a:rPr>
-              <a:t>Heurística</a:t>
+              <a:t>Exploration x Exploitation</a:t>
             </a:r>
             <a:endParaRPr sz="3200" b="0" i="0" u="none" strike="noStrike" cap="none">
               <a:solidFill>
@@ -15965,7 +15763,7 @@
               <a:buNone/>
               <a:defRPr/>
             </a:pPr>
-            <a:fld id="{0794FB39-318C-1CD7-7800-512E9AA2BF95}" type="slidenum">
+            <a:fld id="{65315843-40F6-E75F-562B-734DDA0653D4}" type="slidenum">
               <a:rPr lang="pt-BR" sz="1000" b="0" i="0" u="none" strike="noStrike" cap="none">
                 <a:solidFill>
                   <a:srgbClr val="B2B2B2"/>
@@ -15997,8 +15795,8 @@
         </p:nvSpPr>
         <p:spPr bwMode="auto">
           <a:xfrm flipH="0" flipV="0">
-            <a:off x="309226" y="1588485"/>
-            <a:ext cx="8704380" cy="4976427"/>
+            <a:off x="309225" y="1588484"/>
+            <a:ext cx="8704379" cy="4976426"/>
           </a:xfrm>
           <a:prstGeom prst="rect">
             <a:avLst/>
@@ -16009,60 +15807,10 @@
           </a:ln>
         </p:spPr>
         <p:txBody>
-          <a:bodyPr spcFirstLastPara="1" wrap="square" lIns="91422" tIns="45695" rIns="91422" bIns="45695" anchor="t" anchorCtr="0">
+          <a:bodyPr spcFirstLastPara="1" wrap="square" lIns="91422" tIns="45694" rIns="91422" bIns="45694" anchor="t" anchorCtr="0">
             <a:noAutofit/>
           </a:bodyPr>
           <a:lstStyle/>
-          <a:p>
-            <a:pPr algn="l">
-              <a:defRPr/>
-            </a:pPr>
-            <a:endParaRPr sz="2400" b="1" u="sng">
-              <a:solidFill>
-                <a:schemeClr val="accent2"/>
-              </a:solidFill>
-            </a:endParaRPr>
-          </a:p>
-          <a:p>
-            <a:pPr algn="l">
-              <a:defRPr/>
-            </a:pPr>
-            <a:endParaRPr sz="2400" b="1" u="sng">
-              <a:solidFill>
-                <a:schemeClr val="accent2"/>
-              </a:solidFill>
-            </a:endParaRPr>
-          </a:p>
-          <a:p>
-            <a:pPr algn="ctr">
-              <a:defRPr/>
-            </a:pPr>
-            <a:r>
-              <a:rPr sz="2800" b="0" u="none">
-                <a:solidFill>
-                  <a:schemeClr val="tx1"/>
-                </a:solidFill>
-              </a:rPr>
-              <a:t>"truque" usado para resolver um problema rapidamente</a:t>
-            </a:r>
-            <a:endParaRPr sz="2800" b="0" u="none">
-              <a:solidFill>
-                <a:schemeClr val="tx1"/>
-              </a:solidFill>
-            </a:endParaRPr>
-          </a:p>
-          <a:p>
-            <a:pPr algn="ctr">
-              <a:defRPr/>
-            </a:pPr>
-            <a:endParaRPr sz="2800" b="1" u="sng">
-              <a:solidFill>
-                <a:schemeClr val="accent2">
-                  <a:lumMod val="75000"/>
-                </a:schemeClr>
-              </a:solidFill>
-            </a:endParaRPr>
-          </a:p>
           <a:p>
             <a:pPr algn="l">
               <a:defRPr/>
@@ -16083,7 +15831,23 @@
                   <a:schemeClr val="tx1"/>
                 </a:solidFill>
               </a:rPr>
-              <a:t>Ainda assim, uma boa heurística é suficiente para obter resultados aproximados ou ganhos de curto prazo.</a:t>
+              <a:t>Nossa heurística é </a:t>
+            </a:r>
+            <a:r>
+              <a:rPr sz="2400" b="1" u="none">
+                <a:solidFill>
+                  <a:srgbClr val="C00000"/>
+                </a:solidFill>
+              </a:rPr>
+              <a:t>100% Exploitation</a:t>
+            </a:r>
+            <a:r>
+              <a:rPr sz="2400" b="0" u="none">
+                <a:solidFill>
+                  <a:schemeClr val="tx1"/>
+                </a:solidFill>
+              </a:rPr>
+              <a:t>.</a:t>
             </a:r>
             <a:endParaRPr sz="2400" b="0" u="none">
               <a:solidFill>
@@ -16102,12 +15866,7 @@
             </a:endParaRPr>
           </a:p>
           <a:p>
-            <a:pPr marL="349965" indent="-349965" algn="l">
-              <a:lnSpc>
-                <a:spcPct val="150000"/>
-              </a:lnSpc>
-              <a:buFont typeface="Arial"/>
-              <a:buChar char="•"/>
+            <a:pPr algn="l">
               <a:defRPr/>
             </a:pPr>
             <a:r>
@@ -16116,7 +15875,23 @@
                   <a:schemeClr val="tx1"/>
                 </a:solidFill>
               </a:rPr>
-              <a:t>explorar alguma propriedade do problema</a:t>
+              <a:t>Como podemos adicionar </a:t>
+            </a:r>
+            <a:r>
+              <a:rPr sz="2400" b="1" u="none">
+                <a:solidFill>
+                  <a:srgbClr val="C00000"/>
+                </a:solidFill>
+              </a:rPr>
+              <a:t>Exploration</a:t>
+            </a:r>
+            <a:r>
+              <a:rPr sz="2400" b="0" u="none">
+                <a:solidFill>
+                  <a:schemeClr val="tx1"/>
+                </a:solidFill>
+              </a:rPr>
+              <a:t>?</a:t>
             </a:r>
             <a:endParaRPr sz="2400" b="0" u="none">
               <a:solidFill>
@@ -16125,12 +15900,28 @@
             </a:endParaRPr>
           </a:p>
           <a:p>
+            <a:pPr algn="l">
+              <a:defRPr/>
+            </a:pPr>
+            <a:endParaRPr sz="2400" b="0" u="none">
+              <a:solidFill>
+                <a:schemeClr val="tx1"/>
+              </a:solidFill>
+            </a:endParaRPr>
+          </a:p>
+          <a:p>
+            <a:pPr algn="l">
+              <a:defRPr/>
+            </a:pPr>
+            <a:endParaRPr sz="2400" b="0" u="none">
+              <a:solidFill>
+                <a:schemeClr val="tx1"/>
+              </a:solidFill>
+            </a:endParaRPr>
+          </a:p>
+          <a:p>
             <a:pPr marL="349965" indent="-349965" algn="l">
-              <a:lnSpc>
-                <a:spcPct val="150000"/>
-              </a:lnSpc>
-              <a:buFont typeface="Arial"/>
-              <a:buChar char="•"/>
+              <a:buAutoNum type="arabicPeriod"/>
               <a:defRPr/>
             </a:pPr>
             <a:r>
@@ -16139,7 +15930,7 @@
                   <a:schemeClr val="tx1"/>
                 </a:solidFill>
               </a:rPr>
-              <a:t>dividir em partes menores que podem ser resolvidas rapidamente e combinar os resultados</a:t>
+              <a:t>Alternar heurísticas de vez em quando</a:t>
             </a:r>
             <a:endParaRPr sz="2400" b="0" u="none">
               <a:solidFill>
@@ -16148,12 +15939,142 @@
             </a:endParaRPr>
           </a:p>
           <a:p>
-            <a:pPr marL="394021" indent="-394021" algn="l">
+            <a:pPr marL="349965" indent="-349965" algn="l">
+              <a:buAutoNum type="arabicPeriod"/>
+              <a:defRPr/>
+            </a:pPr>
+            <a:endParaRPr sz="2400" b="0" u="none">
+              <a:solidFill>
+                <a:schemeClr val="tx1"/>
+              </a:solidFill>
+            </a:endParaRPr>
+          </a:p>
+          <a:p>
+            <a:pPr marL="349965" indent="-349965" algn="l">
+              <a:buAutoNum type="arabicPeriod"/>
+              <a:defRPr/>
+            </a:pPr>
+            <a:r>
+              <a:rPr lang="en-US" sz="2400" b="0" i="0" u="none" strike="noStrike" cap="none" spc="0">
+                <a:solidFill>
+                  <a:schemeClr val="tx1"/>
+                </a:solidFill>
+                <a:latin typeface="Arial"/>
+                <a:ea typeface="Arial"/>
+                <a:cs typeface="Arial"/>
+              </a:rPr>
+              <a:t>De vez em quando faço uma escolha qualquer</a:t>
+            </a:r>
+            <a:endParaRPr lang="en-US" sz="2400" b="0" i="0" u="none" strike="noStrike" cap="none" spc="0">
+              <a:solidFill>
+                <a:schemeClr val="tx1"/>
+              </a:solidFill>
+              <a:latin typeface="Arial"/>
+              <a:ea typeface="Arial"/>
+              <a:cs typeface="Arial"/>
+            </a:endParaRPr>
+          </a:p>
+          <a:p>
+            <a:pPr marL="349965" indent="-349965" algn="l">
+              <a:buAutoNum type="arabicPeriod"/>
+              <a:defRPr/>
+            </a:pPr>
+            <a:endParaRPr lang="en-US" sz="2400" b="0" i="0" u="none" strike="noStrike" cap="none" spc="0">
+              <a:solidFill>
+                <a:schemeClr val="tx1"/>
+              </a:solidFill>
+              <a:latin typeface="Arial"/>
+              <a:ea typeface="Arial"/>
+              <a:cs typeface="Arial"/>
+            </a:endParaRPr>
+          </a:p>
+          <a:p>
+            <a:pPr marL="349965" indent="-349965" algn="l">
+              <a:buAutoNum type="arabicPeriod"/>
+              <a:defRPr/>
+            </a:pPr>
+            <a:r>
+              <a:rPr lang="en-US" sz="2400" b="0" i="0" u="none" strike="noStrike" cap="none" spc="0">
+                <a:solidFill>
+                  <a:schemeClr val="tx1"/>
+                </a:solidFill>
+                <a:latin typeface="Arial"/>
+                <a:ea typeface="Arial"/>
+                <a:cs typeface="Arial"/>
+              </a:rPr>
+              <a:t>Inverto a heurística de vez em quando</a:t>
+            </a:r>
+            <a:endParaRPr lang="en-US" sz="2400" b="0" i="0" u="none" strike="noStrike" cap="none" spc="0">
+              <a:solidFill>
+                <a:schemeClr val="tx1"/>
+              </a:solidFill>
+              <a:latin typeface="Arial"/>
+              <a:ea typeface="Arial"/>
+              <a:cs typeface="Arial"/>
+            </a:endParaRPr>
+          </a:p>
+          <a:p>
+            <a:pPr marL="349965" indent="-349965" algn="l">
+              <a:buAutoNum type="arabicPeriod"/>
+              <a:defRPr/>
+            </a:pPr>
+            <a:endParaRPr sz="2400" b="0" u="none">
+              <a:solidFill>
+                <a:schemeClr val="tx1"/>
+              </a:solidFill>
+            </a:endParaRPr>
+          </a:p>
+          <a:p>
+            <a:pPr marL="349965" indent="-349965" algn="l">
+              <a:buAutoNum type="arabicPeriod"/>
+              <a:defRPr/>
+            </a:pPr>
+            <a:endParaRPr lang="en-US" sz="2400" b="0" u="none">
+              <a:solidFill>
+                <a:schemeClr val="tx1"/>
+              </a:solidFill>
+            </a:endParaRPr>
+          </a:p>
+          <a:p>
+            <a:pPr marL="349965" indent="-349965" algn="l">
+              <a:buAutoNum type="arabicPeriod"/>
+              <a:defRPr/>
+            </a:pPr>
+            <a:endParaRPr sz="2400" b="0" u="none">
+              <a:solidFill>
+                <a:schemeClr val="tx1"/>
+              </a:solidFill>
+            </a:endParaRPr>
+          </a:p>
+          <a:p>
+            <a:pPr marL="349965" indent="-349965" algn="l">
+              <a:buAutoNum type="arabicPeriod"/>
+              <a:defRPr/>
+            </a:pPr>
+            <a:endParaRPr sz="2400" b="0" u="none">
+              <a:solidFill>
+                <a:schemeClr val="tx1"/>
+              </a:solidFill>
+            </a:endParaRPr>
+          </a:p>
+          <a:p>
+            <a:pPr marL="349965" indent="-349965" algn="l">
+              <a:buAutoNum type="arabicPeriod"/>
+              <a:defRPr/>
+            </a:pPr>
+            <a:endParaRPr sz="2400" b="0" u="none">
+              <a:solidFill>
+                <a:schemeClr val="tx1"/>
+              </a:solidFill>
+            </a:endParaRPr>
+          </a:p>
+          <a:p>
+            <a:pPr marL="349965" indent="-349965" algn="l">
               <a:buFont typeface="Arial"/>
               <a:buChar char="•"/>
               <a:defRPr/>
             </a:pPr>
-            <a:endParaRPr sz="2800" b="0" u="none">
+            <a:endParaRPr sz="2400" b="0" u="none">
               <a:solidFill>
                 <a:schemeClr val="tx1"/>
               </a:solidFill>
@@ -16241,7 +16162,7 @@
                 <a:ea typeface="Verdana"/>
                 <a:cs typeface="Verdana"/>
               </a:rPr>
-              <a:t>Como resolver esse problema?</a:t>
+              <a:t>Exploration x Exploitation</a:t>
             </a:r>
             <a:endParaRPr sz="3200" b="0" i="0" u="none" strike="noStrike" cap="none">
               <a:solidFill>
@@ -16331,7 +16252,7 @@
               <a:buNone/>
               <a:defRPr/>
             </a:pPr>
-            <a:fld id="{C0574490-C662-1076-E494-D126E22D6CE4}" type="slidenum">
+            <a:fld id="{7E284950-BAEB-ABA8-C49F-A9751E0DBED9}" type="slidenum">
               <a:rPr lang="pt-BR" sz="1000" b="0" i="0" u="none" strike="noStrike" cap="none">
                 <a:solidFill>
                   <a:srgbClr val="B2B2B2"/>
@@ -16363,8 +16284,8 @@
         </p:nvSpPr>
         <p:spPr bwMode="auto">
           <a:xfrm flipH="0" flipV="0">
-            <a:off x="309226" y="1588485"/>
-            <a:ext cx="8704380" cy="4976427"/>
+            <a:off x="309225" y="1588484"/>
+            <a:ext cx="8704379" cy="4976426"/>
           </a:xfrm>
           <a:prstGeom prst="rect">
             <a:avLst/>
@@ -16375,7 +16296,7 @@
           </a:ln>
         </p:spPr>
         <p:txBody>
-          <a:bodyPr spcFirstLastPara="1" wrap="square" lIns="91422" tIns="45695" rIns="91422" bIns="45695" anchor="t" anchorCtr="0">
+          <a:bodyPr spcFirstLastPara="1" wrap="square" lIns="91422" tIns="45694" rIns="91422" bIns="45694" anchor="t" anchorCtr="0">
             <a:noAutofit/>
           </a:bodyPr>
           <a:lstStyle/>
@@ -16399,63 +16320,15 @@
                   <a:schemeClr val="tx1"/>
                 </a:solidFill>
               </a:rPr>
-              <a:t>Algumas opções:</a:t>
+              <a:t>Nossa heurística é </a:t>
             </a:r>
-            <a:endParaRPr sz="2400" b="0" u="none">
-              <a:solidFill>
-                <a:schemeClr val="tx1"/>
-              </a:solidFill>
-            </a:endParaRPr>
-          </a:p>
-          <a:p>
-            <a:pPr algn="l">
-              <a:defRPr/>
-            </a:pPr>
-            <a:endParaRPr sz="2400" b="0" u="none">
-              <a:solidFill>
-                <a:schemeClr val="tx1"/>
-              </a:solidFill>
-            </a:endParaRPr>
-          </a:p>
-          <a:p>
-            <a:pPr marL="394021" indent="-394021" algn="l">
-              <a:lnSpc>
-                <a:spcPct val="150000"/>
-              </a:lnSpc>
-              <a:buFont typeface="Arial"/>
-              <a:buChar char="•"/>
-              <a:defRPr/>
-            </a:pPr>
             <a:r>
-              <a:rPr sz="2400" b="0" u="none">
+              <a:rPr sz="2400" b="1" u="none">
                 <a:solidFill>
-                  <a:schemeClr val="tx1"/>
+                  <a:srgbClr val="C00000"/>
                 </a:solidFill>
               </a:rPr>
-              <a:t>tentar tudo e ver qual é melhor</a:t>
-            </a:r>
-            <a:endParaRPr sz="2400" b="0" u="none">
-              <a:solidFill>
-                <a:schemeClr val="tx1"/>
-              </a:solidFill>
-            </a:endParaRPr>
-          </a:p>
-          <a:p>
-            <a:pPr marL="394021" indent="-394021" algn="l">
-              <a:lnSpc>
-                <a:spcPct val="150000"/>
-              </a:lnSpc>
-              <a:buFont typeface="Arial"/>
-              <a:buChar char="•"/>
-              <a:defRPr/>
-            </a:pPr>
-            <a:r>
-              <a:rPr sz="2400" b="0" u="none">
-                <a:solidFill>
-                  <a:schemeClr val="tx1"/>
-                </a:solidFill>
-              </a:rPr>
-              <a:t>pegar o mais caro primeiro</a:t>
+              <a:t>100% Exploitation</a:t>
             </a:r>
             <a:r>
               <a:rPr sz="2400" b="0" u="none">
@@ -16463,7 +16336,7 @@
                   <a:schemeClr val="tx1"/>
                 </a:solidFill>
               </a:rPr>
-              <a:t> </a:t>
+              <a:t>.</a:t>
             </a:r>
             <a:endParaRPr sz="2400" b="0" u="none">
               <a:solidFill>
@@ -16472,12 +16345,17 @@
             </a:endParaRPr>
           </a:p>
           <a:p>
-            <a:pPr marL="394021" indent="-394021" algn="l">
-              <a:lnSpc>
-                <a:spcPct val="150000"/>
-              </a:lnSpc>
-              <a:buFont typeface="Arial"/>
-              <a:buChar char="•"/>
+            <a:pPr algn="l">
+              <a:defRPr/>
+            </a:pPr>
+            <a:endParaRPr sz="2400" b="0" u="none">
+              <a:solidFill>
+                <a:schemeClr val="tx1"/>
+              </a:solidFill>
+            </a:endParaRPr>
+          </a:p>
+          <a:p>
+            <a:pPr algn="l">
               <a:defRPr/>
             </a:pPr>
             <a:r>
@@ -16486,7 +16364,23 @@
                   <a:schemeClr val="tx1"/>
                 </a:solidFill>
               </a:rPr>
-              <a:t>pegar o mais  leve primeiro</a:t>
+              <a:t>Como podemos adicionar </a:t>
+            </a:r>
+            <a:r>
+              <a:rPr sz="2400" b="1" u="none">
+                <a:solidFill>
+                  <a:srgbClr val="C00000"/>
+                </a:solidFill>
+              </a:rPr>
+              <a:t>Exploration</a:t>
+            </a:r>
+            <a:r>
+              <a:rPr sz="2400" b="0" u="none">
+                <a:solidFill>
+                  <a:schemeClr val="tx1"/>
+                </a:solidFill>
+              </a:rPr>
+              <a:t>?</a:t>
             </a:r>
             <a:endParaRPr sz="2400" b="0" u="none">
               <a:solidFill>
@@ -16498,405 +16392,140 @@
             <a:pPr algn="l">
               <a:defRPr/>
             </a:pPr>
-            <a:endParaRPr sz="2800" b="0" u="none">
+            <a:endParaRPr sz="2400" b="0" u="none">
               <a:solidFill>
                 <a:schemeClr val="tx1"/>
               </a:solidFill>
             </a:endParaRPr>
           </a:p>
           <a:p>
-            <a:pPr algn="ctr">
+            <a:pPr algn="l">
+              <a:defRPr/>
+            </a:pPr>
+            <a:endParaRPr sz="2400" b="0" u="none">
+              <a:solidFill>
+                <a:schemeClr val="tx1"/>
+              </a:solidFill>
+            </a:endParaRPr>
+          </a:p>
+          <a:p>
+            <a:pPr marL="349965" indent="-349965" algn="l">
+              <a:buAutoNum type="arabicPeriod"/>
               <a:defRPr/>
             </a:pPr>
             <a:r>
-              <a:rPr sz="2800" b="0" u="none">
+              <a:rPr sz="2400" b="0" u="none">
                 <a:solidFill>
-                  <a:srgbClr val="C00026"/>
+                  <a:schemeClr val="tx1"/>
                 </a:solidFill>
               </a:rPr>
-              <a:t>Heurísticas para a Mochila binária</a:t>
+              <a:t>Alternar heurísticas </a:t>
             </a:r>
-            <a:endParaRPr sz="2800" b="0" u="none">
+            <a:r>
+              <a:rPr sz="2400" b="1" u="none">
+                <a:solidFill>
+                  <a:schemeClr val="tx1"/>
+                </a:solidFill>
+              </a:rPr>
+              <a:t>de vez em quando</a:t>
+            </a:r>
+            <a:endParaRPr sz="2400" b="1" u="none">
               <a:solidFill>
-                <a:srgbClr val="C00026"/>
+                <a:schemeClr val="tx1"/>
               </a:solidFill>
             </a:endParaRPr>
           </a:p>
-        </p:txBody>
-      </p:sp>
-      <p:cxnSp>
-        <p:nvCxnSpPr>
-          <p:cNvPr id="8" name="" hidden="0"/>
-          <p:cNvCxnSpPr>
-            <a:cxnSpLocks/>
-          </p:cNvCxnSpPr>
-          <p:nvPr isPhoto="0" userDrawn="0"/>
-        </p:nvCxnSpPr>
-        <p:spPr bwMode="auto">
-          <a:xfrm flipH="1" flipV="1">
-            <a:off x="4533068" y="4098636"/>
-            <a:ext cx="1039090" cy="692727"/>
-          </a:xfrm>
-          <a:prstGeom prst="line">
-            <a:avLst/>
-          </a:prstGeom>
-          <a:ln w="19049" cap="flat" cmpd="sng" algn="ctr">
-            <a:solidFill>
-              <a:srgbClr val="C00026"/>
-            </a:solidFill>
-            <a:prstDash val="solid"/>
-            <a:tailEnd type="arrow" len="med"/>
-          </a:ln>
-        </p:spPr>
-        <p:style>
-          <a:lnRef idx="1">
-            <a:schemeClr val="accent1">
-              <a:shade val="50000"/>
-            </a:schemeClr>
-          </a:lnRef>
-          <a:fillRef idx="0">
-            <a:schemeClr val="accent1"/>
-          </a:fillRef>
-          <a:effectRef idx="0">
-            <a:schemeClr val="accent1"/>
-          </a:effectRef>
-          <a:fontRef idx="minor">
-            <a:schemeClr val="tx1"/>
-          </a:fontRef>
-        </p:style>
-      </p:cxnSp>
-      <p:cxnSp>
-        <p:nvCxnSpPr>
-          <p:cNvPr id="9" name="" hidden="0"/>
-          <p:cNvCxnSpPr>
-            <a:cxnSpLocks/>
-            <a:stCxn id="8" idx="0"/>
-            <a:endCxn id="8" idx="0"/>
-          </p:cNvCxnSpPr>
-          <p:nvPr isPhoto="0" userDrawn="0"/>
-        </p:nvCxnSpPr>
-        <p:spPr bwMode="auto">
-          <a:xfrm rot="16199969" flipH="0" flipV="0">
-            <a:off x="5572158" y="4791363"/>
-            <a:ext cx="0" cy="0"/>
-          </a:xfrm>
-          <a:prstGeom prst="line">
-            <a:avLst/>
-          </a:prstGeom>
-          <a:ln>
-            <a:tailEnd type="arrow" len="med"/>
-          </a:ln>
-        </p:spPr>
-        <p:style>
-          <a:lnRef idx="1">
-            <a:schemeClr val="accent1">
-              <a:shade val="50000"/>
-            </a:schemeClr>
-          </a:lnRef>
-          <a:fillRef idx="0">
-            <a:schemeClr val="accent1"/>
-          </a:fillRef>
-          <a:effectRef idx="0">
-            <a:schemeClr val="accent1"/>
-          </a:effectRef>
-          <a:fontRef idx="minor">
-            <a:schemeClr val="tx1"/>
-          </a:fontRef>
-        </p:style>
-      </p:cxnSp>
-      <p:cxnSp>
-        <p:nvCxnSpPr>
-          <p:cNvPr id="10" name="" hidden="0"/>
-          <p:cNvCxnSpPr>
-            <a:cxnSpLocks/>
-            <a:stCxn id="9" idx="0"/>
-          </p:cNvCxnSpPr>
-          <p:nvPr isPhoto="0" userDrawn="0"/>
-        </p:nvCxnSpPr>
-        <p:spPr bwMode="auto">
-          <a:xfrm rot="0" flipH="1" flipV="1">
-            <a:off x="4576363" y="3550227"/>
-            <a:ext cx="995795" cy="1241136"/>
-          </a:xfrm>
-          <a:prstGeom prst="line">
-            <a:avLst/>
-          </a:prstGeom>
-          <a:ln w="19049" cap="flat" cmpd="sng" algn="ctr">
-            <a:solidFill>
-              <a:srgbClr val="C00026"/>
-            </a:solidFill>
-            <a:prstDash val="solid"/>
-            <a:tailEnd type="arrow" len="med"/>
-          </a:ln>
-        </p:spPr>
-        <p:style>
-          <a:lnRef idx="1">
-            <a:schemeClr val="accent1">
-              <a:shade val="50000"/>
-            </a:schemeClr>
-          </a:lnRef>
-          <a:fillRef idx="0">
-            <a:schemeClr val="accent1"/>
-          </a:fillRef>
-          <a:effectRef idx="0">
-            <a:schemeClr val="accent1"/>
-          </a:effectRef>
-          <a:fontRef idx="minor">
-            <a:schemeClr val="tx1"/>
-          </a:fontRef>
-        </p:style>
-      </p:cxnSp>
-    </p:spTree>
-  </p:cSld>
-  <p:clrMapOvr>
-    <a:masterClrMapping/>
-  </p:clrMapOvr>
-  <mc:AlternateContent xmlns:mc="http://schemas.openxmlformats.org/markup-compatibility/2006">
-    <mc:Choice xmlns:p14="http://schemas.microsoft.com/office/powerpoint/2010/main" Requires="p14">
-      <p:transition p14:dur="2000" advClick="1"/>
-    </mc:Choice>
-    <mc:Fallback>
-      <p:transition advClick="1"/>
-    </mc:Fallback>
-  </mc:AlternateContent>
-</p:sld>
-</file>
-
-<file path=ppt/slides/slide2.xml><?xml version="1.0" encoding="utf-8"?>
-<p:sld xmlns:a="http://schemas.openxmlformats.org/drawingml/2006/main" xmlns:r="http://schemas.openxmlformats.org/officeDocument/2006/relationships" xmlns:p="http://schemas.openxmlformats.org/presentationml/2006/main" xmlns:m="http://schemas.openxmlformats.org/officeDocument/2006/math" xmlns:w="http://schemas.openxmlformats.org/wordprocessingml/2006/main" showMasterPhAnim="0" show="1">
-  <p:cSld name="">
-    <p:spTree>
-      <p:nvGrpSpPr>
-        <p:cNvPr id="1" name="" hidden="0"/>
-        <p:cNvGrpSpPr/>
-        <p:nvPr isPhoto="0" userDrawn="0"/>
-      </p:nvGrpSpPr>
-      <p:grpSpPr bwMode="auto">
-        <a:xfrm>
-          <a:off x="0" y="0"/>
-          <a:ext cx="0" cy="0"/>
-          <a:chOff x="0" y="0"/>
-          <a:chExt cx="0" cy="0"/>
-        </a:xfrm>
-      </p:grpSpPr>
-      <p:sp>
-        <p:nvSpPr>
-          <p:cNvPr id="4" name="Google Shape;259;p54" hidden="0"/>
-          <p:cNvSpPr/>
-          <p:nvPr isPhoto="0" userDrawn="0"/>
-        </p:nvSpPr>
-        <p:spPr bwMode="auto">
-          <a:xfrm>
-            <a:off x="457200" y="781200"/>
-            <a:ext cx="8228520" cy="618120"/>
-          </a:xfrm>
-          <a:prstGeom prst="rect">
-            <a:avLst/>
-          </a:prstGeom>
-          <a:noFill/>
-          <a:ln>
-            <a:noFill/>
-          </a:ln>
-        </p:spPr>
-        <p:txBody>
-          <a:bodyPr spcFirstLastPara="1" wrap="square" lIns="90000" tIns="45000" rIns="90000" bIns="45000" anchor="t" anchorCtr="0">
-            <a:noAutofit/>
-          </a:bodyPr>
-          <a:lstStyle/>
-          <a:p>
-            <a:pPr marL="0" marR="0" lvl="0" indent="0" algn="l">
-              <a:lnSpc>
-                <a:spcPct val="100000"/>
-              </a:lnSpc>
-              <a:spcBef>
-                <a:spcPts val="0"/>
-              </a:spcBef>
-              <a:spcAft>
-                <a:spcPts val="0"/>
-              </a:spcAft>
-              <a:buNone/>
+          <a:p>
+            <a:pPr marL="349965" indent="-349965" algn="l">
+              <a:buAutoNum type="arabicPeriod"/>
+              <a:defRPr/>
+            </a:pPr>
+            <a:endParaRPr sz="2400" b="0" u="none">
+              <a:solidFill>
+                <a:schemeClr val="tx1"/>
+              </a:solidFill>
+            </a:endParaRPr>
+          </a:p>
+          <a:p>
+            <a:pPr marL="349965" indent="-349965" algn="l">
+              <a:buAutoNum type="arabicPeriod"/>
               <a:defRPr/>
             </a:pPr>
             <a:r>
-              <a:rPr lang="pt-BR" sz="3200" b="0" i="0" u="none" strike="noStrike" cap="none">
+              <a:rPr lang="en-US" sz="2400" b="1" i="0" u="none" strike="noStrike" cap="none" spc="0">
                 <a:solidFill>
-                  <a:srgbClr val="C00026"/>
+                  <a:schemeClr val="tx1"/>
                 </a:solidFill>
-                <a:latin typeface="Verdana"/>
-                <a:ea typeface="Verdana"/>
-                <a:cs typeface="Verdana"/>
+                <a:latin typeface="Arial"/>
+                <a:ea typeface="Arial"/>
+                <a:cs typeface="Arial"/>
               </a:rPr>
-              <a:t>Hoje</a:t>
+              <a:t>De vez em quando</a:t>
             </a:r>
-            <a:endParaRPr sz="3200" b="0" i="0" u="none" strike="noStrike" cap="none">
+            <a:r>
+              <a:rPr lang="en-US" sz="2400" b="0" i="0" u="none" strike="noStrike" cap="none" spc="0">
+                <a:solidFill>
+                  <a:schemeClr val="tx1"/>
+                </a:solidFill>
+                <a:latin typeface="Arial"/>
+                <a:ea typeface="Arial"/>
+                <a:cs typeface="Arial"/>
+              </a:rPr>
+              <a:t> faço uma escolha qualquer</a:t>
+            </a:r>
+            <a:endParaRPr lang="en-US" sz="2400" b="0" i="0" u="none" strike="noStrike" cap="none" spc="0">
               <a:solidFill>
-                <a:schemeClr val="dk1"/>
+                <a:schemeClr val="tx1"/>
               </a:solidFill>
               <a:latin typeface="Arial"/>
               <a:ea typeface="Arial"/>
               <a:cs typeface="Arial"/>
             </a:endParaRPr>
           </a:p>
-        </p:txBody>
-      </p:sp>
-      <p:sp>
-        <p:nvSpPr>
-          <p:cNvPr id="5" name="Google Shape;260;p54" hidden="0"/>
-          <p:cNvSpPr/>
-          <p:nvPr isPhoto="0" userDrawn="0"/>
-        </p:nvSpPr>
-        <p:spPr bwMode="auto">
-          <a:xfrm>
-            <a:off x="162000" y="85680"/>
-            <a:ext cx="7228440" cy="351360"/>
-          </a:xfrm>
-          <a:prstGeom prst="rect">
-            <a:avLst/>
-          </a:prstGeom>
-          <a:noFill/>
-          <a:ln>
-            <a:noFill/>
-          </a:ln>
-        </p:spPr>
-        <p:txBody>
-          <a:bodyPr spcFirstLastPara="1" wrap="square" lIns="91422" tIns="91422" rIns="91422" bIns="91422" anchor="ctr" anchorCtr="0">
-            <a:noAutofit/>
-          </a:bodyPr>
-          <a:lstStyle/>
-          <a:p>
-            <a:pPr marL="0" lvl="0" indent="0" algn="l">
-              <a:spcBef>
-                <a:spcPts val="0"/>
-              </a:spcBef>
-              <a:spcAft>
-                <a:spcPts val="0"/>
-              </a:spcAft>
-              <a:buNone/>
-              <a:defRPr/>
-            </a:pPr>
-            <a:endParaRPr/>
-          </a:p>
-        </p:txBody>
-      </p:sp>
-      <p:sp>
-        <p:nvSpPr>
-          <p:cNvPr id="6" name="Google Shape;261;p54" hidden="0"/>
-          <p:cNvSpPr/>
-          <p:nvPr isPhoto="0" userDrawn="0"/>
-        </p:nvSpPr>
-        <p:spPr bwMode="auto">
-          <a:xfrm>
-            <a:off x="84240" y="6402240"/>
-            <a:ext cx="640440" cy="363960"/>
-          </a:xfrm>
-          <a:prstGeom prst="rect">
-            <a:avLst/>
-          </a:prstGeom>
-          <a:noFill/>
-          <a:ln>
-            <a:noFill/>
-          </a:ln>
-        </p:spPr>
-        <p:txBody>
-          <a:bodyPr spcFirstLastPara="1" wrap="square" lIns="90000" tIns="45000" rIns="90000" bIns="45000" anchor="ctr" anchorCtr="0">
-            <a:noAutofit/>
-          </a:bodyPr>
-          <a:lstStyle/>
-          <a:p>
-            <a:pPr marL="0" marR="0" lvl="0" indent="0" algn="r">
-              <a:lnSpc>
-                <a:spcPct val="100000"/>
-              </a:lnSpc>
-              <a:spcBef>
-                <a:spcPts val="0"/>
-              </a:spcBef>
-              <a:spcAft>
-                <a:spcPts val="0"/>
-              </a:spcAft>
-              <a:buNone/>
-              <a:defRPr/>
-            </a:pPr>
-            <a:fld id="{C4D2708F-FD48-DE3A-57D5-ACCDA54D9931}" type="slidenum">
-              <a:rPr lang="pt-BR" sz="1000" b="0" i="0" u="none" strike="noStrike" cap="none">
-                <a:solidFill>
-                  <a:srgbClr val="B2B2B2"/>
-                </a:solidFill>
-                <a:latin typeface="Verdana"/>
-                <a:ea typeface="Verdana"/>
-                <a:cs typeface="Verdana"/>
-              </a:rPr>
-              <a:t/>
-            </a:fld>
-            <a:endParaRPr sz="1000" b="0" i="0" u="none" strike="noStrike" cap="none">
+          <a:p>
+            <a:pPr marL="349965" indent="-349965" algn="l">
+              <a:buAutoNum type="arabicPeriod"/>
+              <a:defRPr/>
+            </a:pPr>
+            <a:endParaRPr lang="en-US" sz="2400" b="0" i="0" u="none" strike="noStrike" cap="none" spc="0">
               <a:solidFill>
-                <a:schemeClr val="dk1"/>
+                <a:schemeClr val="tx1"/>
               </a:solidFill>
               <a:latin typeface="Arial"/>
               <a:ea typeface="Arial"/>
               <a:cs typeface="Arial"/>
             </a:endParaRPr>
           </a:p>
-        </p:txBody>
-      </p:sp>
-      <p:sp>
-        <p:nvSpPr>
-          <p:cNvPr id="7" name="Google Shape;262;p54" hidden="0"/>
-          <p:cNvSpPr>
-            <a:spLocks noAdjustHandles="0" noChangeArrowheads="0"/>
-          </p:cNvSpPr>
-          <p:nvPr isPhoto="0" userDrawn="0"/>
-        </p:nvSpPr>
-        <p:spPr bwMode="auto">
-          <a:xfrm>
-            <a:off x="576000" y="1728000"/>
-            <a:ext cx="7920000" cy="3599532"/>
-          </a:xfrm>
-          <a:prstGeom prst="rect">
-            <a:avLst/>
-          </a:prstGeom>
-          <a:noFill/>
-          <a:ln>
-            <a:noFill/>
-          </a:ln>
-        </p:spPr>
-        <p:txBody>
-          <a:bodyPr spcFirstLastPara="1" wrap="square" lIns="90000" tIns="45000" rIns="90000" bIns="45000" anchor="t" anchorCtr="0">
-            <a:noAutofit/>
-          </a:bodyPr>
-          <a:lstStyle/>
-          <a:p>
-            <a:pPr marL="216000" marR="0" lvl="0" indent="-216000" algn="l">
-              <a:lnSpc>
-                <a:spcPct val="100000"/>
-              </a:lnSpc>
-              <a:spcBef>
-                <a:spcPts val="3966"/>
-              </a:spcBef>
-              <a:spcAft>
-                <a:spcPts val="0"/>
-              </a:spcAft>
-              <a:buClr>
-                <a:srgbClr val="000000"/>
-              </a:buClr>
-              <a:buSzPts val="1440"/>
-              <a:buFont typeface="Noto Sans Symbols"/>
-              <a:buChar char="●"/>
+          <a:p>
+            <a:pPr marL="349965" indent="-349965" algn="l">
+              <a:buAutoNum type="arabicPeriod"/>
               <a:defRPr/>
             </a:pPr>
             <a:r>
-              <a:rPr lang="pt-BR" sz="3200" b="0" i="0" u="none" strike="noStrike" cap="none">
+              <a:rPr lang="en-US" sz="2400" b="0" i="0" u="none" strike="noStrike" cap="none" spc="0">
                 <a:solidFill>
-                  <a:schemeClr val="dk1"/>
+                  <a:schemeClr val="tx1"/>
                 </a:solidFill>
                 <a:latin typeface="Arial"/>
                 <a:ea typeface="Arial"/>
                 <a:cs typeface="Arial"/>
               </a:rPr>
-              <a:t>Heurísticas e problemas difíceis</a:t>
+              <a:t>Inverto a heurística </a:t>
             </a:r>
-            <a:endParaRPr lang="pt-BR" sz="3200" b="0" i="0" u="none" strike="noStrike" cap="none">
+            <a:r>
+              <a:rPr lang="en-US" sz="2400" b="1" i="0" u="none" strike="noStrike" cap="none" spc="0">
+                <a:solidFill>
+                  <a:schemeClr val="tx1"/>
+                </a:solidFill>
+                <a:latin typeface="Arial"/>
+                <a:ea typeface="Arial"/>
+                <a:cs typeface="Arial"/>
+              </a:rPr>
+              <a:t>de vez em quando</a:t>
+            </a:r>
+            <a:endParaRPr lang="en-US" sz="2400" b="0" i="0" u="none" strike="noStrike" cap="none" spc="0">
               <a:solidFill>
-                <a:schemeClr val="dk1"/>
+                <a:schemeClr val="tx1"/>
               </a:solidFill>
               <a:latin typeface="Arial"/>
               <a:ea typeface="Arial"/>
@@ -16904,42 +16533,70 @@
             </a:endParaRPr>
           </a:p>
           <a:p>
-            <a:pPr marL="216000" marR="0" lvl="0" indent="-216000" algn="l">
-              <a:lnSpc>
-                <a:spcPct val="100000"/>
-              </a:lnSpc>
-              <a:spcBef>
-                <a:spcPts val="3966"/>
-              </a:spcBef>
-              <a:spcAft>
-                <a:spcPts val="0"/>
-              </a:spcAft>
-              <a:buClr>
-                <a:srgbClr val="000000"/>
-              </a:buClr>
-              <a:buSzPts val="1440"/>
-              <a:buFont typeface="Noto Sans Symbols"/>
-              <a:buChar char="●"/>
-              <a:defRPr/>
-            </a:pPr>
-            <a:r>
-              <a:rPr lang="pt-BR" sz="3200" b="0" i="0" u="none" strike="noStrike" cap="none">
-                <a:solidFill>
-                  <a:schemeClr val="dk1"/>
-                </a:solidFill>
-                <a:latin typeface="Arial"/>
-                <a:ea typeface="Arial"/>
-                <a:cs typeface="Arial"/>
-              </a:rPr>
-              <a:t>Início do projeto</a:t>
-            </a:r>
-            <a:endParaRPr sz="3200" b="0" i="0" u="none" strike="noStrike" cap="none">
+            <a:pPr marL="349965" indent="-349965" algn="l">
+              <a:buAutoNum type="arabicPeriod"/>
+              <a:defRPr/>
+            </a:pPr>
+            <a:endParaRPr sz="2400" b="0" u="none">
               <a:solidFill>
-                <a:schemeClr val="dk1"/>
+                <a:schemeClr val="tx1"/>
               </a:solidFill>
-              <a:latin typeface="Arial"/>
-              <a:ea typeface="Arial"/>
-              <a:cs typeface="Arial"/>
+            </a:endParaRPr>
+          </a:p>
+          <a:p>
+            <a:pPr marL="349965" indent="-349965" algn="l">
+              <a:buAutoNum type="arabicPeriod"/>
+              <a:defRPr/>
+            </a:pPr>
+            <a:endParaRPr lang="en-US" sz="2400" b="0" u="none">
+              <a:solidFill>
+                <a:schemeClr val="tx1"/>
+              </a:solidFill>
+            </a:endParaRPr>
+          </a:p>
+          <a:p>
+            <a:pPr marL="349965" indent="-349965" algn="l">
+              <a:buAutoNum type="arabicPeriod"/>
+              <a:defRPr/>
+            </a:pPr>
+            <a:endParaRPr sz="2400" b="0" u="none">
+              <a:solidFill>
+                <a:schemeClr val="tx1"/>
+              </a:solidFill>
+            </a:endParaRPr>
+          </a:p>
+          <a:p>
+            <a:pPr marL="349965" indent="-349965" algn="l">
+              <a:buAutoNum type="arabicPeriod"/>
+              <a:defRPr/>
+            </a:pPr>
+            <a:endParaRPr sz="2400" b="0" u="none">
+              <a:solidFill>
+                <a:schemeClr val="tx1"/>
+              </a:solidFill>
+            </a:endParaRPr>
+          </a:p>
+          <a:p>
+            <a:pPr marL="349965" indent="-349965" algn="l">
+              <a:buAutoNum type="arabicPeriod"/>
+              <a:defRPr/>
+            </a:pPr>
+            <a:endParaRPr sz="2400" b="0" u="none">
+              <a:solidFill>
+                <a:schemeClr val="tx1"/>
+              </a:solidFill>
+            </a:endParaRPr>
+          </a:p>
+          <a:p>
+            <a:pPr marL="349965" indent="-349965" algn="l">
+              <a:buFont typeface="Arial"/>
+              <a:buChar char="•"/>
+              <a:defRPr/>
+            </a:pPr>
+            <a:endParaRPr sz="2400" b="0" u="none">
+              <a:solidFill>
+                <a:schemeClr val="tx1"/>
+              </a:solidFill>
             </a:endParaRPr>
           </a:p>
         </p:txBody>
@@ -16960,248 +16617,7 @@
 </p:sld>
 </file>
 
-<file path=ppt/slides/slide20.xml><?xml version="1.0" encoding="utf-8"?>
-<p:sld xmlns:a="http://schemas.openxmlformats.org/drawingml/2006/main" xmlns:r="http://schemas.openxmlformats.org/officeDocument/2006/relationships" xmlns:p="http://schemas.openxmlformats.org/presentationml/2006/main" xmlns:m="http://schemas.openxmlformats.org/officeDocument/2006/math" xmlns:w="http://schemas.openxmlformats.org/wordprocessingml/2006/main" showMasterPhAnim="0" show="1">
-  <p:cSld name="">
-    <p:spTree>
-      <p:nvGrpSpPr>
-        <p:cNvPr id="1" name="" hidden="0"/>
-        <p:cNvGrpSpPr/>
-        <p:nvPr isPhoto="0" userDrawn="0"/>
-      </p:nvGrpSpPr>
-      <p:grpSpPr bwMode="auto">
-        <a:xfrm>
-          <a:off x="0" y="0"/>
-          <a:ext cx="0" cy="0"/>
-          <a:chOff x="0" y="0"/>
-          <a:chExt cx="0" cy="0"/>
-        </a:xfrm>
-      </p:grpSpPr>
-      <p:sp>
-        <p:nvSpPr>
-          <p:cNvPr id="4" name="Google Shape;347;p64" hidden="0"/>
-          <p:cNvSpPr/>
-          <p:nvPr isPhoto="0" userDrawn="0"/>
-        </p:nvSpPr>
-        <p:spPr bwMode="auto">
-          <a:xfrm>
-            <a:off x="457200" y="2920659"/>
-            <a:ext cx="8228520" cy="618120"/>
-          </a:xfrm>
-          <a:prstGeom prst="rect">
-            <a:avLst/>
-          </a:prstGeom>
-          <a:noFill/>
-          <a:ln>
-            <a:noFill/>
-          </a:ln>
-        </p:spPr>
-        <p:txBody>
-          <a:bodyPr spcFirstLastPara="1" wrap="square" lIns="90000" tIns="45000" rIns="90000" bIns="45000" anchor="t" anchorCtr="0">
-            <a:noAutofit/>
-          </a:bodyPr>
-          <a:lstStyle/>
-          <a:p>
-            <a:pPr marL="0" marR="0" lvl="0" indent="0" algn="ctr">
-              <a:lnSpc>
-                <a:spcPct val="100000"/>
-              </a:lnSpc>
-              <a:spcBef>
-                <a:spcPts val="0"/>
-              </a:spcBef>
-              <a:spcAft>
-                <a:spcPts val="0"/>
-              </a:spcAft>
-              <a:buNone/>
-              <a:defRPr/>
-            </a:pPr>
-            <a:r>
-              <a:rPr lang="pt-BR" sz="3600" b="1" i="0" u="none" strike="noStrike" cap="none">
-                <a:solidFill>
-                  <a:srgbClr val="C00026"/>
-                </a:solidFill>
-                <a:latin typeface="Verdana"/>
-                <a:ea typeface="Verdana"/>
-                <a:cs typeface="Verdana"/>
-              </a:rPr>
-              <a:t>Atividade prática</a:t>
-            </a:r>
-            <a:endParaRPr sz="3600" b="1" i="0" u="none" strike="noStrike" cap="none">
-              <a:solidFill>
-                <a:schemeClr val="dk1"/>
-              </a:solidFill>
-              <a:latin typeface="Arial"/>
-              <a:ea typeface="Arial"/>
-              <a:cs typeface="Arial"/>
-            </a:endParaRPr>
-          </a:p>
-        </p:txBody>
-      </p:sp>
-      <p:sp>
-        <p:nvSpPr>
-          <p:cNvPr id="5" name="Google Shape;348;p64" hidden="0"/>
-          <p:cNvSpPr/>
-          <p:nvPr isPhoto="0" userDrawn="0"/>
-        </p:nvSpPr>
-        <p:spPr bwMode="auto">
-          <a:xfrm>
-            <a:off x="162000" y="85680"/>
-            <a:ext cx="7228440" cy="351360"/>
-          </a:xfrm>
-          <a:prstGeom prst="rect">
-            <a:avLst/>
-          </a:prstGeom>
-          <a:noFill/>
-          <a:ln>
-            <a:noFill/>
-          </a:ln>
-        </p:spPr>
-        <p:txBody>
-          <a:bodyPr spcFirstLastPara="1" wrap="square" lIns="91422" tIns="91422" rIns="91422" bIns="91422" anchor="ctr" anchorCtr="0">
-            <a:noAutofit/>
-          </a:bodyPr>
-          <a:lstStyle/>
-          <a:p>
-            <a:pPr marL="0" lvl="0" indent="0" algn="l">
-              <a:spcBef>
-                <a:spcPts val="0"/>
-              </a:spcBef>
-              <a:spcAft>
-                <a:spcPts val="0"/>
-              </a:spcAft>
-              <a:buNone/>
-              <a:defRPr/>
-            </a:pPr>
-            <a:endParaRPr/>
-          </a:p>
-        </p:txBody>
-      </p:sp>
-      <p:sp>
-        <p:nvSpPr>
-          <p:cNvPr id="6" name="Google Shape;349;p64" hidden="0"/>
-          <p:cNvSpPr/>
-          <p:nvPr isPhoto="0" userDrawn="0"/>
-        </p:nvSpPr>
-        <p:spPr bwMode="auto">
-          <a:xfrm>
-            <a:off x="84240" y="6402240"/>
-            <a:ext cx="640440" cy="363960"/>
-          </a:xfrm>
-          <a:prstGeom prst="rect">
-            <a:avLst/>
-          </a:prstGeom>
-          <a:noFill/>
-          <a:ln>
-            <a:noFill/>
-          </a:ln>
-        </p:spPr>
-        <p:txBody>
-          <a:bodyPr spcFirstLastPara="1" wrap="square" lIns="90000" tIns="45000" rIns="90000" bIns="45000" anchor="ctr" anchorCtr="0">
-            <a:noAutofit/>
-          </a:bodyPr>
-          <a:lstStyle/>
-          <a:p>
-            <a:pPr marL="0" marR="0" lvl="0" indent="0" algn="r">
-              <a:lnSpc>
-                <a:spcPct val="100000"/>
-              </a:lnSpc>
-              <a:spcBef>
-                <a:spcPts val="0"/>
-              </a:spcBef>
-              <a:spcAft>
-                <a:spcPts val="0"/>
-              </a:spcAft>
-              <a:buNone/>
-              <a:defRPr/>
-            </a:pPr>
-            <a:fld id="{97EB1981-4163-74B3-5B47-4934A2BD21C9}" type="slidenum">
-              <a:rPr lang="pt-BR" sz="1000" b="0" i="0" u="none" strike="noStrike" cap="none">
-                <a:solidFill>
-                  <a:srgbClr val="B2B2B2"/>
-                </a:solidFill>
-                <a:latin typeface="Verdana"/>
-                <a:ea typeface="Verdana"/>
-                <a:cs typeface="Verdana"/>
-              </a:rPr>
-              <a:t/>
-            </a:fld>
-            <a:endParaRPr sz="1000" b="0" i="0" u="none" strike="noStrike" cap="none">
-              <a:solidFill>
-                <a:schemeClr val="dk1"/>
-              </a:solidFill>
-              <a:latin typeface="Arial"/>
-              <a:ea typeface="Arial"/>
-              <a:cs typeface="Arial"/>
-            </a:endParaRPr>
-          </a:p>
-        </p:txBody>
-      </p:sp>
-      <p:sp>
-        <p:nvSpPr>
-          <p:cNvPr id="7" name="" hidden="0"/>
-          <p:cNvSpPr/>
-          <p:nvPr isPhoto="0" userDrawn="0"/>
-        </p:nvSpPr>
-        <p:spPr bwMode="auto">
-          <a:xfrm flipH="0" flipV="0">
-            <a:off x="724679" y="4088421"/>
-            <a:ext cx="8137933" cy="363449"/>
-          </a:xfrm>
-          <a:prstGeom prst="rect">
-            <a:avLst/>
-          </a:prstGeom>
-          <a:noFill/>
-        </p:spPr>
-        <p:txBody>
-          <a:bodyPr vertOverflow="overflow" horzOverflow="clip" vert="horz" wrap="square" lIns="91440" tIns="45720" rIns="91440" bIns="45720" numCol="1" spcCol="0" rtlCol="0" fromWordArt="0" anchor="t" anchorCtr="0" forceAA="0" upright="0" compatLnSpc="0">
-            <a:noAutofit/>
-          </a:bodyPr>
-          <a:p>
-            <a:pPr>
-              <a:defRPr/>
-            </a:pPr>
-            <a:r>
-              <a:rPr sz="2000" b="1"/>
-              <a:t>Resolvendo a mochila binária (45 minutos)</a:t>
-            </a:r>
-            <a:endParaRPr sz="2000" b="1"/>
-          </a:p>
-          <a:p>
-            <a:pPr>
-              <a:defRPr/>
-            </a:pPr>
-            <a:endParaRPr sz="2000"/>
-          </a:p>
-          <a:p>
-            <a:pPr marL="305906" indent="-305906">
-              <a:buAutoNum type="arabicPeriod"/>
-              <a:defRPr/>
-            </a:pPr>
-            <a:r>
-              <a:rPr sz="2000" b="0"/>
-              <a:t>Implementar duas heurísticas e comparar seus resultados</a:t>
-            </a:r>
-            <a:endParaRPr sz="2000" b="0"/>
-          </a:p>
-        </p:txBody>
-      </p:sp>
-    </p:spTree>
-  </p:cSld>
-  <p:clrMapOvr>
-    <a:masterClrMapping/>
-  </p:clrMapOvr>
-  <mc:AlternateContent xmlns:mc="http://schemas.openxmlformats.org/markup-compatibility/2006">
-    <mc:Choice xmlns:p14="http://schemas.microsoft.com/office/powerpoint/2010/main" Requires="p14">
-      <p:transition p14:dur="2000" advClick="1"/>
-    </mc:Choice>
-    <mc:Fallback>
-      <p:transition advClick="1"/>
-    </mc:Fallback>
-  </mc:AlternateContent>
-</p:sld>
-</file>
-
-<file path=ppt/slides/slide21.xml><?xml version="1.0" encoding="utf-8"?>
+<file path=ppt/slides/slide2.xml><?xml version="1.0" encoding="utf-8"?>
 <p:sld xmlns:a="http://schemas.openxmlformats.org/drawingml/2006/main" xmlns:r="http://schemas.openxmlformats.org/officeDocument/2006/relationships" xmlns:p="http://schemas.openxmlformats.org/presentationml/2006/main" xmlns:m="http://schemas.openxmlformats.org/officeDocument/2006/math" xmlns:w="http://schemas.openxmlformats.org/wordprocessingml/2006/main" showMasterPhAnim="0" show="1">
   <p:cSld name="">
     <p:spTree>
@@ -17265,7 +16681,7 @@
                 <a:ea typeface="Verdana"/>
                 <a:cs typeface="Verdana"/>
               </a:rPr>
-              <a:t>Comentários sobre "mais caro"</a:t>
+              <a:t>Projeto</a:t>
             </a:r>
             <a:endParaRPr sz="3600" b="1" i="0" u="none" strike="noStrike" cap="none">
               <a:solidFill>
@@ -17355,7 +16771,7 @@
               <a:buNone/>
               <a:defRPr/>
             </a:pPr>
-            <a:fld id="{4AFA2F7F-DB25-608F-AC6C-4BB0B52AAB9A}" type="slidenum">
+            <a:fld id="{BE21ACEB-841E-ED93-F9E6-5F48BC0F7EED}" type="slidenum">
               <a:rPr lang="pt-BR" sz="1000" b="0" i="0" u="none" strike="noStrike" cap="none">
                 <a:solidFill>
                   <a:srgbClr val="B2B2B2"/>
@@ -17402,6 +16818,769 @@
               <a:defRPr/>
             </a:pPr>
             <a:endParaRPr/>
+          </a:p>
+        </p:txBody>
+      </p:sp>
+    </p:spTree>
+  </p:cSld>
+  <p:clrMapOvr>
+    <a:masterClrMapping/>
+  </p:clrMapOvr>
+  <mc:AlternateContent xmlns:mc="http://schemas.openxmlformats.org/markup-compatibility/2006">
+    <mc:Choice xmlns:p14="http://schemas.microsoft.com/office/powerpoint/2010/main" Requires="p14">
+      <p:transition p14:dur="2000" advClick="1"/>
+    </mc:Choice>
+    <mc:Fallback>
+      <p:transition advClick="1"/>
+    </mc:Fallback>
+  </mc:AlternateContent>
+</p:sld>
+</file>
+
+<file path=ppt/slides/slide20.xml><?xml version="1.0" encoding="utf-8"?>
+<p:sld xmlns:a="http://schemas.openxmlformats.org/drawingml/2006/main" xmlns:r="http://schemas.openxmlformats.org/officeDocument/2006/relationships" xmlns:p="http://schemas.openxmlformats.org/presentationml/2006/main" xmlns:m="http://schemas.openxmlformats.org/officeDocument/2006/math" xmlns:w="http://schemas.openxmlformats.org/wordprocessingml/2006/main" showMasterPhAnim="0" show="1">
+  <p:cSld name="">
+    <p:spTree>
+      <p:nvGrpSpPr>
+        <p:cNvPr id="1" name="" hidden="0"/>
+        <p:cNvGrpSpPr/>
+        <p:nvPr isPhoto="0" userDrawn="0"/>
+      </p:nvGrpSpPr>
+      <p:grpSpPr bwMode="auto">
+        <a:xfrm>
+          <a:off x="0" y="0"/>
+          <a:ext cx="0" cy="0"/>
+          <a:chOff x="0" y="0"/>
+          <a:chExt cx="0" cy="0"/>
+        </a:xfrm>
+      </p:grpSpPr>
+      <p:sp>
+        <p:nvSpPr>
+          <p:cNvPr id="4" name="Google Shape;267;p55" hidden="0"/>
+          <p:cNvSpPr/>
+          <p:nvPr isPhoto="0" userDrawn="0"/>
+        </p:nvSpPr>
+        <p:spPr bwMode="auto">
+          <a:xfrm>
+            <a:off x="457200" y="781200"/>
+            <a:ext cx="8228520" cy="618120"/>
+          </a:xfrm>
+          <a:prstGeom prst="rect">
+            <a:avLst/>
+          </a:prstGeom>
+          <a:noFill/>
+          <a:ln>
+            <a:noFill/>
+          </a:ln>
+        </p:spPr>
+        <p:txBody>
+          <a:bodyPr spcFirstLastPara="1" wrap="square" lIns="90000" tIns="45000" rIns="90000" bIns="45000" anchor="t" anchorCtr="0">
+            <a:noAutofit/>
+          </a:bodyPr>
+          <a:lstStyle/>
+          <a:p>
+            <a:pPr marL="0" marR="0" lvl="0" indent="0" algn="l">
+              <a:lnSpc>
+                <a:spcPct val="100000"/>
+              </a:lnSpc>
+              <a:spcBef>
+                <a:spcPts val="0"/>
+              </a:spcBef>
+              <a:spcAft>
+                <a:spcPts val="0"/>
+              </a:spcAft>
+              <a:buNone/>
+              <a:defRPr/>
+            </a:pPr>
+            <a:r>
+              <a:rPr lang="pt-BR" sz="3200" b="0" i="0" u="none" strike="noStrike" cap="none">
+                <a:solidFill>
+                  <a:srgbClr val="C00026"/>
+                </a:solidFill>
+                <a:latin typeface="Verdana"/>
+                <a:ea typeface="Verdana"/>
+                <a:cs typeface="Verdana"/>
+              </a:rPr>
+              <a:t>Exploration </a:t>
+            </a:r>
+            <a:endParaRPr sz="3200" b="0" i="0" u="none" strike="noStrike" cap="none">
+              <a:solidFill>
+                <a:schemeClr val="dk1"/>
+              </a:solidFill>
+              <a:latin typeface="Arial"/>
+              <a:ea typeface="Arial"/>
+              <a:cs typeface="Arial"/>
+            </a:endParaRPr>
+          </a:p>
+        </p:txBody>
+      </p:sp>
+      <p:sp>
+        <p:nvSpPr>
+          <p:cNvPr id="5" name="Google Shape;268;p55" hidden="0"/>
+          <p:cNvSpPr/>
+          <p:nvPr isPhoto="0" userDrawn="0"/>
+        </p:nvSpPr>
+        <p:spPr bwMode="auto">
+          <a:xfrm>
+            <a:off x="162000" y="85680"/>
+            <a:ext cx="7228440" cy="351360"/>
+          </a:xfrm>
+          <a:prstGeom prst="rect">
+            <a:avLst/>
+          </a:prstGeom>
+          <a:noFill/>
+          <a:ln>
+            <a:noFill/>
+          </a:ln>
+        </p:spPr>
+        <p:txBody>
+          <a:bodyPr spcFirstLastPara="1" wrap="square" lIns="91422" tIns="91422" rIns="91422" bIns="91422" anchor="ctr" anchorCtr="0">
+            <a:noAutofit/>
+          </a:bodyPr>
+          <a:lstStyle/>
+          <a:p>
+            <a:pPr marL="0" lvl="0" indent="0" algn="l">
+              <a:spcBef>
+                <a:spcPts val="0"/>
+              </a:spcBef>
+              <a:spcAft>
+                <a:spcPts val="0"/>
+              </a:spcAft>
+              <a:buNone/>
+              <a:defRPr/>
+            </a:pPr>
+            <a:endParaRPr/>
+          </a:p>
+        </p:txBody>
+      </p:sp>
+      <p:sp>
+        <p:nvSpPr>
+          <p:cNvPr id="6" name="Google Shape;269;p55" hidden="0"/>
+          <p:cNvSpPr/>
+          <p:nvPr isPhoto="0" userDrawn="0"/>
+        </p:nvSpPr>
+        <p:spPr bwMode="auto">
+          <a:xfrm>
+            <a:off x="84240" y="6402240"/>
+            <a:ext cx="640440" cy="363960"/>
+          </a:xfrm>
+          <a:prstGeom prst="rect">
+            <a:avLst/>
+          </a:prstGeom>
+          <a:noFill/>
+          <a:ln>
+            <a:noFill/>
+          </a:ln>
+        </p:spPr>
+        <p:txBody>
+          <a:bodyPr spcFirstLastPara="1" wrap="square" lIns="90000" tIns="45000" rIns="90000" bIns="45000" anchor="ctr" anchorCtr="0">
+            <a:noAutofit/>
+          </a:bodyPr>
+          <a:lstStyle/>
+          <a:p>
+            <a:pPr marL="0" marR="0" lvl="0" indent="0" algn="r">
+              <a:lnSpc>
+                <a:spcPct val="100000"/>
+              </a:lnSpc>
+              <a:spcBef>
+                <a:spcPts val="0"/>
+              </a:spcBef>
+              <a:spcAft>
+                <a:spcPts val="0"/>
+              </a:spcAft>
+              <a:buNone/>
+              <a:defRPr/>
+            </a:pPr>
+            <a:fld id="{9DFFE383-270B-37BA-7C8C-71A742FDAD25}" type="slidenum">
+              <a:rPr lang="pt-BR" sz="1000" b="0" i="0" u="none" strike="noStrike" cap="none">
+                <a:solidFill>
+                  <a:srgbClr val="B2B2B2"/>
+                </a:solidFill>
+                <a:latin typeface="Verdana"/>
+                <a:ea typeface="Verdana"/>
+                <a:cs typeface="Verdana"/>
+              </a:rPr>
+              <a:t/>
+            </a:fld>
+            <a:endParaRPr sz="1000" b="0" i="0" u="none" strike="noStrike" cap="none">
+              <a:solidFill>
+                <a:schemeClr val="dk1"/>
+              </a:solidFill>
+              <a:latin typeface="Arial"/>
+              <a:ea typeface="Arial"/>
+              <a:cs typeface="Arial"/>
+            </a:endParaRPr>
+          </a:p>
+        </p:txBody>
+      </p:sp>
+      <p:sp>
+        <p:nvSpPr>
+          <p:cNvPr id="7" name="Google Shape;270;p55" hidden="0"/>
+          <p:cNvSpPr>
+            <a:spLocks noAdjustHandles="0" noChangeArrowheads="0"/>
+          </p:cNvSpPr>
+          <p:nvPr isPhoto="0" userDrawn="0"/>
+        </p:nvSpPr>
+        <p:spPr bwMode="auto">
+          <a:xfrm flipH="0" flipV="0">
+            <a:off x="309225" y="1588484"/>
+            <a:ext cx="8704379" cy="4976426"/>
+          </a:xfrm>
+          <a:prstGeom prst="rect">
+            <a:avLst/>
+          </a:prstGeom>
+          <a:noFill/>
+          <a:ln>
+            <a:noFill/>
+          </a:ln>
+        </p:spPr>
+        <p:txBody>
+          <a:bodyPr spcFirstLastPara="1" wrap="square" lIns="91422" tIns="45694" rIns="91422" bIns="45694" anchor="t" anchorCtr="0">
+            <a:noAutofit/>
+          </a:bodyPr>
+          <a:lstStyle/>
+          <a:p>
+            <a:pPr algn="l">
+              <a:defRPr/>
+            </a:pPr>
+            <a:endParaRPr sz="2400" b="0" u="none">
+              <a:solidFill>
+                <a:schemeClr val="tx1"/>
+              </a:solidFill>
+            </a:endParaRPr>
+          </a:p>
+          <a:p>
+            <a:pPr algn="l">
+              <a:defRPr/>
+            </a:pPr>
+            <a:r>
+              <a:rPr sz="2400" b="1" u="none">
+                <a:solidFill>
+                  <a:srgbClr val="C00000"/>
+                </a:solidFill>
+              </a:rPr>
+              <a:t>Exploration</a:t>
+            </a:r>
+            <a:r>
+              <a:rPr sz="2400" b="0" u="none">
+                <a:solidFill>
+                  <a:schemeClr val="tx1"/>
+                </a:solidFill>
+              </a:rPr>
+              <a:t> requer a capacidade de criar um programa que executa de maneira diferente a cada execução.</a:t>
+            </a:r>
+            <a:endParaRPr sz="2400" b="0" u="none">
+              <a:solidFill>
+                <a:schemeClr val="tx1"/>
+              </a:solidFill>
+            </a:endParaRPr>
+          </a:p>
+          <a:p>
+            <a:pPr algn="l">
+              <a:defRPr/>
+            </a:pPr>
+            <a:endParaRPr sz="2400" b="0" u="none">
+              <a:solidFill>
+                <a:schemeClr val="tx1"/>
+              </a:solidFill>
+            </a:endParaRPr>
+          </a:p>
+          <a:p>
+            <a:pPr algn="l">
+              <a:defRPr/>
+            </a:pPr>
+            <a:r>
+              <a:rPr sz="2400" b="0" u="none">
+                <a:solidFill>
+                  <a:schemeClr val="tx1"/>
+                </a:solidFill>
+              </a:rPr>
+              <a:t>Precisamos</a:t>
+            </a:r>
+            <a:endParaRPr sz="2400" b="0" u="none">
+              <a:solidFill>
+                <a:schemeClr val="tx1"/>
+              </a:solidFill>
+            </a:endParaRPr>
+          </a:p>
+          <a:p>
+            <a:pPr algn="l">
+              <a:defRPr/>
+            </a:pPr>
+            <a:endParaRPr sz="2400" b="0" u="none">
+              <a:solidFill>
+                <a:schemeClr val="tx1"/>
+              </a:solidFill>
+            </a:endParaRPr>
+          </a:p>
+          <a:p>
+            <a:pPr marL="349965" indent="-349965" algn="l">
+              <a:buAutoNum type="arabicPeriod"/>
+              <a:defRPr/>
+            </a:pPr>
+            <a:r>
+              <a:rPr sz="2400" b="0" u="none">
+                <a:solidFill>
+                  <a:schemeClr val="tx1"/>
+                </a:solidFill>
+              </a:rPr>
+              <a:t>de uma fonte de aleatoriedade;</a:t>
+            </a:r>
+            <a:endParaRPr sz="2400" b="0" u="none">
+              <a:solidFill>
+                <a:schemeClr val="tx1"/>
+              </a:solidFill>
+            </a:endParaRPr>
+          </a:p>
+          <a:p>
+            <a:pPr marL="349965" indent="-349965" algn="l">
+              <a:buAutoNum type="arabicPeriod"/>
+              <a:defRPr/>
+            </a:pPr>
+            <a:endParaRPr sz="2400" b="0" u="none">
+              <a:solidFill>
+                <a:schemeClr val="tx1"/>
+              </a:solidFill>
+            </a:endParaRPr>
+          </a:p>
+          <a:p>
+            <a:pPr marL="349965" indent="-349965" algn="l">
+              <a:buAutoNum type="arabicPeriod"/>
+              <a:defRPr/>
+            </a:pPr>
+            <a:r>
+              <a:rPr sz="2400" b="0" u="none">
+                <a:solidFill>
+                  <a:schemeClr val="tx1"/>
+                </a:solidFill>
+              </a:rPr>
+              <a:t>uma maneira de gerar sequências de números aleatórios</a:t>
+            </a:r>
+            <a:endParaRPr sz="2400" b="0" u="none">
+              <a:solidFill>
+                <a:schemeClr val="tx1"/>
+              </a:solidFill>
+            </a:endParaRPr>
+          </a:p>
+          <a:p>
+            <a:pPr marL="349965" indent="-349965" algn="l">
+              <a:buAutoNum type="arabicPeriod"/>
+              <a:defRPr/>
+            </a:pPr>
+            <a:endParaRPr sz="2400" b="0" u="none">
+              <a:solidFill>
+                <a:schemeClr val="tx1"/>
+              </a:solidFill>
+            </a:endParaRPr>
+          </a:p>
+          <a:p>
+            <a:pPr marL="349965" indent="-349965" algn="l">
+              <a:buAutoNum type="arabicPeriod"/>
+              <a:defRPr/>
+            </a:pPr>
+            <a:endParaRPr sz="2400" b="0" u="none">
+              <a:solidFill>
+                <a:schemeClr val="tx1"/>
+              </a:solidFill>
+            </a:endParaRPr>
+          </a:p>
+          <a:p>
+            <a:pPr marL="349965" indent="-349965" algn="l">
+              <a:buAutoNum type="arabicPeriod"/>
+              <a:defRPr/>
+            </a:pPr>
+            <a:endParaRPr sz="2400" b="0" u="none">
+              <a:solidFill>
+                <a:schemeClr val="tx1"/>
+              </a:solidFill>
+            </a:endParaRPr>
+          </a:p>
+          <a:p>
+            <a:pPr marL="349965" indent="-349965" algn="l">
+              <a:buAutoNum type="arabicPeriod"/>
+              <a:defRPr/>
+            </a:pPr>
+            <a:endParaRPr sz="2400" b="0" u="none">
+              <a:solidFill>
+                <a:schemeClr val="tx1"/>
+              </a:solidFill>
+            </a:endParaRPr>
+          </a:p>
+          <a:p>
+            <a:pPr marL="349965" indent="-349965" algn="l">
+              <a:buAutoNum type="arabicPeriod"/>
+              <a:defRPr/>
+            </a:pPr>
+            <a:endParaRPr lang="en-US" sz="2400" b="0" u="none">
+              <a:solidFill>
+                <a:schemeClr val="tx1"/>
+              </a:solidFill>
+            </a:endParaRPr>
+          </a:p>
+          <a:p>
+            <a:pPr marL="349965" indent="-349965" algn="l">
+              <a:buAutoNum type="arabicPeriod"/>
+              <a:defRPr/>
+            </a:pPr>
+            <a:endParaRPr sz="2400" b="0" u="none">
+              <a:solidFill>
+                <a:schemeClr val="tx1"/>
+              </a:solidFill>
+            </a:endParaRPr>
+          </a:p>
+          <a:p>
+            <a:pPr marL="349965" indent="-349965" algn="l">
+              <a:buAutoNum type="arabicPeriod"/>
+              <a:defRPr/>
+            </a:pPr>
+            <a:endParaRPr sz="2400" b="0" u="none">
+              <a:solidFill>
+                <a:schemeClr val="tx1"/>
+              </a:solidFill>
+            </a:endParaRPr>
+          </a:p>
+          <a:p>
+            <a:pPr marL="349965" indent="-349965" algn="l">
+              <a:buAutoNum type="arabicPeriod"/>
+              <a:defRPr/>
+            </a:pPr>
+            <a:endParaRPr sz="2400" b="0" u="none">
+              <a:solidFill>
+                <a:schemeClr val="tx1"/>
+              </a:solidFill>
+            </a:endParaRPr>
+          </a:p>
+          <a:p>
+            <a:pPr marL="349965" indent="-349965" algn="l">
+              <a:buFont typeface="Arial"/>
+              <a:buChar char="•"/>
+              <a:defRPr/>
+            </a:pPr>
+            <a:endParaRPr sz="2400" b="0" u="none">
+              <a:solidFill>
+                <a:schemeClr val="tx1"/>
+              </a:solidFill>
+            </a:endParaRPr>
+          </a:p>
+        </p:txBody>
+      </p:sp>
+    </p:spTree>
+  </p:cSld>
+  <p:clrMapOvr>
+    <a:masterClrMapping/>
+  </p:clrMapOvr>
+  <mc:AlternateContent xmlns:mc="http://schemas.openxmlformats.org/markup-compatibility/2006">
+    <mc:Choice xmlns:p14="http://schemas.microsoft.com/office/powerpoint/2010/main" Requires="p14">
+      <p:transition p14:dur="2000" advClick="1"/>
+    </mc:Choice>
+    <mc:Fallback>
+      <p:transition advClick="1"/>
+    </mc:Fallback>
+  </mc:AlternateContent>
+</p:sld>
+</file>
+
+<file path=ppt/slides/slide21.xml><?xml version="1.0" encoding="utf-8"?>
+<p:sld xmlns:a="http://schemas.openxmlformats.org/drawingml/2006/main" xmlns:r="http://schemas.openxmlformats.org/officeDocument/2006/relationships" xmlns:p="http://schemas.openxmlformats.org/presentationml/2006/main" xmlns:m="http://schemas.openxmlformats.org/officeDocument/2006/math" xmlns:w="http://schemas.openxmlformats.org/wordprocessingml/2006/main" showMasterPhAnim="0" show="1">
+  <p:cSld name="">
+    <p:spTree>
+      <p:nvGrpSpPr>
+        <p:cNvPr id="1" name="" hidden="0"/>
+        <p:cNvGrpSpPr/>
+        <p:nvPr isPhoto="0" userDrawn="0"/>
+      </p:nvGrpSpPr>
+      <p:grpSpPr bwMode="auto">
+        <a:xfrm>
+          <a:off x="0" y="0"/>
+          <a:ext cx="0" cy="0"/>
+          <a:chOff x="0" y="0"/>
+          <a:chExt cx="0" cy="0"/>
+        </a:xfrm>
+      </p:grpSpPr>
+      <p:sp>
+        <p:nvSpPr>
+          <p:cNvPr id="4" name="Google Shape;267;p55" hidden="0"/>
+          <p:cNvSpPr/>
+          <p:nvPr isPhoto="0" userDrawn="0"/>
+        </p:nvSpPr>
+        <p:spPr bwMode="auto">
+          <a:xfrm>
+            <a:off x="457200" y="781200"/>
+            <a:ext cx="8228520" cy="618120"/>
+          </a:xfrm>
+          <a:prstGeom prst="rect">
+            <a:avLst/>
+          </a:prstGeom>
+          <a:noFill/>
+          <a:ln>
+            <a:noFill/>
+          </a:ln>
+        </p:spPr>
+        <p:txBody>
+          <a:bodyPr spcFirstLastPara="1" wrap="square" lIns="90000" tIns="45000" rIns="90000" bIns="45000" anchor="t" anchorCtr="0">
+            <a:noAutofit/>
+          </a:bodyPr>
+          <a:lstStyle/>
+          <a:p>
+            <a:pPr marL="0" marR="0" lvl="0" indent="0" algn="l">
+              <a:lnSpc>
+                <a:spcPct val="100000"/>
+              </a:lnSpc>
+              <a:spcBef>
+                <a:spcPts val="0"/>
+              </a:spcBef>
+              <a:spcAft>
+                <a:spcPts val="0"/>
+              </a:spcAft>
+              <a:buNone/>
+              <a:defRPr/>
+            </a:pPr>
+            <a:r>
+              <a:rPr lang="pt-BR" sz="3200" b="0" i="0" u="none" strike="noStrike" cap="none">
+                <a:solidFill>
+                  <a:srgbClr val="C00026"/>
+                </a:solidFill>
+                <a:latin typeface="Verdana"/>
+                <a:ea typeface="Verdana"/>
+                <a:cs typeface="Verdana"/>
+              </a:rPr>
+              <a:t>Números aleatórios</a:t>
+            </a:r>
+            <a:endParaRPr sz="3200" b="0" i="0" u="none" strike="noStrike" cap="none">
+              <a:solidFill>
+                <a:schemeClr val="dk1"/>
+              </a:solidFill>
+              <a:latin typeface="Arial"/>
+              <a:ea typeface="Arial"/>
+              <a:cs typeface="Arial"/>
+            </a:endParaRPr>
+          </a:p>
+        </p:txBody>
+      </p:sp>
+      <p:sp>
+        <p:nvSpPr>
+          <p:cNvPr id="5" name="Google Shape;268;p55" hidden="0"/>
+          <p:cNvSpPr/>
+          <p:nvPr isPhoto="0" userDrawn="0"/>
+        </p:nvSpPr>
+        <p:spPr bwMode="auto">
+          <a:xfrm>
+            <a:off x="162000" y="85680"/>
+            <a:ext cx="7228440" cy="351360"/>
+          </a:xfrm>
+          <a:prstGeom prst="rect">
+            <a:avLst/>
+          </a:prstGeom>
+          <a:noFill/>
+          <a:ln>
+            <a:noFill/>
+          </a:ln>
+        </p:spPr>
+        <p:txBody>
+          <a:bodyPr spcFirstLastPara="1" wrap="square" lIns="91422" tIns="91422" rIns="91422" bIns="91422" anchor="ctr" anchorCtr="0">
+            <a:noAutofit/>
+          </a:bodyPr>
+          <a:lstStyle/>
+          <a:p>
+            <a:pPr marL="0" lvl="0" indent="0" algn="l">
+              <a:spcBef>
+                <a:spcPts val="0"/>
+              </a:spcBef>
+              <a:spcAft>
+                <a:spcPts val="0"/>
+              </a:spcAft>
+              <a:buNone/>
+              <a:defRPr/>
+            </a:pPr>
+            <a:endParaRPr/>
+          </a:p>
+        </p:txBody>
+      </p:sp>
+      <p:sp>
+        <p:nvSpPr>
+          <p:cNvPr id="6" name="Google Shape;269;p55" hidden="0"/>
+          <p:cNvSpPr/>
+          <p:nvPr isPhoto="0" userDrawn="0"/>
+        </p:nvSpPr>
+        <p:spPr bwMode="auto">
+          <a:xfrm>
+            <a:off x="84240" y="6402240"/>
+            <a:ext cx="640440" cy="363960"/>
+          </a:xfrm>
+          <a:prstGeom prst="rect">
+            <a:avLst/>
+          </a:prstGeom>
+          <a:noFill/>
+          <a:ln>
+            <a:noFill/>
+          </a:ln>
+        </p:spPr>
+        <p:txBody>
+          <a:bodyPr spcFirstLastPara="1" wrap="square" lIns="90000" tIns="45000" rIns="90000" bIns="45000" anchor="ctr" anchorCtr="0">
+            <a:noAutofit/>
+          </a:bodyPr>
+          <a:lstStyle/>
+          <a:p>
+            <a:pPr marL="0" marR="0" lvl="0" indent="0" algn="r">
+              <a:lnSpc>
+                <a:spcPct val="100000"/>
+              </a:lnSpc>
+              <a:spcBef>
+                <a:spcPts val="0"/>
+              </a:spcBef>
+              <a:spcAft>
+                <a:spcPts val="0"/>
+              </a:spcAft>
+              <a:buNone/>
+              <a:defRPr/>
+            </a:pPr>
+            <a:fld id="{C0409E55-1DCD-5FCF-AAA4-7D92107634B7}" type="slidenum">
+              <a:rPr lang="pt-BR" sz="1000" b="0" i="0" u="none" strike="noStrike" cap="none">
+                <a:solidFill>
+                  <a:srgbClr val="B2B2B2"/>
+                </a:solidFill>
+                <a:latin typeface="Verdana"/>
+                <a:ea typeface="Verdana"/>
+                <a:cs typeface="Verdana"/>
+              </a:rPr>
+              <a:t/>
+            </a:fld>
+            <a:endParaRPr sz="1000" b="0" i="0" u="none" strike="noStrike" cap="none">
+              <a:solidFill>
+                <a:schemeClr val="dk1"/>
+              </a:solidFill>
+              <a:latin typeface="Arial"/>
+              <a:ea typeface="Arial"/>
+              <a:cs typeface="Arial"/>
+            </a:endParaRPr>
+          </a:p>
+        </p:txBody>
+      </p:sp>
+      <p:sp>
+        <p:nvSpPr>
+          <p:cNvPr id="7" name="Google Shape;270;p55" hidden="0"/>
+          <p:cNvSpPr>
+            <a:spLocks noAdjustHandles="0" noChangeArrowheads="0"/>
+          </p:cNvSpPr>
+          <p:nvPr isPhoto="0" userDrawn="0"/>
+        </p:nvSpPr>
+        <p:spPr bwMode="auto">
+          <a:xfrm flipH="0" flipV="0">
+            <a:off x="309224" y="1588483"/>
+            <a:ext cx="8704378" cy="4976425"/>
+          </a:xfrm>
+          <a:prstGeom prst="rect">
+            <a:avLst/>
+          </a:prstGeom>
+          <a:noFill/>
+          <a:ln>
+            <a:noFill/>
+          </a:ln>
+        </p:spPr>
+        <p:txBody>
+          <a:bodyPr spcFirstLastPara="1" wrap="square" lIns="91422" tIns="45693" rIns="91422" bIns="45693" anchor="t" anchorCtr="0">
+            <a:noAutofit/>
+          </a:bodyPr>
+          <a:lstStyle/>
+          <a:p>
+            <a:pPr>
+              <a:defRPr/>
+            </a:pPr>
+            <a:endParaRPr sz="2400"/>
+          </a:p>
+          <a:p>
+            <a:pPr>
+              <a:defRPr/>
+            </a:pPr>
+            <a:r>
+              <a:rPr sz="2400"/>
+              <a:t>Um gerador de números aleatórios é impossível de ser criado usando um computador:</a:t>
+            </a:r>
+            <a:endParaRPr sz="2400"/>
+          </a:p>
+          <a:p>
+            <a:pPr>
+              <a:defRPr/>
+            </a:pPr>
+            <a:endParaRPr sz="2400"/>
+          </a:p>
+          <a:p>
+            <a:pPr marL="239821" indent="-239821">
+              <a:lnSpc>
+                <a:spcPct val="150000"/>
+              </a:lnSpc>
+              <a:buAutoNum type="arabicPeriod"/>
+              <a:defRPr/>
+            </a:pPr>
+            <a:r>
+              <a:rPr sz="2400"/>
+              <a:t>É impossível predizer qual será o próximo número aleatório "de verdade"</a:t>
+            </a:r>
+            <a:endParaRPr sz="2400"/>
+          </a:p>
+          <a:p>
+            <a:pPr marL="239821" indent="-239821">
+              <a:lnSpc>
+                <a:spcPct val="150000"/>
+              </a:lnSpc>
+              <a:buAutoNum type="arabicPeriod"/>
+              <a:defRPr/>
+            </a:pPr>
+            <a:r>
+              <a:rPr sz="2400"/>
+              <a:t>Um computador executa uma sequência de comandos conhecida baseada em dados guardados na memória. Execução é </a:t>
+            </a:r>
+            <a:r>
+              <a:rPr sz="2400" b="1"/>
+              <a:t>Determinística</a:t>
+            </a:r>
+            <a:r>
+              <a:rPr sz="2400"/>
+              <a:t>.</a:t>
+            </a:r>
+            <a:endParaRPr sz="2400"/>
+          </a:p>
+          <a:p>
+            <a:pPr marL="239821" indent="-239821">
+              <a:buAutoNum type="arabicPeriod"/>
+              <a:defRPr/>
+            </a:pPr>
+            <a:endParaRPr sz="2400"/>
+          </a:p>
+          <a:p>
+            <a:pPr marL="239821" indent="-239821">
+              <a:buAutoNum type="arabicPeriod"/>
+              <a:defRPr/>
+            </a:pPr>
+            <a:endParaRPr sz="2400"/>
+          </a:p>
+          <a:p>
+            <a:pPr marL="239821" indent="-239821">
+              <a:buAutoNum type="arabicPeriod"/>
+              <a:defRPr/>
+            </a:pPr>
+            <a:endParaRPr sz="2400"/>
+          </a:p>
+          <a:p>
+            <a:pPr marL="239821" indent="-239821">
+              <a:buAutoNum type="arabicPeriod"/>
+              <a:defRPr/>
+            </a:pPr>
+            <a:endParaRPr sz="2400"/>
+          </a:p>
+          <a:p>
+            <a:pPr marL="239821" indent="-239821">
+              <a:buAutoNum type="arabicPeriod"/>
+              <a:defRPr/>
+            </a:pPr>
+            <a:endParaRPr sz="2400"/>
+          </a:p>
+          <a:p>
+            <a:pPr marL="239821" indent="-239821">
+              <a:buAutoNum type="arabicPeriod"/>
+              <a:defRPr/>
+            </a:pPr>
+            <a:endParaRPr sz="2400"/>
           </a:p>
         </p:txBody>
       </p:sp>
@@ -17440,13 +17619,13 @@
       </p:grpSpPr>
       <p:sp>
         <p:nvSpPr>
-          <p:cNvPr id="4" name="Google Shape;347;p64" hidden="0"/>
+          <p:cNvPr id="4" name="Google Shape;267;p55" hidden="0"/>
           <p:cNvSpPr/>
           <p:nvPr isPhoto="0" userDrawn="0"/>
         </p:nvSpPr>
         <p:spPr bwMode="auto">
           <a:xfrm>
-            <a:off x="457200" y="2920658"/>
+            <a:off x="457200" y="781200"/>
             <a:ext cx="8228520" cy="618120"/>
           </a:xfrm>
           <a:prstGeom prst="rect">
@@ -17463,7 +17642,7 @@
           </a:bodyPr>
           <a:lstStyle/>
           <a:p>
-            <a:pPr marL="0" marR="0" lvl="0" indent="0" algn="ctr">
+            <a:pPr marL="0" marR="0" lvl="0" indent="0" algn="l">
               <a:lnSpc>
                 <a:spcPct val="100000"/>
               </a:lnSpc>
@@ -17477,7 +17656,7 @@
               <a:defRPr/>
             </a:pPr>
             <a:r>
-              <a:rPr lang="pt-BR" sz="3600" b="1" i="0" u="none" strike="noStrike" cap="none">
+              <a:rPr lang="pt-BR" sz="3200" b="0" i="0" u="none" strike="noStrike" cap="none">
                 <a:solidFill>
                   <a:srgbClr val="C00026"/>
                 </a:solidFill>
@@ -17485,9 +17664,9 @@
                 <a:ea typeface="Verdana"/>
                 <a:cs typeface="Verdana"/>
               </a:rPr>
-              <a:t>Atividade prática</a:t>
+              <a:t>Números (pseudo-)aleatórios</a:t>
             </a:r>
-            <a:endParaRPr sz="3600" b="1" i="0" u="none" strike="noStrike" cap="none">
+            <a:endParaRPr sz="3200" b="0" i="0" u="none" strike="noStrike" cap="none">
               <a:solidFill>
                 <a:schemeClr val="dk1"/>
               </a:solidFill>
@@ -17500,7 +17679,7 @@
       </p:sp>
       <p:sp>
         <p:nvSpPr>
-          <p:cNvPr id="5" name="Google Shape;348;p64" hidden="0"/>
+          <p:cNvPr id="5" name="Google Shape;268;p55" hidden="0"/>
           <p:cNvSpPr/>
           <p:nvPr isPhoto="0" userDrawn="0"/>
         </p:nvSpPr>
@@ -17539,7 +17718,7 @@
       </p:sp>
       <p:sp>
         <p:nvSpPr>
-          <p:cNvPr id="6" name="Google Shape;349;p64" hidden="0"/>
+          <p:cNvPr id="6" name="Google Shape;269;p55" hidden="0"/>
           <p:cNvSpPr/>
           <p:nvPr isPhoto="0" userDrawn="0"/>
         </p:nvSpPr>
@@ -17575,7 +17754,7 @@
               <a:buNone/>
               <a:defRPr/>
             </a:pPr>
-            <a:fld id="{E500FAA0-8915-66B2-2740-3DF20AF134B8}" type="slidenum">
+            <a:fld id="{F42D7D70-41A0-3B86-FC01-4E872987C2FB}" type="slidenum">
               <a:rPr lang="pt-BR" sz="1000" b="0" i="0" u="none" strike="noStrike" cap="none">
                 <a:solidFill>
                   <a:srgbClr val="B2B2B2"/>
@@ -17599,50 +17778,160 @@
       </p:sp>
       <p:sp>
         <p:nvSpPr>
-          <p:cNvPr id="7" name="" hidden="0"/>
-          <p:cNvSpPr/>
+          <p:cNvPr id="7" name="Google Shape;270;p55" hidden="0"/>
+          <p:cNvSpPr>
+            <a:spLocks noAdjustHandles="0" noChangeArrowheads="0"/>
+          </p:cNvSpPr>
           <p:nvPr isPhoto="0" userDrawn="0"/>
         </p:nvSpPr>
         <p:spPr bwMode="auto">
           <a:xfrm flipH="0" flipV="0">
-            <a:off x="724678" y="4088421"/>
-            <a:ext cx="8137932" cy="363448"/>
+            <a:off x="309224" y="1588483"/>
+            <a:ext cx="8704378" cy="4976425"/>
           </a:xfrm>
           <a:prstGeom prst="rect">
             <a:avLst/>
           </a:prstGeom>
           <a:noFill/>
+          <a:ln>
+            <a:noFill/>
+          </a:ln>
         </p:spPr>
         <p:txBody>
-          <a:bodyPr vertOverflow="overflow" horzOverflow="clip" vert="horz" wrap="square" lIns="91440" tIns="45720" rIns="91440" bIns="45720" numCol="1" spcCol="0" rtlCol="0" fromWordArt="0" anchor="t" anchorCtr="0" forceAA="0" upright="0" compatLnSpc="0">
+          <a:bodyPr spcFirstLastPara="1" wrap="square" lIns="91422" tIns="45693" rIns="91422" bIns="45693" anchor="t" anchorCtr="0">
             <a:noAutofit/>
           </a:bodyPr>
+          <a:lstStyle/>
           <a:p>
             <a:pPr>
               <a:defRPr/>
             </a:pPr>
+            <a:endParaRPr sz="2400"/>
+          </a:p>
+          <a:p>
+            <a:pPr>
+              <a:defRPr/>
+            </a:pPr>
             <a:r>
-              <a:rPr sz="2000" b="1"/>
-              <a:t>Resolvendo a mochila binária (15 minutos)</a:t>
+              <a:rPr sz="2400"/>
+              <a:t>Gerador de números pseudo-aleatórios (</a:t>
             </a:r>
-            <a:endParaRPr sz="2000" b="1"/>
+            <a:r>
+              <a:rPr sz="2400" b="1">
+                <a:solidFill>
+                  <a:srgbClr val="C00000"/>
+                </a:solidFill>
+              </a:rPr>
+              <a:t>p</a:t>
+            </a:r>
+            <a:r>
+              <a:rPr sz="2400" b="1">
+                <a:solidFill>
+                  <a:srgbClr val="C00000"/>
+                </a:solidFill>
+              </a:rPr>
+              <a:t>RNG</a:t>
+            </a:r>
+            <a:r>
+              <a:rPr sz="2400"/>
+              <a:t>): algoritmo determinístico que gera sequências de números que parecem aleatórias</a:t>
+            </a:r>
+            <a:endParaRPr sz="2400"/>
           </a:p>
           <a:p>
             <a:pPr>
               <a:defRPr/>
             </a:pPr>
-            <a:endParaRPr sz="2000"/>
-          </a:p>
-          <a:p>
-            <a:pPr marL="305905" indent="-305905">
+            <a:endParaRPr sz="2400"/>
+          </a:p>
+          <a:p>
+            <a:pPr marL="349965" indent="-349965">
               <a:buAutoNum type="arabicPeriod"/>
               <a:defRPr/>
             </a:pPr>
             <a:r>
-              <a:rPr sz="2000" b="0"/>
-              <a:t>Análise de entradas e saídas</a:t>
+              <a:rPr sz="2400" b="1">
+                <a:solidFill>
+                  <a:srgbClr val="C00000"/>
+                </a:solidFill>
+              </a:rPr>
+              <a:t>Determinístico:</a:t>
             </a:r>
-            <a:endParaRPr sz="2000" b="0"/>
+            <a:r>
+              <a:rPr sz="2400"/>
+              <a:t> produz sempre a mesma sequência. </a:t>
+            </a:r>
+            <a:endParaRPr sz="2400"/>
+          </a:p>
+          <a:p>
+            <a:pPr marL="349965" indent="-349965">
+              <a:buAutoNum type="arabicPeriod"/>
+              <a:defRPr/>
+            </a:pPr>
+            <a:endParaRPr sz="2400"/>
+          </a:p>
+          <a:p>
+            <a:pPr marL="349965" indent="-349965">
+              <a:buAutoNum type="arabicPeriod"/>
+              <a:defRPr/>
+            </a:pPr>
+            <a:r>
+              <a:rPr sz="2400" b="1">
+                <a:solidFill>
+                  <a:srgbClr val="C00000"/>
+                </a:solidFill>
+              </a:rPr>
+              <a:t>Sequências que parecem aleatórias:</a:t>
+            </a:r>
+            <a:r>
+              <a:rPr sz="2400" b="0">
+                <a:solidFill>
+                  <a:srgbClr val="C00000"/>
+                </a:solidFill>
+              </a:rPr>
+              <a:t> </a:t>
+            </a:r>
+            <a:r>
+              <a:rPr sz="2400" b="0">
+                <a:solidFill>
+                  <a:schemeClr val="tx1"/>
+                </a:solidFill>
+              </a:rPr>
+              <a:t>não conseguiríamos distinguir uma sequência gerada por um pRNG e uma sequência aleatória de verdade. </a:t>
+            </a:r>
+            <a:endParaRPr sz="2400" b="0">
+              <a:solidFill>
+                <a:schemeClr val="tx1"/>
+              </a:solidFill>
+            </a:endParaRPr>
+          </a:p>
+          <a:p>
+            <a:pPr marL="239821" indent="-239821">
+              <a:buAutoNum type="arabicPeriod"/>
+              <a:defRPr/>
+            </a:pPr>
+            <a:endParaRPr sz="2400"/>
+          </a:p>
+          <a:p>
+            <a:pPr marL="239821" indent="-239821">
+              <a:buAutoNum type="arabicPeriod"/>
+              <a:defRPr/>
+            </a:pPr>
+            <a:endParaRPr sz="2400"/>
+          </a:p>
+          <a:p>
+            <a:pPr marL="239821" indent="-239821">
+              <a:buAutoNum type="arabicPeriod"/>
+              <a:defRPr/>
+            </a:pPr>
+            <a:endParaRPr sz="2400"/>
+          </a:p>
+          <a:p>
+            <a:pPr marL="239821" indent="-239821">
+              <a:buAutoNum type="arabicPeriod"/>
+              <a:defRPr/>
+            </a:pPr>
+            <a:endParaRPr sz="2400"/>
           </a:p>
         </p:txBody>
       </p:sp>
@@ -17726,7 +18015,7 @@
                 <a:ea typeface="Verdana"/>
                 <a:cs typeface="Verdana"/>
               </a:rPr>
-              <a:t>Análise das heurísticas</a:t>
+              <a:t>Números (pseudo-)aleatórios</a:t>
             </a:r>
             <a:endParaRPr sz="3200" b="0" i="0" u="none" strike="noStrike" cap="none">
               <a:solidFill>
@@ -17816,7 +18105,7 @@
               <a:buNone/>
               <a:defRPr/>
             </a:pPr>
-            <a:fld id="{E0A9EAD8-F72A-09A4-D975-FAD56D77C889}" type="slidenum">
+            <a:fld id="{00809164-ADF6-8EA8-E27E-FDE60486BB05}" type="slidenum">
               <a:rPr lang="pt-BR" sz="1000" b="0" i="0" u="none" strike="noStrike" cap="none">
                 <a:solidFill>
                   <a:srgbClr val="B2B2B2"/>
@@ -17848,8 +18137,8 @@
         </p:nvSpPr>
         <p:spPr bwMode="auto">
           <a:xfrm flipH="0" flipV="0">
-            <a:off x="309226" y="1588485"/>
-            <a:ext cx="8704380" cy="4976427"/>
+            <a:off x="309224" y="1588483"/>
+            <a:ext cx="8704378" cy="4976425"/>
           </a:xfrm>
           <a:prstGeom prst="rect">
             <a:avLst/>
@@ -17860,173 +18149,151 @@
           </a:ln>
         </p:spPr>
         <p:txBody>
-          <a:bodyPr spcFirstLastPara="1" wrap="square" lIns="91422" tIns="45695" rIns="91422" bIns="45695" anchor="t" anchorCtr="0">
+          <a:bodyPr spcFirstLastPara="1" wrap="square" lIns="91422" tIns="45693" rIns="91422" bIns="45693" anchor="t" anchorCtr="0">
             <a:noAutofit/>
           </a:bodyPr>
           <a:lstStyle/>
           <a:p>
-            <a:pPr algn="l">
-              <a:defRPr/>
-            </a:pPr>
-            <a:endParaRPr sz="2400" b="0" u="none">
+            <a:pPr>
+              <a:defRPr/>
+            </a:pPr>
+            <a:endParaRPr sz="2400"/>
+          </a:p>
+          <a:p>
+            <a:pPr>
+              <a:defRPr/>
+            </a:pPr>
+            <a:r>
+              <a:rPr sz="2400"/>
+              <a:t>Sorteio de números aleatórios</a:t>
+            </a:r>
+            <a:endParaRPr sz="2400"/>
+          </a:p>
+          <a:p>
+            <a:pPr>
+              <a:defRPr/>
+            </a:pPr>
+            <a:endParaRPr sz="2400"/>
+          </a:p>
+          <a:p>
+            <a:pPr marL="349965" indent="-349965">
+              <a:buAutoNum type="arabicPeriod"/>
+              <a:defRPr/>
+            </a:pPr>
+            <a:r>
+              <a:rPr sz="2400" b="1">
+                <a:solidFill>
+                  <a:srgbClr val="C00000"/>
+                </a:solidFill>
+              </a:rPr>
+              <a:t>Gerador:</a:t>
+            </a:r>
+            <a:r>
+              <a:rPr sz="2400"/>
+              <a:t> produz bits aleatórios a partir de um parâmetro </a:t>
+            </a:r>
+            <a:r>
+              <a:rPr sz="2400" b="1"/>
+              <a:t>seed</a:t>
+            </a:r>
+            <a:r>
+              <a:rPr sz="2400"/>
+              <a:t>.</a:t>
+            </a:r>
+            <a:r>
+              <a:rPr sz="2400"/>
+              <a:t> Cada </a:t>
+            </a:r>
+            <a:r>
+              <a:rPr sz="2400" b="1"/>
+              <a:t>seed </a:t>
+            </a:r>
+            <a:r>
+              <a:rPr sz="2400" b="0"/>
+              <a:t>gera uma sequência diferente de bits.</a:t>
+            </a:r>
+            <a:endParaRPr sz="2400"/>
+          </a:p>
+          <a:p>
+            <a:pPr marL="349965" indent="-349965">
+              <a:buAutoNum type="arabicPeriod"/>
+              <a:defRPr/>
+            </a:pPr>
+            <a:endParaRPr sz="2400"/>
+          </a:p>
+          <a:p>
+            <a:pPr marL="349965" indent="-349965">
+              <a:buAutoNum type="arabicPeriod"/>
+              <a:defRPr/>
+            </a:pPr>
+            <a:r>
+              <a:rPr sz="2400" b="1">
+                <a:solidFill>
+                  <a:srgbClr val="C00000"/>
+                </a:solidFill>
+              </a:rPr>
+              <a:t>Distribuição de probabilidade:</a:t>
+            </a:r>
+            <a:r>
+              <a:rPr sz="2400" b="0">
+                <a:solidFill>
+                  <a:srgbClr val="C00000"/>
+                </a:solidFill>
+              </a:rPr>
+              <a:t> </a:t>
+            </a:r>
+            <a:r>
+              <a:rPr sz="2400" b="0">
+                <a:solidFill>
+                  <a:schemeClr val="tx1"/>
+                </a:solidFill>
+              </a:rPr>
+              <a:t>gera</a:t>
+            </a:r>
+            <a:r>
+              <a:rPr sz="2400" b="0">
+                <a:solidFill>
+                  <a:schemeClr val="tx1"/>
+                </a:solidFill>
+              </a:rPr>
+              <a:t> sequência de números a partir de um conjunto de parâmetros</a:t>
+            </a:r>
+            <a:endParaRPr sz="2400" b="0">
               <a:solidFill>
                 <a:schemeClr val="tx1"/>
               </a:solidFill>
             </a:endParaRPr>
           </a:p>
           <a:p>
-            <a:pPr algn="l">
-              <a:defRPr/>
-            </a:pPr>
-            <a:r>
-              <a:rPr sz="2400" b="0" u="none">
-                <a:solidFill>
-                  <a:schemeClr val="tx1"/>
-                </a:solidFill>
-              </a:rPr>
-              <a:t>Qual sua complexidade computacional?</a:t>
-            </a:r>
-            <a:endParaRPr sz="2400" b="0" u="none">
-              <a:solidFill>
-                <a:schemeClr val="tx1"/>
-              </a:solidFill>
-            </a:endParaRPr>
-          </a:p>
-          <a:p>
-            <a:pPr algn="l">
-              <a:defRPr/>
-            </a:pPr>
-            <a:endParaRPr sz="2400" b="0" u="none">
-              <a:solidFill>
-                <a:schemeClr val="tx1"/>
-              </a:solidFill>
-            </a:endParaRPr>
-          </a:p>
-          <a:p>
-            <a:pPr algn="l">
-              <a:defRPr/>
-            </a:pPr>
-            <a:endParaRPr sz="2400" b="0" u="none">
-              <a:solidFill>
-                <a:schemeClr val="tx1"/>
-              </a:solidFill>
-            </a:endParaRPr>
-          </a:p>
-          <a:p>
-            <a:pPr algn="l">
-              <a:defRPr/>
-            </a:pPr>
-            <a:endParaRPr sz="2400" b="0" u="none">
-              <a:solidFill>
-                <a:schemeClr val="tx1"/>
-              </a:solidFill>
-            </a:endParaRPr>
-          </a:p>
-          <a:p>
-            <a:pPr algn="l">
-              <a:defRPr/>
-            </a:pPr>
-            <a:r>
-              <a:rPr sz="2400" b="0" u="none">
-                <a:solidFill>
-                  <a:schemeClr val="tx1"/>
-                </a:solidFill>
-              </a:rPr>
-              <a:t>Quando uma é melhor que a outra?</a:t>
-            </a:r>
-            <a:endParaRPr sz="2400" b="0" u="none">
-              <a:solidFill>
-                <a:schemeClr val="tx1"/>
-              </a:solidFill>
-            </a:endParaRPr>
-          </a:p>
-          <a:p>
-            <a:pPr algn="l">
-              <a:defRPr/>
-            </a:pPr>
-            <a:endParaRPr sz="2400" b="0" u="none">
-              <a:solidFill>
-                <a:schemeClr val="tx1"/>
-              </a:solidFill>
-            </a:endParaRPr>
-          </a:p>
-          <a:p>
-            <a:pPr algn="l">
-              <a:defRPr/>
-            </a:pPr>
-            <a:endParaRPr sz="2400" b="0" u="none">
-              <a:solidFill>
-                <a:schemeClr val="tx1"/>
-              </a:solidFill>
-            </a:endParaRPr>
-          </a:p>
-          <a:p>
-            <a:pPr algn="l">
-              <a:defRPr/>
-            </a:pPr>
-            <a:endParaRPr sz="2400" b="0" u="none">
-              <a:solidFill>
-                <a:schemeClr val="tx1"/>
-              </a:solidFill>
-            </a:endParaRPr>
-          </a:p>
-          <a:p>
-            <a:pPr algn="l">
-              <a:defRPr/>
-            </a:pPr>
-            <a:r>
-              <a:rPr sz="2400" b="0" u="none">
-                <a:solidFill>
-                  <a:schemeClr val="tx1"/>
-                </a:solidFill>
-              </a:rPr>
-              <a:t>Alguma consegue o melhor valor possível?</a:t>
-            </a:r>
-            <a:endParaRPr sz="2400" b="0" u="none">
-              <a:solidFill>
-                <a:schemeClr val="tx1"/>
-              </a:solidFill>
-            </a:endParaRPr>
+            <a:pPr marL="239821" indent="-239821">
+              <a:buAutoNum type="arabicPeriod"/>
+              <a:defRPr/>
+            </a:pPr>
+            <a:endParaRPr sz="2400"/>
+          </a:p>
+          <a:p>
+            <a:pPr marL="239821" indent="-239821">
+              <a:buAutoNum type="arabicPeriod"/>
+              <a:defRPr/>
+            </a:pPr>
+            <a:endParaRPr sz="2400"/>
+          </a:p>
+          <a:p>
+            <a:pPr marL="239821" indent="-239821">
+              <a:buAutoNum type="arabicPeriod"/>
+              <a:defRPr/>
+            </a:pPr>
+            <a:endParaRPr sz="2400"/>
+          </a:p>
+          <a:p>
+            <a:pPr marL="239821" indent="-239821">
+              <a:buAutoNum type="arabicPeriod"/>
+              <a:defRPr/>
+            </a:pPr>
+            <a:endParaRPr sz="2400"/>
           </a:p>
         </p:txBody>
       </p:sp>
-      <p:cxnSp>
-        <p:nvCxnSpPr>
-          <p:cNvPr id="8" name="" hidden="0"/>
-          <p:cNvCxnSpPr>
-            <a:cxnSpLocks/>
-          </p:cNvCxnSpPr>
-          <p:nvPr isPhoto="0" userDrawn="0"/>
-        </p:nvCxnSpPr>
-        <p:spPr bwMode="auto">
-          <a:xfrm rot="16199969" flipH="0" flipV="0">
-            <a:off x="5572158" y="4791362"/>
-            <a:ext cx="0" cy="0"/>
-          </a:xfrm>
-          <a:prstGeom prst="line">
-            <a:avLst/>
-          </a:prstGeom>
-          <a:ln>
-            <a:tailEnd type="arrow" len="med"/>
-          </a:ln>
-        </p:spPr>
-        <p:style>
-          <a:lnRef idx="1">
-            <a:schemeClr val="accent1">
-              <a:shade val="50000"/>
-            </a:schemeClr>
-          </a:lnRef>
-          <a:fillRef idx="0">
-            <a:schemeClr val="accent1"/>
-          </a:fillRef>
-          <a:effectRef idx="0">
-            <a:schemeClr val="accent1"/>
-          </a:effectRef>
-          <a:fontRef idx="minor">
-            <a:schemeClr val="tx1"/>
-          </a:fontRef>
-        </p:style>
-      </p:cxnSp>
     </p:spTree>
   </p:cSld>
   <p:clrMapOvr>
@@ -18068,7 +18335,7 @@
         </p:nvSpPr>
         <p:spPr bwMode="auto">
           <a:xfrm>
-            <a:off x="457200" y="2920657"/>
+            <a:off x="457200" y="2920659"/>
             <a:ext cx="8228520" cy="618120"/>
           </a:xfrm>
           <a:prstGeom prst="rect">
@@ -18107,7 +18374,7 @@
                 <a:ea typeface="Verdana"/>
                 <a:cs typeface="Verdana"/>
               </a:rPr>
-              <a:t>Projeto</a:t>
+              <a:t>Atividade prática</a:t>
             </a:r>
             <a:endParaRPr sz="3600" b="1" i="0" u="none" strike="noStrike" cap="none">
               <a:solidFill>
@@ -18197,7 +18464,7 @@
               <a:buNone/>
               <a:defRPr/>
             </a:pPr>
-            <a:fld id="{53BF8A2C-3D0F-6345-19F2-BE11817528EB}" type="slidenum">
+            <a:fld id="{97EB1981-4163-74B3-5B47-4934A2BD21C9}" type="slidenum">
               <a:rPr lang="pt-BR" sz="1000" b="0" i="0" u="none" strike="noStrike" cap="none">
                 <a:solidFill>
                   <a:srgbClr val="B2B2B2"/>
@@ -18227,8 +18494,8 @@
         </p:nvSpPr>
         <p:spPr bwMode="auto">
           <a:xfrm flipH="0" flipV="0">
-            <a:off x="724675" y="4088421"/>
-            <a:ext cx="8137931" cy="363447"/>
+            <a:off x="724679" y="4088421"/>
+            <a:ext cx="8137933" cy="363449"/>
           </a:xfrm>
           <a:prstGeom prst="rect">
             <a:avLst/>
@@ -18243,7 +18510,28 @@
             <a:pPr>
               <a:defRPr/>
             </a:pPr>
-            <a:endParaRPr/>
+            <a:r>
+              <a:rPr sz="2000" b="1"/>
+              <a:t>Aleatorizando a mochila binária (45 minutos)</a:t>
+            </a:r>
+            <a:endParaRPr sz="2000" b="1"/>
+          </a:p>
+          <a:p>
+            <a:pPr>
+              <a:defRPr/>
+            </a:pPr>
+            <a:endParaRPr sz="2000"/>
+          </a:p>
+          <a:p>
+            <a:pPr marL="305906" indent="-305906">
+              <a:buAutoNum type="arabicPeriod"/>
+              <a:defRPr/>
+            </a:pPr>
+            <a:r>
+              <a:rPr sz="2000" b="0"/>
+              <a:t>Adicionar aleatoridade em nossas heurísticas</a:t>
+            </a:r>
+            <a:endParaRPr sz="2000" b="0"/>
           </a:p>
         </p:txBody>
       </p:sp>
@@ -18282,13 +18570,13 @@
       </p:grpSpPr>
       <p:sp>
         <p:nvSpPr>
-          <p:cNvPr id="4" name="Google Shape;267;p55" hidden="0"/>
+          <p:cNvPr id="4" name="Google Shape;347;p64" hidden="0"/>
           <p:cNvSpPr/>
           <p:nvPr isPhoto="0" userDrawn="0"/>
         </p:nvSpPr>
         <p:spPr bwMode="auto">
           <a:xfrm>
-            <a:off x="457200" y="781200"/>
+            <a:off x="457200" y="2920656"/>
             <a:ext cx="8228520" cy="618120"/>
           </a:xfrm>
           <a:prstGeom prst="rect">
@@ -18305,7 +18593,7 @@
           </a:bodyPr>
           <a:lstStyle/>
           <a:p>
-            <a:pPr marL="0" marR="0" lvl="0" indent="0" algn="l">
+            <a:pPr marL="0" marR="0" lvl="0" indent="0" algn="ctr">
               <a:lnSpc>
                 <a:spcPct val="100000"/>
               </a:lnSpc>
@@ -18319,7 +18607,7 @@
               <a:defRPr/>
             </a:pPr>
             <a:r>
-              <a:rPr lang="pt-BR" sz="3200" b="0" i="0" u="none" strike="noStrike" cap="none">
+              <a:rPr lang="pt-BR" sz="3600" b="1" i="0" u="none" strike="noStrike" cap="none">
                 <a:solidFill>
                   <a:srgbClr val="C00026"/>
                 </a:solidFill>
@@ -18327,9 +18615,9 @@
                 <a:ea typeface="Verdana"/>
                 <a:cs typeface="Verdana"/>
               </a:rPr>
-              <a:t>Projeto - Travelling Salesperson (TSP)</a:t>
+              <a:t>Comentários sobre RNGs</a:t>
             </a:r>
-            <a:endParaRPr sz="3200" b="0" i="0" u="none" strike="noStrike" cap="none">
+            <a:endParaRPr sz="3600" b="1" i="0" u="none" strike="noStrike" cap="none">
               <a:solidFill>
                 <a:schemeClr val="dk1"/>
               </a:solidFill>
@@ -18342,7 +18630,7 @@
       </p:sp>
       <p:sp>
         <p:nvSpPr>
-          <p:cNvPr id="5" name="Google Shape;268;p55" hidden="0"/>
+          <p:cNvPr id="5" name="Google Shape;348;p64" hidden="0"/>
           <p:cNvSpPr/>
           <p:nvPr isPhoto="0" userDrawn="0"/>
         </p:nvSpPr>
@@ -18381,7 +18669,7 @@
       </p:sp>
       <p:sp>
         <p:nvSpPr>
-          <p:cNvPr id="6" name="Google Shape;269;p55" hidden="0"/>
+          <p:cNvPr id="6" name="Google Shape;349;p64" hidden="0"/>
           <p:cNvSpPr/>
           <p:nvPr isPhoto="0" userDrawn="0"/>
         </p:nvSpPr>
@@ -18417,7 +18705,7 @@
               <a:buNone/>
               <a:defRPr/>
             </a:pPr>
-            <a:fld id="{A3D99579-7D0E-CF2D-A2BA-826995344CCA}" type="slidenum">
+            <a:fld id="{4AFA2F7F-DB25-608F-AC6C-4BB0B52AAB9A}" type="slidenum">
               <a:rPr lang="pt-BR" sz="1000" b="0" i="0" u="none" strike="noStrike" cap="none">
                 <a:solidFill>
                   <a:srgbClr val="B2B2B2"/>
@@ -18441,30 +18729,24 @@
       </p:sp>
       <p:sp>
         <p:nvSpPr>
-          <p:cNvPr id="7" name="Google Shape;270;p55" hidden="0"/>
-          <p:cNvSpPr>
-            <a:spLocks noAdjustHandles="0" noChangeArrowheads="0"/>
-          </p:cNvSpPr>
+          <p:cNvPr id="7" name="" hidden="0"/>
+          <p:cNvSpPr/>
           <p:nvPr isPhoto="0" userDrawn="0"/>
         </p:nvSpPr>
         <p:spPr bwMode="auto">
           <a:xfrm flipH="0" flipV="0">
-            <a:off x="309226" y="1588485"/>
-            <a:ext cx="8704380" cy="4976427"/>
+            <a:off x="724674" y="4088421"/>
+            <a:ext cx="8137930" cy="363447"/>
           </a:xfrm>
           <a:prstGeom prst="rect">
             <a:avLst/>
           </a:prstGeom>
           <a:noFill/>
-          <a:ln>
-            <a:noFill/>
-          </a:ln>
         </p:spPr>
         <p:txBody>
-          <a:bodyPr spcFirstLastPara="1" wrap="square" lIns="91422" tIns="45695" rIns="91422" bIns="45695" anchor="t" anchorCtr="0">
+          <a:bodyPr vertOverflow="overflow" horzOverflow="clip" vert="horz" wrap="square" lIns="91440" tIns="45720" rIns="91440" bIns="45720" numCol="1" spcCol="0" rtlCol="0" fromWordArt="0" anchor="t" anchorCtr="0" forceAA="0" upright="0" compatLnSpc="0">
             <a:noAutofit/>
           </a:bodyPr>
-          <a:lstStyle/>
           <a:p>
             <a:pPr>
               <a:defRPr/>
@@ -18473,28 +18755,6 @@
           </a:p>
         </p:txBody>
       </p:sp>
-      <p:pic>
-        <p:nvPicPr>
-          <p:cNvPr id="8" name="" hidden="0"/>
-          <p:cNvPicPr>
-            <a:picLocks noChangeAspect="1"/>
-          </p:cNvPicPr>
-          <p:nvPr isPhoto="0" userDrawn="0"/>
-        </p:nvPicPr>
-        <p:blipFill>
-          <a:blip r:embed="rId2"/>
-          <a:stretch/>
-        </p:blipFill>
-        <p:spPr bwMode="auto">
-          <a:xfrm flipH="0" flipV="0">
-            <a:off x="2323522" y="1919431"/>
-            <a:ext cx="3797045" cy="3797045"/>
-          </a:xfrm>
-          <a:prstGeom prst="rect">
-            <a:avLst/>
-          </a:prstGeom>
-        </p:spPr>
-      </p:pic>
     </p:spTree>
   </p:cSld>
   <p:clrMapOvr>
@@ -18530,13 +18790,13 @@
       </p:grpSpPr>
       <p:sp>
         <p:nvSpPr>
-          <p:cNvPr id="4" name="Google Shape;267;p55" hidden="0"/>
+          <p:cNvPr id="4" name="Google Shape;347;p64" hidden="0"/>
           <p:cNvSpPr/>
           <p:nvPr isPhoto="0" userDrawn="0"/>
         </p:nvSpPr>
         <p:spPr bwMode="auto">
           <a:xfrm>
-            <a:off x="457200" y="781200"/>
+            <a:off x="457200" y="2920658"/>
             <a:ext cx="8228520" cy="618120"/>
           </a:xfrm>
           <a:prstGeom prst="rect">
@@ -18553,7 +18813,7 @@
           </a:bodyPr>
           <a:lstStyle/>
           <a:p>
-            <a:pPr marL="0" marR="0" lvl="0" indent="0" algn="l">
+            <a:pPr marL="0" marR="0" lvl="0" indent="0" algn="ctr">
               <a:lnSpc>
                 <a:spcPct val="100000"/>
               </a:lnSpc>
@@ -18567,7 +18827,7 @@
               <a:defRPr/>
             </a:pPr>
             <a:r>
-              <a:rPr lang="pt-BR" sz="3200" b="0" i="0" u="none" strike="noStrike" cap="none">
+              <a:rPr lang="pt-BR" sz="3600" b="1" i="0" u="none" strike="noStrike" cap="none">
                 <a:solidFill>
                   <a:srgbClr val="C00026"/>
                 </a:solidFill>
@@ -18575,9 +18835,9 @@
                 <a:ea typeface="Verdana"/>
                 <a:cs typeface="Verdana"/>
               </a:rPr>
-              <a:t>Projeto - Travelling Salesperson (TSP)</a:t>
+              <a:t>Atividade prática</a:t>
             </a:r>
-            <a:endParaRPr sz="3200" b="0" i="0" u="none" strike="noStrike" cap="none">
+            <a:endParaRPr sz="3600" b="1" i="0" u="none" strike="noStrike" cap="none">
               <a:solidFill>
                 <a:schemeClr val="dk1"/>
               </a:solidFill>
@@ -18590,7 +18850,7 @@
       </p:sp>
       <p:sp>
         <p:nvSpPr>
-          <p:cNvPr id="5" name="Google Shape;268;p55" hidden="0"/>
+          <p:cNvPr id="5" name="Google Shape;348;p64" hidden="0"/>
           <p:cNvSpPr/>
           <p:nvPr isPhoto="0" userDrawn="0"/>
         </p:nvSpPr>
@@ -18629,7 +18889,7 @@
       </p:sp>
       <p:sp>
         <p:nvSpPr>
-          <p:cNvPr id="6" name="Google Shape;269;p55" hidden="0"/>
+          <p:cNvPr id="6" name="Google Shape;349;p64" hidden="0"/>
           <p:cNvSpPr/>
           <p:nvPr isPhoto="0" userDrawn="0"/>
         </p:nvSpPr>
@@ -18665,7 +18925,7 @@
               <a:buNone/>
               <a:defRPr/>
             </a:pPr>
-            <a:fld id="{B5BE23F9-E0D8-1C6D-36CE-CF403638F720}" type="slidenum">
+            <a:fld id="{E500FAA0-8915-66B2-2740-3DF20AF134B8}" type="slidenum">
               <a:rPr lang="pt-BR" sz="1000" b="0" i="0" u="none" strike="noStrike" cap="none">
                 <a:solidFill>
                   <a:srgbClr val="B2B2B2"/>
@@ -18689,188 +18949,50 @@
       </p:sp>
       <p:sp>
         <p:nvSpPr>
-          <p:cNvPr id="7" name="Google Shape;270;p55" hidden="0"/>
-          <p:cNvSpPr>
-            <a:spLocks noAdjustHandles="0" noChangeArrowheads="0"/>
-          </p:cNvSpPr>
+          <p:cNvPr id="7" name="" hidden="0"/>
+          <p:cNvSpPr/>
           <p:nvPr isPhoto="0" userDrawn="0"/>
         </p:nvSpPr>
         <p:spPr bwMode="auto">
           <a:xfrm flipH="0" flipV="0">
-            <a:off x="309226" y="1588485"/>
-            <a:ext cx="8704380" cy="4976427"/>
+            <a:off x="724678" y="4088421"/>
+            <a:ext cx="8137932" cy="363448"/>
           </a:xfrm>
           <a:prstGeom prst="rect">
             <a:avLst/>
           </a:prstGeom>
           <a:noFill/>
-          <a:ln>
-            <a:noFill/>
-          </a:ln>
         </p:spPr>
         <p:txBody>
-          <a:bodyPr spcFirstLastPara="1" wrap="square" lIns="91422" tIns="45695" rIns="91422" bIns="45695" anchor="t" anchorCtr="0">
+          <a:bodyPr vertOverflow="overflow" horzOverflow="clip" vert="horz" wrap="square" lIns="91440" tIns="45720" rIns="91440" bIns="45720" numCol="1" spcCol="0" rtlCol="0" fromWordArt="0" anchor="t" anchorCtr="0" forceAA="0" upright="0" compatLnSpc="0">
             <a:noAutofit/>
           </a:bodyPr>
-          <a:lstStyle/>
           <a:p>
             <a:pPr>
               <a:defRPr/>
             </a:pPr>
-            <a:endParaRPr/>
-          </a:p>
-        </p:txBody>
-      </p:sp>
-      <p:sp>
-        <p:nvSpPr>
-          <p:cNvPr id="8" name="Google Shape;270;p55" hidden="0"/>
-          <p:cNvSpPr>
-            <a:spLocks noAdjustHandles="0" noChangeArrowheads="0"/>
-          </p:cNvSpPr>
-          <p:nvPr isPhoto="0" userDrawn="0"/>
-        </p:nvSpPr>
-        <p:spPr bwMode="auto">
-          <a:xfrm flipH="0" flipV="0">
-            <a:off x="309226" y="1588485"/>
-            <a:ext cx="8704380" cy="4976427"/>
-          </a:xfrm>
-          <a:prstGeom prst="rect">
-            <a:avLst/>
-          </a:prstGeom>
-          <a:noFill/>
-          <a:ln>
-            <a:noFill/>
-          </a:ln>
-        </p:spPr>
-        <p:txBody>
-          <a:bodyPr spcFirstLastPara="1" wrap="square" lIns="91422" tIns="45695" rIns="91422" bIns="45695" anchor="t" anchorCtr="0">
-            <a:noAutofit/>
-          </a:bodyPr>
-          <a:lstStyle/>
-          <a:p>
-            <a:pPr algn="l">
-              <a:defRPr/>
-            </a:pPr>
-            <a:endParaRPr sz="2400" b="1" u="sng">
-              <a:solidFill>
-                <a:schemeClr val="accent2"/>
-              </a:solidFill>
-            </a:endParaRPr>
-          </a:p>
-          <a:p>
-            <a:pPr algn="l">
-              <a:defRPr/>
-            </a:pPr>
             <a:r>
-              <a:rPr sz="2400" b="0" u="none">
-                <a:solidFill>
-                  <a:schemeClr val="tx1"/>
-                </a:solidFill>
-              </a:rPr>
-              <a:t>Dadas N cidades, escolher um caminho fechado (tour) tal que</a:t>
+              <a:rPr sz="2000" b="1"/>
+              <a:t>E se fosse tudo aleatório?</a:t>
             </a:r>
-            <a:endParaRPr sz="2400" b="0" u="none">
-              <a:solidFill>
-                <a:schemeClr val="tx1"/>
-              </a:solidFill>
-            </a:endParaRPr>
-          </a:p>
-          <a:p>
-            <a:pPr algn="l">
-              <a:defRPr/>
-            </a:pPr>
-            <a:endParaRPr sz="2400" b="0" u="none">
-              <a:solidFill>
-                <a:schemeClr val="tx1"/>
-              </a:solidFill>
-            </a:endParaRPr>
-          </a:p>
-          <a:p>
-            <a:pPr algn="l">
-              <a:defRPr/>
-            </a:pPr>
-            <a:endParaRPr sz="2400" b="0" u="none">
-              <a:solidFill>
-                <a:schemeClr val="tx1"/>
-              </a:solidFill>
-            </a:endParaRPr>
-          </a:p>
-          <a:p>
-            <a:pPr marL="394021" indent="-394021" algn="l">
-              <a:lnSpc>
-                <a:spcPct val="150000"/>
-              </a:lnSpc>
-              <a:buFont typeface="Arial"/>
-              <a:buChar char="•"/>
+            <a:endParaRPr sz="2000" b="1"/>
+          </a:p>
+          <a:p>
+            <a:pPr>
+              <a:defRPr/>
+            </a:pPr>
+            <a:endParaRPr sz="2000"/>
+          </a:p>
+          <a:p>
+            <a:pPr marL="305905" indent="-305905">
+              <a:buAutoNum type="arabicPeriod"/>
               <a:defRPr/>
             </a:pPr>
             <a:r>
-              <a:rPr sz="2400" b="0" u="none">
-                <a:solidFill>
-                  <a:schemeClr val="tx1"/>
-                </a:solidFill>
-              </a:rPr>
-              <a:t>cada cidade é visitada somente uma vez</a:t>
+              <a:rPr sz="2000" b="0"/>
+              <a:t>Criando uma solução completamente aleatória</a:t>
             </a:r>
-            <a:endParaRPr sz="2400" b="0" u="none">
-              <a:solidFill>
-                <a:schemeClr val="tx1"/>
-              </a:solidFill>
-            </a:endParaRPr>
-          </a:p>
-          <a:p>
-            <a:pPr marL="394021" indent="-394021" algn="l">
-              <a:lnSpc>
-                <a:spcPct val="150000"/>
-              </a:lnSpc>
-              <a:buFont typeface="Arial"/>
-              <a:buChar char="•"/>
-              <a:defRPr/>
-            </a:pPr>
-            <a:r>
-              <a:rPr sz="2400" b="0" u="none">
-                <a:solidFill>
-                  <a:schemeClr val="tx1"/>
-                </a:solidFill>
-              </a:rPr>
-              <a:t>o caminho é o mais curto possível</a:t>
-            </a:r>
-            <a:endParaRPr sz="2400" b="0" u="none">
-              <a:solidFill>
-                <a:schemeClr val="tx1"/>
-              </a:solidFill>
-            </a:endParaRPr>
-          </a:p>
-          <a:p>
-            <a:pPr algn="l">
-              <a:lnSpc>
-                <a:spcPct val="150000"/>
-              </a:lnSpc>
-              <a:defRPr/>
-            </a:pPr>
-            <a:endParaRPr sz="2400" b="0" u="none">
-              <a:solidFill>
-                <a:schemeClr val="tx1"/>
-              </a:solidFill>
-            </a:endParaRPr>
-          </a:p>
-          <a:p>
-            <a:pPr algn="ctr">
-              <a:defRPr/>
-            </a:pPr>
-            <a:r>
-              <a:rPr sz="2800" b="1" u="none">
-                <a:solidFill>
-                  <a:srgbClr val="C00026"/>
-                </a:solidFill>
-              </a:rPr>
-              <a:t>Problema de otimização difícil</a:t>
-            </a:r>
-            <a:endParaRPr sz="2800" b="1" u="none">
-              <a:solidFill>
-                <a:srgbClr val="C00026"/>
-              </a:solidFill>
-            </a:endParaRPr>
+            <a:endParaRPr sz="2000" b="0"/>
           </a:p>
         </p:txBody>
       </p:sp>
@@ -18954,7 +19076,7 @@
                 <a:ea typeface="Verdana"/>
                 <a:cs typeface="Verdana"/>
               </a:rPr>
-              <a:t>Projeto - Travelling Salesperson (TSP)</a:t>
+              <a:t>Fechamento</a:t>
             </a:r>
             <a:endParaRPr sz="3200" b="0" i="0" u="none" strike="noStrike" cap="none">
               <a:solidFill>
@@ -19044,7 +19166,7 @@
               <a:buNone/>
               <a:defRPr/>
             </a:pPr>
-            <a:fld id="{9E4FE590-11FA-6D0E-3D5A-801B6F9BD2F0}" type="slidenum">
+            <a:fld id="{E0A9EAD8-F72A-09A4-D975-FAD56D77C889}" type="slidenum">
               <a:rPr lang="pt-BR" sz="1000" b="0" i="0" u="none" strike="noStrike" cap="none">
                 <a:solidFill>
                   <a:srgbClr val="B2B2B2"/>
@@ -19093,46 +19215,12 @@
           </a:bodyPr>
           <a:lstStyle/>
           <a:p>
-            <a:pPr>
-              <a:defRPr/>
-            </a:pPr>
-            <a:endParaRPr/>
-          </a:p>
-        </p:txBody>
-      </p:sp>
-      <p:sp>
-        <p:nvSpPr>
-          <p:cNvPr id="8" name="Google Shape;270;p55" hidden="0"/>
-          <p:cNvSpPr>
-            <a:spLocks noAdjustHandles="0" noChangeArrowheads="0"/>
-          </p:cNvSpPr>
-          <p:nvPr isPhoto="0" userDrawn="0"/>
-        </p:nvSpPr>
-        <p:spPr bwMode="auto">
-          <a:xfrm flipH="0" flipV="0">
-            <a:off x="309226" y="1588485"/>
-            <a:ext cx="8704380" cy="4976427"/>
-          </a:xfrm>
-          <a:prstGeom prst="rect">
-            <a:avLst/>
-          </a:prstGeom>
-          <a:noFill/>
-          <a:ln>
-            <a:noFill/>
-          </a:ln>
-        </p:spPr>
-        <p:txBody>
-          <a:bodyPr spcFirstLastPara="1" wrap="square" lIns="91422" tIns="45695" rIns="91422" bIns="45695" anchor="t" anchorCtr="0">
-            <a:noAutofit/>
-          </a:bodyPr>
-          <a:lstStyle/>
-          <a:p>
             <a:pPr algn="l">
               <a:defRPr/>
             </a:pPr>
-            <a:endParaRPr sz="2400" b="1" u="sng">
+            <a:endParaRPr sz="2400" b="0" u="none">
               <a:solidFill>
-                <a:schemeClr val="accent2"/>
+                <a:schemeClr val="tx1"/>
               </a:solidFill>
             </a:endParaRPr>
           </a:p>
@@ -19146,7 +19234,7 @@
                   <a:schemeClr val="tx1"/>
                 </a:solidFill>
               </a:rPr>
-              <a:t>Teremos três grandes partes no projeto</a:t>
+              <a:t>Adicionar aleatoridade melhorou os resultados?</a:t>
             </a:r>
             <a:endParaRPr sz="2400" b="0" u="none">
               <a:solidFill>
@@ -19165,12 +19253,37 @@
             </a:endParaRPr>
           </a:p>
           <a:p>
-            <a:pPr marL="394021" indent="-394021" algn="l">
-              <a:lnSpc>
-                <a:spcPct val="150000"/>
-              </a:lnSpc>
-              <a:buFont typeface="Arial"/>
-              <a:buChar char="•"/>
+            <a:pPr algn="l">
+              <a:defRPr/>
+            </a:pPr>
+            <a:endParaRPr sz="2400" b="0" u="none">
+              <a:solidFill>
+                <a:schemeClr val="tx1"/>
+              </a:solidFill>
+            </a:endParaRPr>
+          </a:p>
+          <a:p>
+            <a:pPr algn="l">
+              <a:defRPr/>
+            </a:pPr>
+            <a:endParaRPr sz="2400" b="0" u="none">
+              <a:solidFill>
+                <a:schemeClr val="tx1"/>
+              </a:solidFill>
+            </a:endParaRPr>
+          </a:p>
+          <a:p>
+            <a:pPr algn="l">
+              <a:defRPr/>
+            </a:pPr>
+            <a:endParaRPr sz="2400" b="0" u="none">
+              <a:solidFill>
+                <a:schemeClr val="tx1"/>
+              </a:solidFill>
+            </a:endParaRPr>
+          </a:p>
+          <a:p>
+            <a:pPr algn="l">
               <a:defRPr/>
             </a:pPr>
             <a:r>
@@ -19179,7 +19292,7 @@
                   <a:schemeClr val="tx1"/>
                 </a:solidFill>
               </a:rPr>
-              <a:t>algoritmos</a:t>
+              <a:t>Qual a qualidade das soluções aleatórias?</a:t>
             </a:r>
             <a:endParaRPr sz="2400" b="0" u="none">
               <a:solidFill>
@@ -19187,113 +19300,45 @@
               </a:solidFill>
             </a:endParaRPr>
           </a:p>
-          <a:p>
-            <a:pPr marL="394021" indent="-394021" algn="l">
-              <a:lnSpc>
-                <a:spcPct val="150000"/>
-              </a:lnSpc>
-              <a:buFont typeface="Arial"/>
-              <a:buChar char="•"/>
-              <a:defRPr/>
-            </a:pPr>
-            <a:r>
-              <a:rPr sz="2400" b="0" u="none">
-                <a:solidFill>
-                  <a:schemeClr val="tx1"/>
-                </a:solidFill>
-              </a:rPr>
-              <a:t>análise de desempenho</a:t>
-            </a:r>
-            <a:endParaRPr sz="2400" b="0" u="none">
-              <a:solidFill>
-                <a:schemeClr val="tx1"/>
-              </a:solidFill>
-            </a:endParaRPr>
-          </a:p>
-          <a:p>
-            <a:pPr marL="394021" indent="-394021" algn="l">
-              <a:lnSpc>
-                <a:spcPct val="150000"/>
-              </a:lnSpc>
-              <a:buFont typeface="Arial"/>
-              <a:buChar char="•"/>
-              <a:defRPr/>
-            </a:pPr>
-            <a:r>
-              <a:rPr sz="2400" b="0" u="none">
-                <a:solidFill>
-                  <a:schemeClr val="tx1"/>
-                </a:solidFill>
-              </a:rPr>
-              <a:t>paralelismo</a:t>
-            </a:r>
-            <a:endParaRPr sz="2400" b="0" u="none">
-              <a:solidFill>
-                <a:schemeClr val="tx1"/>
-              </a:solidFill>
-            </a:endParaRPr>
-          </a:p>
-          <a:p>
-            <a:pPr marL="394021" indent="-394021" algn="l">
-              <a:lnSpc>
-                <a:spcPct val="150000"/>
-              </a:lnSpc>
-              <a:buFont typeface="Arial"/>
-              <a:buChar char="•"/>
-              <a:defRPr/>
-            </a:pPr>
-            <a:endParaRPr sz="2400" b="0" u="none">
-              <a:solidFill>
-                <a:schemeClr val="tx1"/>
-              </a:solidFill>
-            </a:endParaRPr>
-          </a:p>
-          <a:p>
-            <a:pPr algn="l">
-              <a:lnSpc>
-                <a:spcPct val="150000"/>
-              </a:lnSpc>
-              <a:defRPr/>
-            </a:pPr>
-            <a:r>
-              <a:rPr sz="2400" b="0" u="none">
-                <a:solidFill>
-                  <a:schemeClr val="tx1"/>
-                </a:solidFill>
-              </a:rPr>
-              <a:t>Toda parte será conectada com alguma aula, em que faremos discussões e fixaremos um prazo para os exercícios</a:t>
-            </a:r>
-            <a:endParaRPr sz="2400" b="0" u="none">
-              <a:solidFill>
-                <a:schemeClr val="tx1"/>
-              </a:solidFill>
-            </a:endParaRPr>
-          </a:p>
-          <a:p>
-            <a:pPr algn="l">
-              <a:lnSpc>
-                <a:spcPct val="150000"/>
-              </a:lnSpc>
-              <a:defRPr/>
-            </a:pPr>
-            <a:endParaRPr sz="2400" b="0" u="none">
-              <a:solidFill>
-                <a:schemeClr val="tx1"/>
-              </a:solidFill>
-            </a:endParaRPr>
-          </a:p>
-          <a:p>
-            <a:pPr algn="ctr">
-              <a:defRPr/>
-            </a:pPr>
-            <a:endParaRPr sz="2800" b="1" u="none">
-              <a:solidFill>
-                <a:srgbClr val="C00026"/>
-              </a:solidFill>
-            </a:endParaRPr>
-          </a:p>
         </p:txBody>
       </p:sp>
+      <p:cxnSp>
+        <p:nvCxnSpPr>
+          <p:cNvPr id="8" name="" hidden="0"/>
+          <p:cNvCxnSpPr>
+            <a:cxnSpLocks/>
+          </p:cNvCxnSpPr>
+          <p:nvPr isPhoto="0" userDrawn="0"/>
+        </p:nvCxnSpPr>
+        <p:spPr bwMode="auto">
+          <a:xfrm rot="16199969" flipH="0" flipV="0">
+            <a:off x="5572158" y="4791362"/>
+            <a:ext cx="0" cy="0"/>
+          </a:xfrm>
+          <a:prstGeom prst="line">
+            <a:avLst/>
+          </a:prstGeom>
+          <a:ln>
+            <a:tailEnd type="arrow" len="med"/>
+          </a:ln>
+        </p:spPr>
+        <p:style>
+          <a:lnRef idx="1">
+            <a:schemeClr val="accent1">
+              <a:shade val="50000"/>
+            </a:schemeClr>
+          </a:lnRef>
+          <a:fillRef idx="0">
+            <a:schemeClr val="accent1"/>
+          </a:fillRef>
+          <a:effectRef idx="0">
+            <a:schemeClr val="accent1"/>
+          </a:effectRef>
+          <a:fontRef idx="minor">
+            <a:schemeClr val="tx1"/>
+          </a:fontRef>
+        </p:style>
+      </p:cxnSp>
     </p:spTree>
   </p:cSld>
   <p:clrMapOvr>
@@ -19311,281 +19356,6 @@
 </file>
 
 <file path=ppt/slides/slide28.xml><?xml version="1.0" encoding="utf-8"?>
-<p:sld xmlns:a="http://schemas.openxmlformats.org/drawingml/2006/main" xmlns:r="http://schemas.openxmlformats.org/officeDocument/2006/relationships" xmlns:p="http://schemas.openxmlformats.org/presentationml/2006/main" xmlns:m="http://schemas.openxmlformats.org/officeDocument/2006/math" xmlns:w="http://schemas.openxmlformats.org/wordprocessingml/2006/main" showMasterPhAnim="0" show="1">
-  <p:cSld name="">
-    <p:spTree>
-      <p:nvGrpSpPr>
-        <p:cNvPr id="1" name="" hidden="0"/>
-        <p:cNvGrpSpPr/>
-        <p:nvPr isPhoto="0" userDrawn="0"/>
-      </p:nvGrpSpPr>
-      <p:grpSpPr bwMode="auto">
-        <a:xfrm>
-          <a:off x="0" y="0"/>
-          <a:ext cx="0" cy="0"/>
-          <a:chOff x="0" y="0"/>
-          <a:chExt cx="0" cy="0"/>
-        </a:xfrm>
-      </p:grpSpPr>
-      <p:sp>
-        <p:nvSpPr>
-          <p:cNvPr id="4" name="Google Shape;267;p55" hidden="0"/>
-          <p:cNvSpPr/>
-          <p:nvPr isPhoto="0" userDrawn="0"/>
-        </p:nvSpPr>
-        <p:spPr bwMode="auto">
-          <a:xfrm>
-            <a:off x="457200" y="781200"/>
-            <a:ext cx="8228520" cy="618120"/>
-          </a:xfrm>
-          <a:prstGeom prst="rect">
-            <a:avLst/>
-          </a:prstGeom>
-          <a:noFill/>
-          <a:ln>
-            <a:noFill/>
-          </a:ln>
-        </p:spPr>
-        <p:txBody>
-          <a:bodyPr spcFirstLastPara="1" wrap="square" lIns="90000" tIns="45000" rIns="90000" bIns="45000" anchor="t" anchorCtr="0">
-            <a:noAutofit/>
-          </a:bodyPr>
-          <a:lstStyle/>
-          <a:p>
-            <a:pPr marL="0" marR="0" lvl="0" indent="0" algn="l">
-              <a:lnSpc>
-                <a:spcPct val="100000"/>
-              </a:lnSpc>
-              <a:spcBef>
-                <a:spcPts val="0"/>
-              </a:spcBef>
-              <a:spcAft>
-                <a:spcPts val="0"/>
-              </a:spcAft>
-              <a:buNone/>
-              <a:defRPr/>
-            </a:pPr>
-            <a:r>
-              <a:rPr lang="pt-BR" sz="3200" b="0" i="0" u="none" strike="noStrike" cap="none">
-                <a:solidFill>
-                  <a:srgbClr val="C00026"/>
-                </a:solidFill>
-                <a:latin typeface="Verdana"/>
-                <a:ea typeface="Verdana"/>
-                <a:cs typeface="Verdana"/>
-              </a:rPr>
-              <a:t>Projeto - Travelling Salesperson (TSP)</a:t>
-            </a:r>
-            <a:endParaRPr sz="3200" b="0" i="0" u="none" strike="noStrike" cap="none">
-              <a:solidFill>
-                <a:schemeClr val="dk1"/>
-              </a:solidFill>
-              <a:latin typeface="Arial"/>
-              <a:ea typeface="Arial"/>
-              <a:cs typeface="Arial"/>
-            </a:endParaRPr>
-          </a:p>
-        </p:txBody>
-      </p:sp>
-      <p:sp>
-        <p:nvSpPr>
-          <p:cNvPr id="5" name="Google Shape;268;p55" hidden="0"/>
-          <p:cNvSpPr/>
-          <p:nvPr isPhoto="0" userDrawn="0"/>
-        </p:nvSpPr>
-        <p:spPr bwMode="auto">
-          <a:xfrm>
-            <a:off x="162000" y="85680"/>
-            <a:ext cx="7228440" cy="351360"/>
-          </a:xfrm>
-          <a:prstGeom prst="rect">
-            <a:avLst/>
-          </a:prstGeom>
-          <a:noFill/>
-          <a:ln>
-            <a:noFill/>
-          </a:ln>
-        </p:spPr>
-        <p:txBody>
-          <a:bodyPr spcFirstLastPara="1" wrap="square" lIns="91422" tIns="91422" rIns="91422" bIns="91422" anchor="ctr" anchorCtr="0">
-            <a:noAutofit/>
-          </a:bodyPr>
-          <a:lstStyle/>
-          <a:p>
-            <a:pPr marL="0" lvl="0" indent="0" algn="l">
-              <a:spcBef>
-                <a:spcPts val="0"/>
-              </a:spcBef>
-              <a:spcAft>
-                <a:spcPts val="0"/>
-              </a:spcAft>
-              <a:buNone/>
-              <a:defRPr/>
-            </a:pPr>
-            <a:endParaRPr/>
-          </a:p>
-        </p:txBody>
-      </p:sp>
-      <p:sp>
-        <p:nvSpPr>
-          <p:cNvPr id="6" name="Google Shape;269;p55" hidden="0"/>
-          <p:cNvSpPr/>
-          <p:nvPr isPhoto="0" userDrawn="0"/>
-        </p:nvSpPr>
-        <p:spPr bwMode="auto">
-          <a:xfrm>
-            <a:off x="84240" y="6402240"/>
-            <a:ext cx="640440" cy="363960"/>
-          </a:xfrm>
-          <a:prstGeom prst="rect">
-            <a:avLst/>
-          </a:prstGeom>
-          <a:noFill/>
-          <a:ln>
-            <a:noFill/>
-          </a:ln>
-        </p:spPr>
-        <p:txBody>
-          <a:bodyPr spcFirstLastPara="1" wrap="square" lIns="90000" tIns="45000" rIns="90000" bIns="45000" anchor="ctr" anchorCtr="0">
-            <a:noAutofit/>
-          </a:bodyPr>
-          <a:lstStyle/>
-          <a:p>
-            <a:pPr marL="0" marR="0" lvl="0" indent="0" algn="r">
-              <a:lnSpc>
-                <a:spcPct val="100000"/>
-              </a:lnSpc>
-              <a:spcBef>
-                <a:spcPts val="0"/>
-              </a:spcBef>
-              <a:spcAft>
-                <a:spcPts val="0"/>
-              </a:spcAft>
-              <a:buNone/>
-              <a:defRPr/>
-            </a:pPr>
-            <a:fld id="{18393B96-D236-0CF2-FF85-82FF17724159}" type="slidenum">
-              <a:rPr lang="pt-BR" sz="1000" b="0" i="0" u="none" strike="noStrike" cap="none">
-                <a:solidFill>
-                  <a:srgbClr val="B2B2B2"/>
-                </a:solidFill>
-                <a:latin typeface="Verdana"/>
-                <a:ea typeface="Verdana"/>
-                <a:cs typeface="Verdana"/>
-              </a:rPr>
-              <a:t/>
-            </a:fld>
-            <a:endParaRPr sz="1000" b="0" i="0" u="none" strike="noStrike" cap="none">
-              <a:solidFill>
-                <a:schemeClr val="dk1"/>
-              </a:solidFill>
-              <a:latin typeface="Arial"/>
-              <a:ea typeface="Arial"/>
-              <a:cs typeface="Arial"/>
-            </a:endParaRPr>
-          </a:p>
-        </p:txBody>
-      </p:sp>
-      <p:sp>
-        <p:nvSpPr>
-          <p:cNvPr id="7" name="Google Shape;270;p55" hidden="0"/>
-          <p:cNvSpPr>
-            <a:spLocks noAdjustHandles="0" noChangeArrowheads="0"/>
-          </p:cNvSpPr>
-          <p:nvPr isPhoto="0" userDrawn="0"/>
-        </p:nvSpPr>
-        <p:spPr bwMode="auto">
-          <a:xfrm flipH="0" flipV="0">
-            <a:off x="309226" y="1588485"/>
-            <a:ext cx="8704380" cy="4976427"/>
-          </a:xfrm>
-          <a:prstGeom prst="rect">
-            <a:avLst/>
-          </a:prstGeom>
-          <a:noFill/>
-          <a:ln>
-            <a:noFill/>
-          </a:ln>
-        </p:spPr>
-        <p:txBody>
-          <a:bodyPr spcFirstLastPara="1" wrap="square" lIns="91422" tIns="45695" rIns="91422" bIns="45695" anchor="t" anchorCtr="0">
-            <a:noAutofit/>
-          </a:bodyPr>
-          <a:lstStyle/>
-          <a:p>
-            <a:pPr>
-              <a:defRPr/>
-            </a:pPr>
-            <a:endParaRPr/>
-          </a:p>
-        </p:txBody>
-      </p:sp>
-      <p:sp>
-        <p:nvSpPr>
-          <p:cNvPr id="8" name="Google Shape;270;p55" hidden="0"/>
-          <p:cNvSpPr>
-            <a:spLocks noAdjustHandles="0" noChangeArrowheads="0"/>
-          </p:cNvSpPr>
-          <p:nvPr isPhoto="0" userDrawn="0"/>
-        </p:nvSpPr>
-        <p:spPr bwMode="auto">
-          <a:xfrm flipH="0" flipV="0">
-            <a:off x="309226" y="1588485"/>
-            <a:ext cx="8704380" cy="4976427"/>
-          </a:xfrm>
-          <a:prstGeom prst="rect">
-            <a:avLst/>
-          </a:prstGeom>
-          <a:noFill/>
-          <a:ln>
-            <a:noFill/>
-          </a:ln>
-        </p:spPr>
-        <p:txBody>
-          <a:bodyPr spcFirstLastPara="1" vertOverflow="overflow" horzOverflow="clip" vert="horz" wrap="square" lIns="91422" tIns="45695" rIns="91422" bIns="45695" numCol="1" spcCol="0" rtlCol="0" fromWordArt="0" anchor="ctr" anchorCtr="0" forceAA="0" upright="0" compatLnSpc="0">
-            <a:noAutofit/>
-          </a:bodyPr>
-          <a:lstStyle/>
-          <a:p>
-            <a:pPr algn="ctr">
-              <a:defRPr/>
-            </a:pPr>
-            <a:r>
-              <a:rPr lang="en-US" sz="2400" b="1" i="0" u="sng" strike="noStrike" cap="none" spc="0">
-                <a:solidFill>
-                  <a:schemeClr val="accent2"/>
-                </a:solidFill>
-                <a:latin typeface="Arial"/>
-                <a:ea typeface="Arial"/>
-                <a:cs typeface="Arial"/>
-              </a:rPr>
-              <a:t>https://insper.github.io/supercomp/projetos/</a:t>
-            </a:r>
-            <a:endParaRPr sz="2400" b="1" u="sng">
-              <a:solidFill>
-                <a:schemeClr val="accent2"/>
-              </a:solidFill>
-            </a:endParaRPr>
-          </a:p>
-        </p:txBody>
-      </p:sp>
-    </p:spTree>
-  </p:cSld>
-  <p:clrMapOvr>
-    <a:masterClrMapping/>
-  </p:clrMapOvr>
-  <mc:AlternateContent xmlns:mc="http://schemas.openxmlformats.org/markup-compatibility/2006">
-    <mc:Choice xmlns:p14="http://schemas.microsoft.com/office/powerpoint/2010/main" Requires="p14">
-      <p:transition p14:dur="2000" advClick="1"/>
-    </mc:Choice>
-    <mc:Fallback>
-      <p:transition advClick="1"/>
-    </mc:Fallback>
-  </mc:AlternateContent>
-</p:sld>
-</file>
-
-<file path=ppt/slides/slide29.xml><?xml version="1.0" encoding="utf-8"?>
 <p:sld xmlns:a="http://schemas.openxmlformats.org/drawingml/2006/main" xmlns:r="http://schemas.openxmlformats.org/officeDocument/2006/relationships" xmlns:p="http://schemas.openxmlformats.org/presentationml/2006/main" xmlns:m="http://schemas.openxmlformats.org/officeDocument/2006/math" xmlns:w="http://schemas.openxmlformats.org/wordprocessingml/2006/main" showMasterPhAnim="0" show="1">
   <p:cSld name="">
     <p:bg>
@@ -19775,13 +19545,13 @@
       </p:grpSpPr>
       <p:sp>
         <p:nvSpPr>
-          <p:cNvPr id="4" name="Google Shape;347;p64" hidden="0"/>
+          <p:cNvPr id="4" name="Google Shape;267;p55" hidden="0"/>
           <p:cNvSpPr/>
           <p:nvPr isPhoto="0" userDrawn="0"/>
         </p:nvSpPr>
         <p:spPr bwMode="auto">
           <a:xfrm>
-            <a:off x="457200" y="2920659"/>
+            <a:off x="457200" y="781200"/>
             <a:ext cx="8228520" cy="618120"/>
           </a:xfrm>
           <a:prstGeom prst="rect">
@@ -19798,7 +19568,7 @@
           </a:bodyPr>
           <a:lstStyle/>
           <a:p>
-            <a:pPr marL="0" marR="0" lvl="0" indent="0" algn="ctr">
+            <a:pPr marL="0" marR="0" lvl="0" indent="0" algn="l">
               <a:lnSpc>
                 <a:spcPct val="100000"/>
               </a:lnSpc>
@@ -19812,7 +19582,7 @@
               <a:defRPr/>
             </a:pPr>
             <a:r>
-              <a:rPr lang="pt-BR" sz="3600" b="1" i="0" u="none" strike="noStrike" cap="none">
+              <a:rPr lang="pt-BR" sz="3200" b="0" i="0" u="none" strike="noStrike" cap="none">
                 <a:solidFill>
                   <a:srgbClr val="C00026"/>
                 </a:solidFill>
@@ -19820,9 +19590,9 @@
                 <a:ea typeface="Verdana"/>
                 <a:cs typeface="Verdana"/>
               </a:rPr>
-              <a:t>Resolução de problemas</a:t>
+              <a:t>Projeto - Travelling Salesperson (TSP)</a:t>
             </a:r>
-            <a:endParaRPr sz="3600" b="1" i="0" u="none" strike="noStrike" cap="none">
+            <a:endParaRPr sz="3200" b="0" i="0" u="none" strike="noStrike" cap="none">
               <a:solidFill>
                 <a:schemeClr val="dk1"/>
               </a:solidFill>
@@ -19835,7 +19605,7 @@
       </p:sp>
       <p:sp>
         <p:nvSpPr>
-          <p:cNvPr id="5" name="Google Shape;348;p64" hidden="0"/>
+          <p:cNvPr id="5" name="Google Shape;268;p55" hidden="0"/>
           <p:cNvSpPr/>
           <p:nvPr isPhoto="0" userDrawn="0"/>
         </p:nvSpPr>
@@ -19874,7 +19644,7 @@
       </p:sp>
       <p:sp>
         <p:nvSpPr>
-          <p:cNvPr id="6" name="Google Shape;349;p64" hidden="0"/>
+          <p:cNvPr id="6" name="Google Shape;269;p55" hidden="0"/>
           <p:cNvSpPr/>
           <p:nvPr isPhoto="0" userDrawn="0"/>
         </p:nvSpPr>
@@ -19910,7 +19680,7 @@
               <a:buNone/>
               <a:defRPr/>
             </a:pPr>
-            <a:fld id="{C2581D0F-81C8-5D84-8B47-C810591E47F2}" type="slidenum">
+            <a:fld id="{9CDB974A-2EE2-E13E-DDEE-1FE20B73A355}" type="slidenum">
               <a:rPr lang="pt-BR" sz="1000" b="0" i="0" u="none" strike="noStrike" cap="none">
                 <a:solidFill>
                   <a:srgbClr val="B2B2B2"/>
@@ -19932,6 +19702,62 @@
           </a:p>
         </p:txBody>
       </p:sp>
+      <p:sp>
+        <p:nvSpPr>
+          <p:cNvPr id="7" name="Google Shape;270;p55" hidden="0"/>
+          <p:cNvSpPr>
+            <a:spLocks noAdjustHandles="0" noChangeArrowheads="0"/>
+          </p:cNvSpPr>
+          <p:nvPr isPhoto="0" userDrawn="0"/>
+        </p:nvSpPr>
+        <p:spPr bwMode="auto">
+          <a:xfrm flipH="0" flipV="0">
+            <a:off x="309225" y="1588484"/>
+            <a:ext cx="8704379" cy="4976426"/>
+          </a:xfrm>
+          <a:prstGeom prst="rect">
+            <a:avLst/>
+          </a:prstGeom>
+          <a:noFill/>
+          <a:ln>
+            <a:noFill/>
+          </a:ln>
+        </p:spPr>
+        <p:txBody>
+          <a:bodyPr spcFirstLastPara="1" wrap="square" lIns="91422" tIns="45694" rIns="91422" bIns="45694" anchor="t" anchorCtr="0">
+            <a:noAutofit/>
+          </a:bodyPr>
+          <a:lstStyle/>
+          <a:p>
+            <a:pPr>
+              <a:defRPr/>
+            </a:pPr>
+            <a:endParaRPr/>
+          </a:p>
+        </p:txBody>
+      </p:sp>
+      <p:pic>
+        <p:nvPicPr>
+          <p:cNvPr id="8" name="" hidden="0"/>
+          <p:cNvPicPr>
+            <a:picLocks noChangeAspect="1"/>
+          </p:cNvPicPr>
+          <p:nvPr isPhoto="0" userDrawn="0"/>
+        </p:nvPicPr>
+        <p:blipFill>
+          <a:blip r:embed="rId2"/>
+          <a:stretch/>
+        </p:blipFill>
+        <p:spPr bwMode="auto">
+          <a:xfrm flipH="0" flipV="0">
+            <a:off x="2323521" y="1919430"/>
+            <a:ext cx="3797044" cy="3797044"/>
+          </a:xfrm>
+          <a:prstGeom prst="rect">
+            <a:avLst/>
+          </a:prstGeom>
+        </p:spPr>
+      </p:pic>
     </p:spTree>
   </p:cSld>
   <p:clrMapOvr>
@@ -20012,7 +19838,7 @@
                 <a:ea typeface="Verdana"/>
                 <a:cs typeface="Verdana"/>
               </a:rPr>
-              <a:t>Resolução de problemas</a:t>
+              <a:t>Projeto - Travelling Salesperson (TSP)</a:t>
             </a:r>
             <a:endParaRPr sz="3200" b="0" i="0" u="none" strike="noStrike" cap="none">
               <a:solidFill>
@@ -20102,7 +19928,7 @@
               <a:buNone/>
               <a:defRPr/>
             </a:pPr>
-            <a:fld id="{A11DB5E8-3F33-38AF-AB06-4200DAC3D8CE}" type="slidenum">
+            <a:fld id="{8E981E03-B351-F648-A9A2-914929B1E4E7}" type="slidenum">
               <a:rPr lang="pt-BR" sz="1000" b="0" i="0" u="none" strike="noStrike" cap="none">
                 <a:solidFill>
                   <a:srgbClr val="B2B2B2"/>
@@ -20134,8 +19960,8 @@
         </p:nvSpPr>
         <p:spPr bwMode="auto">
           <a:xfrm flipH="0" flipV="0">
-            <a:off x="309226" y="1588485"/>
-            <a:ext cx="8704380" cy="4976427"/>
+            <a:off x="309225" y="1588484"/>
+            <a:ext cx="8704379" cy="4976426"/>
           </a:xfrm>
           <a:prstGeom prst="rect">
             <a:avLst/>
@@ -20146,17 +19972,51 @@
           </a:ln>
         </p:spPr>
         <p:txBody>
-          <a:bodyPr spcFirstLastPara="1" wrap="square" lIns="91422" tIns="45695" rIns="91422" bIns="45695" anchor="t" anchorCtr="0">
+          <a:bodyPr spcFirstLastPara="1" wrap="square" lIns="91422" tIns="45694" rIns="91422" bIns="45694" anchor="t" anchorCtr="0">
             <a:noAutofit/>
           </a:bodyPr>
           <a:lstStyle/>
           <a:p>
+            <a:pPr>
+              <a:defRPr/>
+            </a:pPr>
+            <a:endParaRPr/>
+          </a:p>
+        </p:txBody>
+      </p:sp>
+      <p:sp>
+        <p:nvSpPr>
+          <p:cNvPr id="8" name="Google Shape;270;p55" hidden="0"/>
+          <p:cNvSpPr>
+            <a:spLocks noAdjustHandles="0" noChangeArrowheads="0"/>
+          </p:cNvSpPr>
+          <p:nvPr isPhoto="0" userDrawn="0"/>
+        </p:nvSpPr>
+        <p:spPr bwMode="auto">
+          <a:xfrm flipH="0" flipV="0">
+            <a:off x="309225" y="1588484"/>
+            <a:ext cx="8704379" cy="4976426"/>
+          </a:xfrm>
+          <a:prstGeom prst="rect">
+            <a:avLst/>
+          </a:prstGeom>
+          <a:noFill/>
+          <a:ln>
+            <a:noFill/>
+          </a:ln>
+        </p:spPr>
+        <p:txBody>
+          <a:bodyPr spcFirstLastPara="1" wrap="square" lIns="91422" tIns="45694" rIns="91422" bIns="45694" anchor="t" anchorCtr="0">
+            <a:noAutofit/>
+          </a:bodyPr>
+          <a:lstStyle/>
+          <a:p>
             <a:pPr algn="l">
               <a:defRPr/>
             </a:pPr>
-            <a:endParaRPr sz="2800" b="0" u="none">
+            <a:endParaRPr sz="2400" b="1" u="sng">
               <a:solidFill>
-                <a:schemeClr val="tx1"/>
+                <a:schemeClr val="accent2"/>
               </a:solidFill>
             </a:endParaRPr>
           </a:p>
@@ -20170,7 +20030,7 @@
                   <a:schemeClr val="tx1"/>
                 </a:solidFill>
               </a:rPr>
-              <a:t>Problemas difíceis aparecem em muitas áreas</a:t>
+              <a:t>Dadas N cidades, escolher um caminho fechado (tour) tal que</a:t>
             </a:r>
             <a:endParaRPr sz="2400" b="0" u="none">
               <a:solidFill>
@@ -20182,118 +20042,96 @@
             <a:pPr algn="l">
               <a:defRPr/>
             </a:pPr>
-            <a:endParaRPr sz="2800" b="0" u="none">
+            <a:endParaRPr sz="2400" b="0" u="none">
               <a:solidFill>
                 <a:schemeClr val="tx1"/>
               </a:solidFill>
             </a:endParaRPr>
           </a:p>
           <a:p>
-            <a:pPr marL="394023" indent="-394023" algn="l">
-              <a:buAutoNum type="arabicPeriod"/>
+            <a:pPr algn="l">
+              <a:defRPr/>
+            </a:pPr>
+            <a:endParaRPr sz="2400" b="0" u="none">
+              <a:solidFill>
+                <a:schemeClr val="tx1"/>
+              </a:solidFill>
+            </a:endParaRPr>
+          </a:p>
+          <a:p>
+            <a:pPr marL="394020" indent="-394020" algn="l">
+              <a:lnSpc>
+                <a:spcPct val="150000"/>
+              </a:lnSpc>
+              <a:buFont typeface="Arial"/>
+              <a:buChar char="•"/>
               <a:defRPr/>
             </a:pPr>
             <a:r>
-              <a:rPr sz="2800" b="0" u="none">
+              <a:rPr sz="2400" b="0" u="none">
                 <a:solidFill>
                   <a:schemeClr val="tx1"/>
                 </a:solidFill>
               </a:rPr>
-              <a:t>Pesquisa Operacional (logística)</a:t>
+              <a:t>cada cidade é visitada somente uma vez</a:t>
             </a:r>
-            <a:endParaRPr sz="2800" b="0" u="none">
+            <a:endParaRPr sz="2400" b="0" u="none">
               <a:solidFill>
                 <a:schemeClr val="tx1"/>
               </a:solidFill>
             </a:endParaRPr>
           </a:p>
           <a:p>
-            <a:pPr marL="394023" indent="-394023" algn="l">
-              <a:buAutoNum type="arabicPeriod"/>
-              <a:defRPr/>
-            </a:pPr>
-            <a:endParaRPr sz="2800" b="0" u="none">
+            <a:pPr marL="394020" indent="-394020" algn="l">
+              <a:lnSpc>
+                <a:spcPct val="150000"/>
+              </a:lnSpc>
+              <a:buFont typeface="Arial"/>
+              <a:buChar char="•"/>
+              <a:defRPr/>
+            </a:pPr>
+            <a:r>
+              <a:rPr sz="2400" b="0" u="none">
+                <a:solidFill>
+                  <a:schemeClr val="tx1"/>
+                </a:solidFill>
+              </a:rPr>
+              <a:t>o caminho é o mais curto possível</a:t>
+            </a:r>
+            <a:endParaRPr sz="2400" b="0" u="none">
               <a:solidFill>
                 <a:schemeClr val="tx1"/>
               </a:solidFill>
             </a:endParaRPr>
           </a:p>
           <a:p>
-            <a:pPr marL="394023" indent="-394023" algn="l">
-              <a:buAutoNum type="arabicPeriod"/>
-              <a:defRPr/>
-            </a:pPr>
-            <a:r>
-              <a:rPr sz="2800" b="0" u="none">
-                <a:solidFill>
-                  <a:schemeClr val="tx1"/>
-                </a:solidFill>
-              </a:rPr>
-              <a:t>Machine Learning</a:t>
-            </a:r>
-            <a:endParaRPr sz="2800" b="0" u="none">
+            <a:pPr algn="l">
+              <a:lnSpc>
+                <a:spcPct val="150000"/>
+              </a:lnSpc>
+              <a:defRPr/>
+            </a:pPr>
+            <a:endParaRPr sz="2400" b="0" u="none">
               <a:solidFill>
                 <a:schemeClr val="tx1"/>
               </a:solidFill>
             </a:endParaRPr>
           </a:p>
           <a:p>
-            <a:pPr marL="394023" indent="-394023" algn="l">
-              <a:buAutoNum type="arabicPeriod"/>
-              <a:defRPr/>
-            </a:pPr>
-            <a:endParaRPr sz="2800" b="0" u="none">
-              <a:solidFill>
-                <a:schemeClr val="tx1"/>
-              </a:solidFill>
-            </a:endParaRPr>
-          </a:p>
-          <a:p>
-            <a:pPr marL="394023" indent="-394023" algn="l">
-              <a:buAutoNum type="arabicPeriod"/>
+            <a:pPr algn="ctr">
               <a:defRPr/>
             </a:pPr>
             <a:r>
-              <a:rPr sz="2800" b="0" u="none">
+              <a:rPr sz="2800" b="1" u="none">
                 <a:solidFill>
-                  <a:schemeClr val="tx1"/>
+                  <a:srgbClr val="C00026"/>
                 </a:solidFill>
               </a:rPr>
-              <a:t>Marketing</a:t>
+              <a:t>Problema de otimização difícil</a:t>
             </a:r>
-            <a:endParaRPr sz="2800" b="0" u="none">
+            <a:endParaRPr sz="2800" b="1" u="none">
               <a:solidFill>
-                <a:schemeClr val="tx1"/>
-              </a:solidFill>
-            </a:endParaRPr>
-          </a:p>
-          <a:p>
-            <a:pPr marL="394023" indent="-394023" algn="l">
-              <a:buAutoNum type="arabicPeriod"/>
-              <a:defRPr/>
-            </a:pPr>
-            <a:endParaRPr sz="2800" b="0" u="none">
-              <a:solidFill>
-                <a:schemeClr val="tx1"/>
-              </a:solidFill>
-            </a:endParaRPr>
-          </a:p>
-          <a:p>
-            <a:pPr marL="394023" indent="-394023" algn="l">
-              <a:buAutoNum type="arabicPeriod"/>
-              <a:defRPr/>
-            </a:pPr>
-            <a:r>
-              <a:rPr sz="2800" b="0" u="none">
-                <a:solidFill>
-                  <a:schemeClr val="tx1"/>
-                </a:solidFill>
-              </a:rPr>
-              <a:t>Planejamento urbano (mobilidade)</a:t>
-            </a:r>
-            <a:endParaRPr sz="2800" b="0" u="none">
-              <a:solidFill>
-                <a:schemeClr val="tx1"/>
+                <a:srgbClr val="C00026"/>
               </a:solidFill>
             </a:endParaRPr>
           </a:p>
@@ -20379,7 +20217,7 @@
                 <a:ea typeface="Verdana"/>
                 <a:cs typeface="Verdana"/>
               </a:rPr>
-              <a:t>Resolução de problemas - Otimização</a:t>
+              <a:t>Projeto - Travelling Salesperson (TSP)</a:t>
             </a:r>
             <a:endParaRPr sz="3200" b="0" i="0" u="none" strike="noStrike" cap="none">
               <a:solidFill>
@@ -20469,7 +20307,7 @@
               <a:buNone/>
               <a:defRPr/>
             </a:pPr>
-            <a:fld id="{8FFFADC6-8CC3-8A24-875C-0B432BE4A4A8}" type="slidenum">
+            <a:fld id="{D551AB64-3324-ED01-1050-80069262C61D}" type="slidenum">
               <a:rPr lang="pt-BR" sz="1000" b="0" i="0" u="none" strike="noStrike" cap="none">
                 <a:solidFill>
                   <a:srgbClr val="B2B2B2"/>
@@ -20501,8 +20339,8 @@
         </p:nvSpPr>
         <p:spPr bwMode="auto">
           <a:xfrm flipH="0" flipV="0">
-            <a:off x="309226" y="1588485"/>
-            <a:ext cx="8704380" cy="4976427"/>
+            <a:off x="309225" y="1588484"/>
+            <a:ext cx="8704379" cy="4976426"/>
           </a:xfrm>
           <a:prstGeom prst="rect">
             <a:avLst/>
@@ -20513,58 +20351,56 @@
           </a:ln>
         </p:spPr>
         <p:txBody>
-          <a:bodyPr spcFirstLastPara="1" wrap="square" lIns="91422" tIns="45695" rIns="91422" bIns="45695" anchor="t" anchorCtr="0">
+          <a:bodyPr spcFirstLastPara="1" wrap="square" lIns="91422" tIns="45694" rIns="91422" bIns="45694" anchor="t" anchorCtr="0">
             <a:noAutofit/>
           </a:bodyPr>
           <a:lstStyle/>
           <a:p>
+            <a:pPr>
+              <a:defRPr/>
+            </a:pPr>
+            <a:endParaRPr/>
+          </a:p>
+        </p:txBody>
+      </p:sp>
+      <p:sp>
+        <p:nvSpPr>
+          <p:cNvPr id="8" name="Google Shape;270;p55" hidden="0"/>
+          <p:cNvSpPr>
+            <a:spLocks noAdjustHandles="0" noChangeArrowheads="0"/>
+          </p:cNvSpPr>
+          <p:nvPr isPhoto="0" userDrawn="0"/>
+        </p:nvSpPr>
+        <p:spPr bwMode="auto">
+          <a:xfrm flipH="0" flipV="0">
+            <a:off x="309225" y="1588484"/>
+            <a:ext cx="8704379" cy="4976426"/>
+          </a:xfrm>
+          <a:prstGeom prst="rect">
+            <a:avLst/>
+          </a:prstGeom>
+          <a:noFill/>
+          <a:ln>
+            <a:noFill/>
+          </a:ln>
+        </p:spPr>
+        <p:txBody>
+          <a:bodyPr spcFirstLastPara="1" wrap="square" lIns="91422" tIns="45694" rIns="91422" bIns="45694" anchor="t" anchorCtr="0">
+            <a:noAutofit/>
+          </a:bodyPr>
+          <a:lstStyle/>
+          <a:p>
             <a:pPr algn="l">
               <a:defRPr/>
             </a:pPr>
-            <a:endParaRPr sz="2400" b="0" u="none">
+            <a:endParaRPr sz="2400" b="1" u="sng">
               <a:solidFill>
-                <a:schemeClr val="tx1"/>
+                <a:schemeClr val="accent2"/>
               </a:solidFill>
             </a:endParaRPr>
           </a:p>
           <a:p>
             <a:pPr algn="l">
-              <a:defRPr/>
-            </a:pPr>
-            <a:r>
-              <a:rPr sz="2400" b="1" u="none">
-                <a:solidFill>
-                  <a:schemeClr val="tx1"/>
-                </a:solidFill>
-              </a:rPr>
-              <a:t>Função </a:t>
-            </a:r>
-            <a:r>
-              <a:rPr sz="2400" b="1" u="sng">
-                <a:solidFill>
-                  <a:schemeClr val="tx1"/>
-                </a:solidFill>
-              </a:rPr>
-              <a:t>objetivo</a:t>
-            </a:r>
-            <a:r>
-              <a:rPr sz="2400" b="1" u="none">
-                <a:solidFill>
-                  <a:schemeClr val="tx1"/>
-                </a:solidFill>
-              </a:rPr>
-              <a:t>: </a:t>
-            </a:r>
-            <a:endParaRPr sz="2400" b="1" u="none">
-              <a:solidFill>
-                <a:schemeClr val="tx1"/>
-              </a:solidFill>
-            </a:endParaRPr>
-          </a:p>
-          <a:p>
-            <a:pPr marL="349965" indent="-349965" algn="l">
-              <a:buFont typeface="Arial"/>
-              <a:buChar char="•"/>
               <a:defRPr/>
             </a:pPr>
             <a:r>
@@ -20573,7 +20409,7 @@
                   <a:schemeClr val="tx1"/>
                 </a:solidFill>
               </a:rPr>
-              <a:t>algo que queremos maximizar ou minimizar</a:t>
+              <a:t>Teremos três grandes partes no projeto</a:t>
             </a:r>
             <a:endParaRPr sz="2400" b="0" u="none">
               <a:solidFill>
@@ -20592,16 +20428,21 @@
             </a:endParaRPr>
           </a:p>
           <a:p>
-            <a:pPr algn="l">
+            <a:pPr marL="394020" indent="-394020" algn="l">
+              <a:lnSpc>
+                <a:spcPct val="150000"/>
+              </a:lnSpc>
+              <a:buFont typeface="Arial"/>
+              <a:buChar char="•"/>
               <a:defRPr/>
             </a:pPr>
             <a:r>
-              <a:rPr sz="2400" b="1" u="none">
+              <a:rPr sz="2400" b="0" u="none">
                 <a:solidFill>
                   <a:schemeClr val="tx1"/>
                 </a:solidFill>
               </a:rPr>
-              <a:t>Restrições: </a:t>
+              <a:t>algoritmos</a:t>
             </a:r>
             <a:endParaRPr sz="2400" b="0" u="none">
               <a:solidFill>
@@ -20610,7 +20451,10 @@
             </a:endParaRPr>
           </a:p>
           <a:p>
-            <a:pPr marL="349965" indent="-349965" algn="l">
+            <a:pPr marL="394020" indent="-394020" algn="l">
+              <a:lnSpc>
+                <a:spcPct val="150000"/>
+              </a:lnSpc>
               <a:buFont typeface="Arial"/>
               <a:buChar char="•"/>
               <a:defRPr/>
@@ -20621,7 +20465,7 @@
                   <a:schemeClr val="tx1"/>
                 </a:solidFill>
               </a:rPr>
-              <a:t>definem quais possíveis soluções são válidas</a:t>
+              <a:t>análise de desempenho</a:t>
             </a:r>
             <a:endParaRPr sz="2400" b="0" u="none">
               <a:solidFill>
@@ -20630,17 +20474,12 @@
             </a:endParaRPr>
           </a:p>
           <a:p>
-            <a:pPr algn="l">
-              <a:defRPr/>
-            </a:pPr>
-            <a:endParaRPr sz="2400" b="0" u="none">
-              <a:solidFill>
-                <a:schemeClr val="tx1"/>
-              </a:solidFill>
-            </a:endParaRPr>
-          </a:p>
-          <a:p>
-            <a:pPr algn="l">
+            <a:pPr marL="394020" indent="-394020" algn="l">
+              <a:lnSpc>
+                <a:spcPct val="150000"/>
+              </a:lnSpc>
+              <a:buFont typeface="Arial"/>
+              <a:buChar char="•"/>
               <a:defRPr/>
             </a:pPr>
             <a:r>
@@ -20649,7 +20488,7 @@
                   <a:schemeClr val="tx1"/>
                 </a:solidFill>
               </a:rPr>
-              <a:t>Muitas classes de problemas:</a:t>
+              <a:t>paralelismo</a:t>
             </a:r>
             <a:endParaRPr sz="2400" b="0" u="none">
               <a:solidFill>
@@ -20658,7 +20497,12 @@
             </a:endParaRPr>
           </a:p>
           <a:p>
-            <a:pPr algn="l">
+            <a:pPr marL="394020" indent="-394020" algn="l">
+              <a:lnSpc>
+                <a:spcPct val="150000"/>
+              </a:lnSpc>
+              <a:buFont typeface="Arial"/>
+              <a:buChar char="•"/>
               <a:defRPr/>
             </a:pPr>
             <a:endParaRPr sz="2400" b="0" u="none">
@@ -20668,8 +20512,10 @@
             </a:endParaRPr>
           </a:p>
           <a:p>
-            <a:pPr marL="349965" indent="-349965" algn="l">
-              <a:buAutoNum type="arabicPeriod"/>
+            <a:pPr algn="l">
+              <a:lnSpc>
+                <a:spcPct val="150000"/>
+              </a:lnSpc>
               <a:defRPr/>
             </a:pPr>
             <a:r>
@@ -20678,7 +20524,7 @@
                   <a:schemeClr val="tx1"/>
                 </a:solidFill>
               </a:rPr>
-              <a:t>Programação Linear</a:t>
+              <a:t>Toda parte será conectada com alguma aula, em que faremos discussões e fixaremos um prazo para os exercícios</a:t>
             </a:r>
             <a:endParaRPr sz="2400" b="0" u="none">
               <a:solidFill>
@@ -20687,18 +20533,12 @@
             </a:endParaRPr>
           </a:p>
           <a:p>
-            <a:pPr marL="349965" indent="-349965" algn="l">
-              <a:buAutoNum type="arabicPeriod"/>
-              <a:defRPr/>
-            </a:pPr>
-            <a:r>
-              <a:rPr sz="2400" b="0" u="none">
-                <a:solidFill>
-                  <a:schemeClr val="tx1"/>
-                </a:solidFill>
-              </a:rPr>
-              <a:t>MIP (Mixed Integer Programming)</a:t>
-            </a:r>
+            <a:pPr algn="l">
+              <a:lnSpc>
+                <a:spcPct val="150000"/>
+              </a:lnSpc>
+              <a:defRPr/>
+            </a:pPr>
             <a:endParaRPr sz="2400" b="0" u="none">
               <a:solidFill>
                 <a:schemeClr val="tx1"/>
@@ -20706,40 +20546,12 @@
             </a:endParaRPr>
           </a:p>
           <a:p>
-            <a:pPr marL="349965" indent="-349965" algn="l">
-              <a:buAutoNum type="arabicPeriod"/>
-              <a:defRPr/>
-            </a:pPr>
-            <a:r>
-              <a:rPr sz="2400" b="0" u="none">
-                <a:solidFill>
-                  <a:schemeClr val="tx1"/>
-                </a:solidFill>
-              </a:rPr>
-              <a:t>Programação convexa</a:t>
-            </a:r>
-            <a:endParaRPr sz="2400" b="0" u="none">
+            <a:pPr algn="ctr">
+              <a:defRPr/>
+            </a:pPr>
+            <a:endParaRPr sz="2800" b="1" u="none">
               <a:solidFill>
-                <a:schemeClr val="tx1"/>
-              </a:solidFill>
-            </a:endParaRPr>
-          </a:p>
-          <a:p>
-            <a:pPr marL="349965" indent="-349965" algn="l">
-              <a:buAutoNum type="arabicPeriod"/>
-              <a:defRPr/>
-            </a:pPr>
-            <a:r>
-              <a:rPr sz="2400" b="0" u="none">
-                <a:solidFill>
-                  <a:schemeClr val="tx1"/>
-                </a:solidFill>
-              </a:rPr>
-              <a:t>Otimização combinatória</a:t>
-            </a:r>
-            <a:endParaRPr sz="2400" b="0" u="none">
-              <a:solidFill>
-                <a:schemeClr val="tx1"/>
+                <a:srgbClr val="C00026"/>
               </a:solidFill>
             </a:endParaRPr>
           </a:p>
@@ -20825,7 +20637,7 @@
                 <a:ea typeface="Verdana"/>
                 <a:cs typeface="Verdana"/>
               </a:rPr>
-              <a:t>Resolução de problemas - Otimização</a:t>
+              <a:t>Projeto - Travelling Salesperson (TSP)</a:t>
             </a:r>
             <a:endParaRPr sz="3200" b="0" i="0" u="none" strike="noStrike" cap="none">
               <a:solidFill>
@@ -20915,7 +20727,7 @@
               <a:buNone/>
               <a:defRPr/>
             </a:pPr>
-            <a:fld id="{A4D319C4-210B-ABA3-BBC8-A6F809171E71}" type="slidenum">
+            <a:fld id="{BF87EDCA-8CA0-8EAE-CF78-4786A69CF4FD}" type="slidenum">
               <a:rPr lang="pt-BR" sz="1000" b="0" i="0" u="none" strike="noStrike" cap="none">
                 <a:solidFill>
                   <a:srgbClr val="B2B2B2"/>
@@ -20947,8 +20759,8 @@
         </p:nvSpPr>
         <p:spPr bwMode="auto">
           <a:xfrm flipH="0" flipV="0">
-            <a:off x="309226" y="1588485"/>
-            <a:ext cx="8704380" cy="4976427"/>
+            <a:off x="309225" y="1588484"/>
+            <a:ext cx="8704379" cy="4976426"/>
           </a:xfrm>
           <a:prstGeom prst="rect">
             <a:avLst/>
@@ -20959,233 +20771,62 @@
           </a:ln>
         </p:spPr>
         <p:txBody>
-          <a:bodyPr spcFirstLastPara="1" wrap="square" lIns="91422" tIns="45695" rIns="91422" bIns="45695" anchor="t" anchorCtr="0">
+          <a:bodyPr spcFirstLastPara="1" wrap="square" lIns="91422" tIns="45694" rIns="91422" bIns="45694" anchor="t" anchorCtr="0">
             <a:noAutofit/>
           </a:bodyPr>
           <a:lstStyle/>
           <a:p>
-            <a:pPr algn="l">
-              <a:defRPr/>
-            </a:pPr>
-            <a:endParaRPr sz="2400" b="0" u="none">
+            <a:pPr>
+              <a:defRPr/>
+            </a:pPr>
+            <a:endParaRPr/>
+          </a:p>
+        </p:txBody>
+      </p:sp>
+      <p:sp>
+        <p:nvSpPr>
+          <p:cNvPr id="8" name="Google Shape;270;p55" hidden="0"/>
+          <p:cNvSpPr>
+            <a:spLocks noAdjustHandles="0" noChangeArrowheads="0"/>
+          </p:cNvSpPr>
+          <p:nvPr isPhoto="0" userDrawn="0"/>
+        </p:nvSpPr>
+        <p:spPr bwMode="auto">
+          <a:xfrm flipH="0" flipV="0">
+            <a:off x="309225" y="1588484"/>
+            <a:ext cx="8704379" cy="4976426"/>
+          </a:xfrm>
+          <a:prstGeom prst="rect">
+            <a:avLst/>
+          </a:prstGeom>
+          <a:noFill/>
+          <a:ln>
+            <a:noFill/>
+          </a:ln>
+        </p:spPr>
+        <p:txBody>
+          <a:bodyPr spcFirstLastPara="1" vertOverflow="overflow" horzOverflow="clip" vert="horz" wrap="square" lIns="91422" tIns="45694" rIns="91422" bIns="45694" numCol="1" spcCol="0" rtlCol="0" fromWordArt="0" anchor="ctr" anchorCtr="0" forceAA="0" upright="0" compatLnSpc="0">
+            <a:noAutofit/>
+          </a:bodyPr>
+          <a:lstStyle/>
+          <a:p>
+            <a:pPr algn="ctr">
+              <a:defRPr/>
+            </a:pPr>
+            <a:r>
+              <a:rPr lang="en-US" sz="2400" b="1" i="0" u="sng" strike="noStrike" cap="none" spc="0">
+                <a:solidFill>
+                  <a:schemeClr val="accent2"/>
+                </a:solidFill>
+                <a:latin typeface="Arial"/>
+                <a:ea typeface="Arial"/>
+                <a:cs typeface="Arial"/>
+              </a:rPr>
+              <a:t>https://insper.github.io/supercomp/projetos/</a:t>
+            </a:r>
+            <a:endParaRPr sz="2400" b="1" u="sng">
               <a:solidFill>
-                <a:schemeClr val="tx1"/>
-              </a:solidFill>
-            </a:endParaRPr>
-          </a:p>
-          <a:p>
-            <a:pPr algn="l">
-              <a:defRPr/>
-            </a:pPr>
-            <a:r>
-              <a:rPr sz="2400" b="1" u="none">
-                <a:solidFill>
-                  <a:schemeClr val="tx1"/>
-                </a:solidFill>
-              </a:rPr>
-              <a:t>Função </a:t>
-            </a:r>
-            <a:r>
-              <a:rPr sz="2400" b="1" u="sng">
-                <a:solidFill>
-                  <a:schemeClr val="tx1"/>
-                </a:solidFill>
-              </a:rPr>
-              <a:t>objetivo</a:t>
-            </a:r>
-            <a:r>
-              <a:rPr sz="2400" b="1" u="none">
-                <a:solidFill>
-                  <a:schemeClr val="tx1"/>
-                </a:solidFill>
-              </a:rPr>
-              <a:t>: </a:t>
-            </a:r>
-            <a:endParaRPr sz="2400" b="1" u="none">
-              <a:solidFill>
-                <a:schemeClr val="tx1"/>
-              </a:solidFill>
-            </a:endParaRPr>
-          </a:p>
-          <a:p>
-            <a:pPr marL="349965" indent="-349965" algn="l">
-              <a:buFont typeface="Arial"/>
-              <a:buChar char="•"/>
-              <a:defRPr/>
-            </a:pPr>
-            <a:r>
-              <a:rPr sz="2400" b="0" u="none">
-                <a:solidFill>
-                  <a:schemeClr val="tx1"/>
-                </a:solidFill>
-              </a:rPr>
-              <a:t>algo que queremos maximizar ou minimizar</a:t>
-            </a:r>
-            <a:endParaRPr sz="2400" b="0" u="none">
-              <a:solidFill>
-                <a:schemeClr val="tx1"/>
-              </a:solidFill>
-            </a:endParaRPr>
-          </a:p>
-          <a:p>
-            <a:pPr algn="l">
-              <a:defRPr/>
-            </a:pPr>
-            <a:endParaRPr sz="2400" b="0" u="none">
-              <a:solidFill>
-                <a:schemeClr val="tx1"/>
-              </a:solidFill>
-            </a:endParaRPr>
-          </a:p>
-          <a:p>
-            <a:pPr algn="l">
-              <a:defRPr/>
-            </a:pPr>
-            <a:r>
-              <a:rPr sz="2400" b="1" u="none">
-                <a:solidFill>
-                  <a:schemeClr val="tx1"/>
-                </a:solidFill>
-              </a:rPr>
-              <a:t>Restrições: </a:t>
-            </a:r>
-            <a:endParaRPr sz="2400" b="0" u="none">
-              <a:solidFill>
-                <a:schemeClr val="tx1"/>
-              </a:solidFill>
-            </a:endParaRPr>
-          </a:p>
-          <a:p>
-            <a:pPr marL="349965" indent="-349965" algn="l">
-              <a:buFont typeface="Arial"/>
-              <a:buChar char="•"/>
-              <a:defRPr/>
-            </a:pPr>
-            <a:r>
-              <a:rPr sz="2400" b="0" u="none">
-                <a:solidFill>
-                  <a:schemeClr val="tx1"/>
-                </a:solidFill>
-              </a:rPr>
-              <a:t>definem quais possíveis soluções são válidas</a:t>
-            </a:r>
-            <a:endParaRPr sz="2400" b="0" u="none">
-              <a:solidFill>
-                <a:schemeClr val="tx1"/>
-              </a:solidFill>
-            </a:endParaRPr>
-          </a:p>
-          <a:p>
-            <a:pPr algn="l">
-              <a:defRPr/>
-            </a:pPr>
-            <a:endParaRPr sz="2400" b="0" u="none">
-              <a:solidFill>
-                <a:schemeClr val="tx1"/>
-              </a:solidFill>
-            </a:endParaRPr>
-          </a:p>
-          <a:p>
-            <a:pPr algn="l">
-              <a:defRPr/>
-            </a:pPr>
-            <a:r>
-              <a:rPr sz="2400" b="0" u="none">
-                <a:solidFill>
-                  <a:schemeClr val="tx1"/>
-                </a:solidFill>
-              </a:rPr>
-              <a:t>Muitas classes de problemas:</a:t>
-            </a:r>
-            <a:endParaRPr sz="2400" b="0" u="none">
-              <a:solidFill>
-                <a:schemeClr val="tx1"/>
-              </a:solidFill>
-            </a:endParaRPr>
-          </a:p>
-          <a:p>
-            <a:pPr algn="l">
-              <a:defRPr/>
-            </a:pPr>
-            <a:endParaRPr sz="2400" b="0" u="none">
-              <a:solidFill>
-                <a:schemeClr val="tx1"/>
-              </a:solidFill>
-            </a:endParaRPr>
-          </a:p>
-          <a:p>
-            <a:pPr marL="349965" indent="-349965" algn="l">
-              <a:buAutoNum type="arabicPeriod"/>
-              <a:defRPr/>
-            </a:pPr>
-            <a:r>
-              <a:rPr sz="2400" b="0" u="none">
-                <a:solidFill>
-                  <a:schemeClr val="tx1"/>
-                </a:solidFill>
-              </a:rPr>
-              <a:t>Programação Linear</a:t>
-            </a:r>
-            <a:endParaRPr sz="2400" b="0" u="none">
-              <a:solidFill>
-                <a:schemeClr val="tx1"/>
-              </a:solidFill>
-            </a:endParaRPr>
-          </a:p>
-          <a:p>
-            <a:pPr marL="349965" indent="-349965" algn="l">
-              <a:buAutoNum type="arabicPeriod"/>
-              <a:defRPr/>
-            </a:pPr>
-            <a:r>
-              <a:rPr sz="2400" b="0" u="none">
-                <a:solidFill>
-                  <a:schemeClr val="tx1"/>
-                </a:solidFill>
-              </a:rPr>
-              <a:t>MIP (Mixed Integer Programming)</a:t>
-            </a:r>
-            <a:endParaRPr sz="2400" b="0" u="none">
-              <a:solidFill>
-                <a:schemeClr val="tx1"/>
-              </a:solidFill>
-            </a:endParaRPr>
-          </a:p>
-          <a:p>
-            <a:pPr marL="349965" indent="-349965" algn="l">
-              <a:buAutoNum type="arabicPeriod"/>
-              <a:defRPr/>
-            </a:pPr>
-            <a:r>
-              <a:rPr sz="2400" b="0" u="none">
-                <a:solidFill>
-                  <a:schemeClr val="tx1"/>
-                </a:solidFill>
-              </a:rPr>
-              <a:t>Programação convexa</a:t>
-            </a:r>
-            <a:endParaRPr sz="2400" b="0" u="none">
-              <a:solidFill>
-                <a:schemeClr val="tx1"/>
-              </a:solidFill>
-            </a:endParaRPr>
-          </a:p>
-          <a:p>
-            <a:pPr marL="349965" indent="-349965" algn="l">
-              <a:buAutoNum type="arabicPeriod"/>
-              <a:defRPr/>
-            </a:pPr>
-            <a:r>
-              <a:rPr sz="2400" b="1" u="none">
-                <a:solidFill>
-                  <a:schemeClr val="tx1"/>
-                </a:solidFill>
-              </a:rPr>
-              <a:t>Otimização combinatória</a:t>
-            </a:r>
-            <a:endParaRPr sz="2400" b="1" u="none">
-              <a:solidFill>
-                <a:schemeClr val="tx1"/>
+                <a:schemeClr val="accent2"/>
               </a:solidFill>
             </a:endParaRPr>
           </a:p>
@@ -21271,7 +20912,7 @@
                 <a:ea typeface="Verdana"/>
                 <a:cs typeface="Verdana"/>
               </a:rPr>
-              <a:t>Otimização combinatória</a:t>
+              <a:t>TSP - heurística</a:t>
             </a:r>
             <a:endParaRPr sz="3200" b="0" i="0" u="none" strike="noStrike" cap="none">
               <a:solidFill>
@@ -21361,7 +21002,7 @@
               <a:buNone/>
               <a:defRPr/>
             </a:pPr>
-            <a:fld id="{86E6728A-AF7C-3FA9-A540-18ED2ACA1D3B}" type="slidenum">
+            <a:fld id="{768B2562-19F9-7E4D-5BAB-A4B0F0C723D5}" type="slidenum">
               <a:rPr lang="pt-BR" sz="1000" b="0" i="0" u="none" strike="noStrike" cap="none">
                 <a:solidFill>
                   <a:srgbClr val="B2B2B2"/>
@@ -21393,8 +21034,8 @@
         </p:nvSpPr>
         <p:spPr bwMode="auto">
           <a:xfrm flipH="0" flipV="0">
-            <a:off x="309226" y="1588485"/>
-            <a:ext cx="8704380" cy="4976427"/>
+            <a:off x="309225" y="1588484"/>
+            <a:ext cx="8704379" cy="4976426"/>
           </a:xfrm>
           <a:prstGeom prst="rect">
             <a:avLst/>
@@ -21405,7 +21046,7 @@
           </a:ln>
         </p:spPr>
         <p:txBody>
-          <a:bodyPr spcFirstLastPara="1" wrap="square" lIns="91422" tIns="45695" rIns="91422" bIns="45695" anchor="t" anchorCtr="0">
+          <a:bodyPr spcFirstLastPara="1" wrap="square" lIns="91422" tIns="45694" rIns="91422" bIns="45694" anchor="t" anchorCtr="0">
             <a:noAutofit/>
           </a:bodyPr>
           <a:lstStyle/>
@@ -21413,81 +21054,148 @@
             <a:pPr>
               <a:defRPr/>
             </a:pPr>
+            <a:endParaRPr/>
+          </a:p>
+        </p:txBody>
+      </p:sp>
+      <p:sp>
+        <p:nvSpPr>
+          <p:cNvPr id="8" name="Google Shape;270;p55" hidden="0"/>
+          <p:cNvSpPr>
+            <a:spLocks noAdjustHandles="0" noChangeArrowheads="0"/>
+          </p:cNvSpPr>
+          <p:nvPr isPhoto="0" userDrawn="0"/>
+        </p:nvSpPr>
+        <p:spPr bwMode="auto">
+          <a:xfrm flipH="0" flipV="0">
+            <a:off x="309225" y="1588484"/>
+            <a:ext cx="8704379" cy="4976426"/>
+          </a:xfrm>
+          <a:prstGeom prst="rect">
+            <a:avLst/>
+          </a:prstGeom>
+          <a:noFill/>
+          <a:ln>
+            <a:noFill/>
+          </a:ln>
+        </p:spPr>
+        <p:txBody>
+          <a:bodyPr spcFirstLastPara="1" wrap="square" lIns="91422" tIns="45694" rIns="91422" bIns="45694" anchor="t" anchorCtr="0">
+            <a:noAutofit/>
+          </a:bodyPr>
+          <a:lstStyle/>
+          <a:p>
+            <a:pPr algn="l">
+              <a:defRPr/>
+            </a:pPr>
+            <a:endParaRPr sz="2400" b="1" u="sng">
+              <a:solidFill>
+                <a:schemeClr val="accent2"/>
+              </a:solidFill>
+            </a:endParaRPr>
+          </a:p>
+          <a:p>
+            <a:pPr algn="l">
+              <a:lnSpc>
+                <a:spcPct val="150000"/>
+              </a:lnSpc>
+              <a:defRPr/>
+            </a:pPr>
             <a:r>
-              <a:rPr sz="2400"/>
-              <a:t>Selecionar um objeto com melhor </a:t>
+              <a:rPr sz="2400" b="0" u="none">
+                <a:solidFill>
+                  <a:schemeClr val="tx1"/>
+                </a:solidFill>
+              </a:rPr>
+              <a:t>A primeira entrega do projeto será implementar uma heurística para resolver o TSP: </a:t>
             </a:r>
             <a:r>
-              <a:rPr sz="2400" u="sng"/>
-              <a:t>função objetivo</a:t>
+              <a:rPr sz="2400" b="1" u="none">
+                <a:solidFill>
+                  <a:srgbClr val="C00000"/>
+                </a:solidFill>
+              </a:rPr>
+              <a:t>a cidade mais próxima.</a:t>
             </a:r>
             <a:r>
-              <a:rPr sz="2400"/>
-              <a:t> dentre uma coleção finita.</a:t>
+              <a:rPr lang="en-US" sz="2400" b="0" i="0" u="none" strike="noStrike" cap="none" spc="0">
+                <a:solidFill>
+                  <a:schemeClr val="tx1"/>
+                </a:solidFill>
+                <a:latin typeface="Arial"/>
+                <a:ea typeface="Arial"/>
+                <a:cs typeface="Arial"/>
+              </a:rPr>
+              <a:t> A partir de uma cidade inicial iremos</a:t>
             </a:r>
-            <a:endParaRPr sz="2400"/>
-          </a:p>
-          <a:p>
-            <a:pPr>
-              <a:defRPr/>
-            </a:pPr>
-            <a:endParaRPr sz="2400"/>
-          </a:p>
-          <a:p>
-            <a:pPr marL="349965" indent="-349965">
+            <a:endParaRPr sz="2400" b="0" u="none">
+              <a:solidFill>
+                <a:schemeClr val="tx1"/>
+              </a:solidFill>
+            </a:endParaRPr>
+          </a:p>
+          <a:p>
+            <a:pPr algn="l">
               <a:lnSpc>
-                <a:spcPct val="200000"/>
+                <a:spcPct val="150000"/>
               </a:lnSpc>
-              <a:buAutoNum type="arabicPeriod"/>
+              <a:defRPr/>
+            </a:pPr>
+            <a:endParaRPr sz="2400" b="0" u="none">
+              <a:solidFill>
+                <a:schemeClr val="tx1"/>
+              </a:solidFill>
+            </a:endParaRPr>
+          </a:p>
+          <a:p>
+            <a:pPr algn="ctr">
+              <a:lnSpc>
+                <a:spcPct val="150000"/>
+              </a:lnSpc>
               <a:defRPr/>
             </a:pPr>
             <a:r>
-              <a:rPr sz="2400"/>
-              <a:t>Não tem derivada</a:t>
-            </a:r>
-            <a:endParaRPr sz="2400"/>
-          </a:p>
-          <a:p>
-            <a:pPr marL="349965" indent="-349965">
-              <a:lnSpc>
-                <a:spcPct val="200000"/>
-              </a:lnSpc>
-              <a:buAutoNum type="arabicPeriod"/>
-              <a:defRPr/>
-            </a:pPr>
-            <a:r>
-              <a:rPr sz="2400"/>
-              <a:t>Não tem vizinhança</a:t>
-            </a:r>
-            <a:endParaRPr sz="2400"/>
-          </a:p>
-          <a:p>
-            <a:pPr marL="349965" indent="-349965">
-              <a:lnSpc>
-                <a:spcPct val="200000"/>
-              </a:lnSpc>
-              <a:buAutoNum type="arabicPeriod"/>
-              <a:defRPr/>
-            </a:pPr>
-            <a:r>
-              <a:rPr sz="2400"/>
-              <a:t>Coleção não é densa</a:t>
-            </a:r>
-            <a:endParaRPr sz="2400"/>
-          </a:p>
-          <a:p>
-            <a:pPr algn="ctr">
-              <a:defRPr/>
-            </a:pPr>
-            <a:r>
-              <a:rPr sz="2800" b="1">
+              <a:rPr sz="2400" b="1" u="none">
                 <a:solidFill>
-                  <a:schemeClr val="accent2"/>
+                  <a:srgbClr val="C00026"/>
                 </a:solidFill>
               </a:rPr>
-              <a:t>Técnicas tradicionais de cálculo e otimização não funcionam, pois nosso problema é discreto</a:t>
+              <a:t>Escolher sempre a cidade mais próxima não visitada</a:t>
             </a:r>
-            <a:endParaRPr sz="2800" b="1"/>
+            <a:endParaRPr sz="2400" b="0" u="none">
+              <a:solidFill>
+                <a:schemeClr val="tx1"/>
+              </a:solidFill>
+            </a:endParaRPr>
+          </a:p>
+          <a:p>
+            <a:pPr marL="394023" indent="-394023" algn="ctr">
+              <a:buAutoNum type="arabicPeriod"/>
+              <a:defRPr/>
+            </a:pPr>
+            <a:endParaRPr sz="2800" b="1" u="none">
+              <a:solidFill>
+                <a:srgbClr val="C00026"/>
+              </a:solidFill>
+            </a:endParaRPr>
+          </a:p>
+          <a:p>
+            <a:pPr algn="l">
+              <a:defRPr/>
+            </a:pPr>
+            <a:r>
+              <a:rPr sz="2400" b="0" u="none">
+                <a:solidFill>
+                  <a:schemeClr val="tx1"/>
+                </a:solidFill>
+              </a:rPr>
+              <a:t>Note que isto depende da cidade inicial. Para esta entrega iremos começar sempre na primeira cidade. </a:t>
+            </a:r>
+            <a:endParaRPr sz="2400" b="0" u="none">
+              <a:solidFill>
+                <a:schemeClr val="tx1"/>
+              </a:solidFill>
+            </a:endParaRPr>
           </a:p>
         </p:txBody>
       </p:sp>
@@ -21571,7 +21279,7 @@
                 <a:ea typeface="Verdana"/>
                 <a:cs typeface="Verdana"/>
               </a:rPr>
-              <a:t>A mochila binária</a:t>
+              <a:t>TSP - heurística</a:t>
             </a:r>
             <a:endParaRPr sz="3200" b="0" i="0" u="none" strike="noStrike" cap="none">
               <a:solidFill>
@@ -21661,7 +21369,7 @@
               <a:buNone/>
               <a:defRPr/>
             </a:pPr>
-            <a:fld id="{3A049494-4AEC-56F1-76FF-3EB7D1EF3643}" type="slidenum">
+            <a:fld id="{2E457F80-03FE-1824-D29A-98321C6D6590}" type="slidenum">
               <a:rPr lang="pt-BR" sz="1000" b="0" i="0" u="none" strike="noStrike" cap="none">
                 <a:solidFill>
                   <a:srgbClr val="B2B2B2"/>
@@ -21693,7 +21401,7 @@
         </p:nvSpPr>
         <p:spPr bwMode="auto">
           <a:xfrm flipH="0" flipV="0">
-            <a:off x="309225" y="1588485"/>
+            <a:off x="309225" y="1588484"/>
             <a:ext cx="8704379" cy="4976426"/>
           </a:xfrm>
           <a:prstGeom prst="rect">
@@ -21717,9 +21425,156 @@
           </a:p>
         </p:txBody>
       </p:sp>
+      <p:sp>
+        <p:nvSpPr>
+          <p:cNvPr id="8" name="Google Shape;270;p55" hidden="0"/>
+          <p:cNvSpPr>
+            <a:spLocks noAdjustHandles="0" noChangeArrowheads="0"/>
+          </p:cNvSpPr>
+          <p:nvPr isPhoto="0" userDrawn="0"/>
+        </p:nvSpPr>
+        <p:spPr bwMode="auto">
+          <a:xfrm flipH="0" flipV="0">
+            <a:off x="309225" y="1588484"/>
+            <a:ext cx="8704379" cy="4976426"/>
+          </a:xfrm>
+          <a:prstGeom prst="rect">
+            <a:avLst/>
+          </a:prstGeom>
+          <a:noFill/>
+          <a:ln>
+            <a:noFill/>
+          </a:ln>
+        </p:spPr>
+        <p:txBody>
+          <a:bodyPr spcFirstLastPara="1" wrap="square" lIns="91422" tIns="45694" rIns="91422" bIns="45694" anchor="t" anchorCtr="0">
+            <a:noAutofit/>
+          </a:bodyPr>
+          <a:lstStyle/>
+          <a:p>
+            <a:pPr algn="l">
+              <a:defRPr/>
+            </a:pPr>
+            <a:endParaRPr sz="2400" b="1" u="sng">
+              <a:solidFill>
+                <a:schemeClr val="accent2"/>
+              </a:solidFill>
+            </a:endParaRPr>
+          </a:p>
+          <a:p>
+            <a:pPr algn="l">
+              <a:defRPr/>
+            </a:pPr>
+            <a:endParaRPr sz="2400" b="1" u="sng">
+              <a:solidFill>
+                <a:schemeClr val="accent2"/>
+              </a:solidFill>
+            </a:endParaRPr>
+          </a:p>
+          <a:p>
+            <a:pPr algn="l">
+              <a:defRPr/>
+            </a:pPr>
+            <a:endParaRPr sz="2400" b="1" u="sng">
+              <a:solidFill>
+                <a:schemeClr val="accent2"/>
+              </a:solidFill>
+            </a:endParaRPr>
+          </a:p>
+          <a:p>
+            <a:pPr algn="l">
+              <a:defRPr/>
+            </a:pPr>
+            <a:endParaRPr sz="2400" b="0" u="none">
+              <a:solidFill>
+                <a:schemeClr val="tx1"/>
+              </a:solidFill>
+            </a:endParaRPr>
+          </a:p>
+          <a:p>
+            <a:pPr algn="l">
+              <a:defRPr/>
+            </a:pPr>
+            <a:endParaRPr sz="2400" b="0" u="none">
+              <a:solidFill>
+                <a:schemeClr val="tx1"/>
+              </a:solidFill>
+            </a:endParaRPr>
+          </a:p>
+          <a:p>
+            <a:pPr algn="l">
+              <a:defRPr/>
+            </a:pPr>
+            <a:endParaRPr sz="2400" b="0" u="none">
+              <a:solidFill>
+                <a:schemeClr val="tx1"/>
+              </a:solidFill>
+            </a:endParaRPr>
+          </a:p>
+          <a:p>
+            <a:pPr algn="l">
+              <a:defRPr/>
+            </a:pPr>
+            <a:endParaRPr sz="2400" b="0" u="none">
+              <a:solidFill>
+                <a:schemeClr val="tx1"/>
+              </a:solidFill>
+            </a:endParaRPr>
+          </a:p>
+          <a:p>
+            <a:pPr marL="349965" indent="-349965" algn="l">
+              <a:buAutoNum type="arabicPeriod"/>
+              <a:defRPr/>
+            </a:pPr>
+            <a:r>
+              <a:rPr sz="2400" b="0" u="none">
+                <a:solidFill>
+                  <a:schemeClr val="tx1"/>
+                </a:solidFill>
+              </a:rPr>
+              <a:t>Corretores automáticos estarão disponíveis no repositório privado</a:t>
+            </a:r>
+            <a:endParaRPr sz="2400" b="0" u="none">
+              <a:solidFill>
+                <a:schemeClr val="tx1"/>
+              </a:solidFill>
+            </a:endParaRPr>
+          </a:p>
+          <a:p>
+            <a:pPr marL="349965" indent="-349965" algn="l">
+              <a:buAutoNum type="arabicPeriod"/>
+              <a:defRPr/>
+            </a:pPr>
+            <a:endParaRPr sz="2400" b="0" u="none">
+              <a:solidFill>
+                <a:schemeClr val="tx1"/>
+              </a:solidFill>
+            </a:endParaRPr>
+          </a:p>
+          <a:p>
+            <a:pPr marL="349965" indent="-349965" algn="l">
+              <a:buAutoNum type="arabicPeriod"/>
+              <a:defRPr/>
+            </a:pPr>
+            <a:r>
+              <a:rPr sz="2400" b="0" u="none">
+                <a:solidFill>
+                  <a:schemeClr val="tx1"/>
+                </a:solidFill>
+              </a:rPr>
+              <a:t>Entradas/saídas de exemplo serão fornecidos para ajudar a debugar suas implementações</a:t>
+            </a:r>
+            <a:endParaRPr sz="2400" b="0" u="none">
+              <a:solidFill>
+                <a:schemeClr val="tx1"/>
+              </a:solidFill>
+            </a:endParaRPr>
+          </a:p>
+        </p:txBody>
+      </p:sp>
       <p:pic>
         <p:nvPicPr>
-          <p:cNvPr id="8" name="" hidden="0"/>
+          <p:cNvPr id="9" name="" hidden="0"/>
           <p:cNvPicPr>
             <a:picLocks noChangeAspect="1"/>
           </p:cNvPicPr>
@@ -21731,53 +21586,14 @@
         </p:blipFill>
         <p:spPr bwMode="auto">
           <a:xfrm>
-            <a:off x="2256885" y="1760115"/>
-            <a:ext cx="4629150" cy="4010024"/>
+            <a:off x="3524249" y="1588483"/>
+            <a:ext cx="2095499" cy="2095499"/>
           </a:xfrm>
           <a:prstGeom prst="rect">
             <a:avLst/>
           </a:prstGeom>
         </p:spPr>
       </p:pic>
-      <p:sp>
-        <p:nvSpPr>
-          <p:cNvPr id="9" name="" hidden="0"/>
-          <p:cNvSpPr/>
-          <p:nvPr isPhoto="0" userDrawn="0"/>
-        </p:nvSpPr>
-        <p:spPr bwMode="auto">
-          <a:xfrm flipH="0" flipV="0">
-            <a:off x="530550" y="6262338"/>
-            <a:ext cx="8081817" cy="383973"/>
-          </a:xfrm>
-          <a:prstGeom prst="rect">
-            <a:avLst/>
-          </a:prstGeom>
-          <a:noFill/>
-        </p:spPr>
-        <p:txBody>
-          <a:bodyPr vertOverflow="overflow" horzOverflow="clip" vert="horz" wrap="square" lIns="91440" tIns="45720" rIns="91440" bIns="45720" numCol="1" spcCol="0" rtlCol="0" fromWordArt="0" anchor="t" anchorCtr="0" forceAA="0" upright="0" compatLnSpc="0">
-            <a:noAutofit/>
-          </a:bodyPr>
-          <a:p>
-            <a:pPr>
-              <a:defRPr/>
-            </a:pPr>
-            <a:r>
-              <a:rPr lang="en-US" sz="1400" b="0" i="0" u="none" strike="noStrike" cap="none" spc="0">
-                <a:solidFill>
-                  <a:srgbClr val="000000"/>
-                </a:solidFill>
-                <a:latin typeface="Arial"/>
-                <a:ea typeface="Arial"/>
-                <a:cs typeface="Arial"/>
-              </a:rPr>
-              <a:t>https://commons.wikimedia.org/wiki/File:Knapsack.svg</a:t>
-            </a:r>
-            <a:endParaRPr/>
-          </a:p>
-        </p:txBody>
-      </p:sp>
     </p:spTree>
   </p:cSld>
   <p:clrMapOvr>
@@ -21813,7 +21629,7 @@
       </p:grpSpPr>
       <p:sp>
         <p:nvSpPr>
-          <p:cNvPr id="4" name="Google Shape;267;p55" hidden="0"/>
+          <p:cNvPr id="4" name="Google Shape;259;p54" hidden="0"/>
           <p:cNvSpPr/>
           <p:nvPr isPhoto="0" userDrawn="0"/>
         </p:nvSpPr>
@@ -21858,7 +21674,7 @@
                 <a:ea typeface="Verdana"/>
                 <a:cs typeface="Verdana"/>
               </a:rPr>
-              <a:t>A mochila binária</a:t>
+              <a:t>Hoje</a:t>
             </a:r>
             <a:endParaRPr sz="3200" b="0" i="0" u="none" strike="noStrike" cap="none">
               <a:solidFill>
@@ -21873,7 +21689,7 @@
       </p:sp>
       <p:sp>
         <p:nvSpPr>
-          <p:cNvPr id="5" name="Google Shape;268;p55" hidden="0"/>
+          <p:cNvPr id="5" name="Google Shape;260;p54" hidden="0"/>
           <p:cNvSpPr/>
           <p:nvPr isPhoto="0" userDrawn="0"/>
         </p:nvSpPr>
@@ -21912,7 +21728,7 @@
       </p:sp>
       <p:sp>
         <p:nvSpPr>
-          <p:cNvPr id="6" name="Google Shape;269;p55" hidden="0"/>
+          <p:cNvPr id="6" name="Google Shape;261;p54" hidden="0"/>
           <p:cNvSpPr/>
           <p:nvPr isPhoto="0" userDrawn="0"/>
         </p:nvSpPr>
@@ -21948,7 +21764,7 @@
               <a:buNone/>
               <a:defRPr/>
             </a:pPr>
-            <a:fld id="{0EF8BBFC-7C06-91DC-40E9-5D326DD73940}" type="slidenum">
+            <a:fld id="{C4D2708F-FD48-DE3A-57D5-ACCDA54D9931}" type="slidenum">
               <a:rPr lang="pt-BR" sz="1000" b="0" i="0" u="none" strike="noStrike" cap="none">
                 <a:solidFill>
                   <a:srgbClr val="B2B2B2"/>
@@ -21972,16 +21788,16 @@
       </p:sp>
       <p:sp>
         <p:nvSpPr>
-          <p:cNvPr id="7" name="Google Shape;270;p55" hidden="0"/>
+          <p:cNvPr id="7" name="Google Shape;262;p54" hidden="0"/>
           <p:cNvSpPr>
             <a:spLocks noAdjustHandles="0" noChangeArrowheads="0"/>
           </p:cNvSpPr>
           <p:nvPr isPhoto="0" userDrawn="0"/>
         </p:nvSpPr>
         <p:spPr bwMode="auto">
-          <a:xfrm flipH="0" flipV="0">
-            <a:off x="309225" y="1588485"/>
-            <a:ext cx="8704379" cy="4976426"/>
+          <a:xfrm>
+            <a:off x="576000" y="1728000"/>
+            <a:ext cx="7920000" cy="3599532"/>
           </a:xfrm>
           <a:prstGeom prst="rect">
             <a:avLst/>
@@ -21992,128 +21808,51 @@
           </a:ln>
         </p:spPr>
         <p:txBody>
-          <a:bodyPr spcFirstLastPara="1" wrap="square" lIns="91422" tIns="45694" rIns="91422" bIns="45694" anchor="t" anchorCtr="0">
+          <a:bodyPr spcFirstLastPara="1" wrap="square" lIns="90000" tIns="45000" rIns="90000" bIns="45000" anchor="t" anchorCtr="0">
             <a:noAutofit/>
           </a:bodyPr>
           <a:lstStyle/>
           <a:p>
-            <a:pPr>
+            <a:pPr marL="216000" marR="0" lvl="0" indent="-216000" algn="l">
+              <a:lnSpc>
+                <a:spcPct val="100000"/>
+              </a:lnSpc>
+              <a:spcBef>
+                <a:spcPts val="3966"/>
+              </a:spcBef>
+              <a:spcAft>
+                <a:spcPts val="0"/>
+              </a:spcAft>
+              <a:buClr>
+                <a:srgbClr val="000000"/>
+              </a:buClr>
+              <a:buSzPts val="1440"/>
+              <a:buFont typeface="Noto Sans Symbols"/>
+              <a:buChar char="●"/>
               <a:defRPr/>
             </a:pPr>
             <a:r>
-              <a:rPr sz="2400"/>
-              <a:t>Quais escolhas podem ser feitas?</a:t>
+              <a:rPr lang="pt-BR" sz="3200" b="0" i="0" u="none" strike="noStrike" cap="none">
+                <a:solidFill>
+                  <a:schemeClr val="dk1"/>
+                </a:solidFill>
+                <a:latin typeface="Arial"/>
+                <a:ea typeface="Arial"/>
+                <a:cs typeface="Arial"/>
+              </a:rPr>
+              <a:t>Algoritmos aleatorizados</a:t>
             </a:r>
-            <a:endParaRPr sz="2400"/>
-          </a:p>
-          <a:p>
-            <a:pPr marL="750015" lvl="1" indent="-349965">
-              <a:buFont typeface="Arial"/>
-              <a:buChar char="•"/>
-              <a:defRPr/>
-            </a:pPr>
-            <a:endParaRPr sz="2000"/>
-          </a:p>
-          <a:p>
-            <a:pPr>
-              <a:defRPr/>
-            </a:pPr>
-            <a:endParaRPr/>
-          </a:p>
-          <a:p>
-            <a:pPr>
-              <a:defRPr/>
-            </a:pPr>
-            <a:endParaRPr/>
-          </a:p>
-          <a:p>
-            <a:pPr>
-              <a:defRPr/>
-            </a:pPr>
-            <a:endParaRPr/>
-          </a:p>
-          <a:p>
-            <a:pPr>
-              <a:defRPr/>
-            </a:pPr>
-            <a:r>
-              <a:rPr sz="2400"/>
-              <a:t>Qual é </a:t>
-            </a:r>
-            <a:r>
-              <a:rPr sz="2400"/>
-              <a:t>a função objetivo?</a:t>
-            </a:r>
-            <a:endParaRPr sz="2400"/>
-          </a:p>
-          <a:p>
-            <a:pPr marL="639871" lvl="1" indent="-239821">
-              <a:buFont typeface="Arial"/>
-              <a:buChar char="•"/>
-              <a:defRPr/>
-            </a:pPr>
-            <a:endParaRPr/>
-          </a:p>
-          <a:p>
-            <a:pPr>
-              <a:defRPr/>
-            </a:pPr>
-            <a:endParaRPr/>
-          </a:p>
-          <a:p>
-            <a:pPr>
-              <a:defRPr/>
-            </a:pPr>
-            <a:endParaRPr sz="2400"/>
-          </a:p>
-          <a:p>
-            <a:pPr>
-              <a:defRPr/>
-            </a:pPr>
-            <a:endParaRPr sz="2400"/>
-          </a:p>
-          <a:p>
-            <a:pPr>
-              <a:defRPr/>
-            </a:pPr>
-            <a:r>
-              <a:rPr sz="2400"/>
-              <a:t>Quais são as restrições?</a:t>
-            </a:r>
-            <a:endParaRPr sz="2400"/>
-          </a:p>
-          <a:p>
-            <a:pPr marL="750015" lvl="1" indent="-349965">
-              <a:buFont typeface="Arial"/>
-              <a:buChar char="•"/>
-              <a:defRPr/>
-            </a:pPr>
-            <a:endParaRPr/>
+            <a:endParaRPr sz="3200" b="0" i="0" u="none" strike="noStrike" cap="none">
+              <a:solidFill>
+                <a:schemeClr val="dk1"/>
+              </a:solidFill>
+              <a:latin typeface="Arial"/>
+              <a:ea typeface="Arial"/>
+              <a:cs typeface="Arial"/>
+            </a:endParaRPr>
           </a:p>
         </p:txBody>
       </p:sp>
-      <p:pic>
-        <p:nvPicPr>
-          <p:cNvPr id="8" name="" hidden="0"/>
-          <p:cNvPicPr>
-            <a:picLocks noChangeAspect="1"/>
-          </p:cNvPicPr>
-          <p:nvPr isPhoto="0" userDrawn="0"/>
-        </p:nvPicPr>
-        <p:blipFill>
-          <a:blip r:embed="rId2"/>
-          <a:stretch/>
-        </p:blipFill>
-        <p:spPr bwMode="auto">
-          <a:xfrm flipH="0" flipV="0">
-            <a:off x="6239171" y="2178637"/>
-            <a:ext cx="2566294" cy="2223066"/>
-          </a:xfrm>
-          <a:prstGeom prst="rect">
-            <a:avLst/>
-          </a:prstGeom>
-        </p:spPr>
-      </p:pic>
     </p:spTree>
   </p:cSld>
   <p:clrMapOvr>
